--- a/Presentation.pptx
+++ b/Presentation.pptx
@@ -3672,7 +3672,7 @@
           <a:bodyPr/>
           <a:lstStyle/>
           <a:p>
-            <a:endParaRPr lang="fr-FR"/>
+            <a:endParaRPr lang="fr-FR" dirty="0"/>
           </a:p>
         </p:txBody>
       </p:sp>

--- a/Presentation.pptx
+++ b/Presentation.pptx
@@ -1,6 +1,6 @@
 
 <file path=ppt/presentation.xml><?xml version="1.0" encoding="utf-8"?>
-<p:presentation xmlns:a="http://schemas.openxmlformats.org/drawingml/2006/main" xmlns:r="http://schemas.openxmlformats.org/officeDocument/2006/relationships" xmlns:p="http://schemas.openxmlformats.org/presentationml/2006/main" saveSubsetFonts="1">
+<p:presentation xmlns:a="http://schemas.openxmlformats.org/drawingml/2006/main" xmlns:r="http://schemas.openxmlformats.org/officeDocument/2006/relationships" xmlns:p="http://schemas.openxmlformats.org/presentationml/2006/main" autoCompressPictures="0">
   <p:sldMasterIdLst>
     <p:sldMasterId id="2147483648" r:id="rId1"/>
   </p:sldMasterIdLst>
@@ -9,15 +9,14 @@
     <p:sldId id="257" r:id="rId3"/>
     <p:sldId id="258" r:id="rId4"/>
     <p:sldId id="259" r:id="rId5"/>
-    <p:sldId id="260" r:id="rId6"/>
   </p:sldIdLst>
   <p:sldSz cx="12192000" cy="6858000"/>
   <p:notesSz cx="6858000" cy="9144000"/>
   <p:defaultTextStyle>
     <a:defPPr>
-      <a:defRPr lang="fr-FR"/>
+      <a:defRPr lang="en-US"/>
     </a:defPPr>
-    <a:lvl1pPr marL="0" algn="l" defTabSz="914400" rtl="0" eaLnBrk="1" latinLnBrk="0" hangingPunct="1">
+    <a:lvl1pPr marL="0" algn="l" defTabSz="457200" rtl="0" eaLnBrk="1" latinLnBrk="0" hangingPunct="1">
       <a:defRPr sz="1800" kern="1200">
         <a:solidFill>
           <a:schemeClr val="tx1"/>
@@ -27,7 +26,7 @@
         <a:cs typeface="+mn-cs"/>
       </a:defRPr>
     </a:lvl1pPr>
-    <a:lvl2pPr marL="457200" algn="l" defTabSz="914400" rtl="0" eaLnBrk="1" latinLnBrk="0" hangingPunct="1">
+    <a:lvl2pPr marL="457200" algn="l" defTabSz="457200" rtl="0" eaLnBrk="1" latinLnBrk="0" hangingPunct="1">
       <a:defRPr sz="1800" kern="1200">
         <a:solidFill>
           <a:schemeClr val="tx1"/>
@@ -37,7 +36,7 @@
         <a:cs typeface="+mn-cs"/>
       </a:defRPr>
     </a:lvl2pPr>
-    <a:lvl3pPr marL="914400" algn="l" defTabSz="914400" rtl="0" eaLnBrk="1" latinLnBrk="0" hangingPunct="1">
+    <a:lvl3pPr marL="914400" algn="l" defTabSz="457200" rtl="0" eaLnBrk="1" latinLnBrk="0" hangingPunct="1">
       <a:defRPr sz="1800" kern="1200">
         <a:solidFill>
           <a:schemeClr val="tx1"/>
@@ -47,7 +46,7 @@
         <a:cs typeface="+mn-cs"/>
       </a:defRPr>
     </a:lvl3pPr>
-    <a:lvl4pPr marL="1371600" algn="l" defTabSz="914400" rtl="0" eaLnBrk="1" latinLnBrk="0" hangingPunct="1">
+    <a:lvl4pPr marL="1371600" algn="l" defTabSz="457200" rtl="0" eaLnBrk="1" latinLnBrk="0" hangingPunct="1">
       <a:defRPr sz="1800" kern="1200">
         <a:solidFill>
           <a:schemeClr val="tx1"/>
@@ -57,7 +56,7 @@
         <a:cs typeface="+mn-cs"/>
       </a:defRPr>
     </a:lvl4pPr>
-    <a:lvl5pPr marL="1828800" algn="l" defTabSz="914400" rtl="0" eaLnBrk="1" latinLnBrk="0" hangingPunct="1">
+    <a:lvl5pPr marL="1828800" algn="l" defTabSz="457200" rtl="0" eaLnBrk="1" latinLnBrk="0" hangingPunct="1">
       <a:defRPr sz="1800" kern="1200">
         <a:solidFill>
           <a:schemeClr val="tx1"/>
@@ -67,7 +66,7 @@
         <a:cs typeface="+mn-cs"/>
       </a:defRPr>
     </a:lvl5pPr>
-    <a:lvl6pPr marL="2286000" algn="l" defTabSz="914400" rtl="0" eaLnBrk="1" latinLnBrk="0" hangingPunct="1">
+    <a:lvl6pPr marL="2286000" algn="l" defTabSz="457200" rtl="0" eaLnBrk="1" latinLnBrk="0" hangingPunct="1">
       <a:defRPr sz="1800" kern="1200">
         <a:solidFill>
           <a:schemeClr val="tx1"/>
@@ -77,7 +76,7 @@
         <a:cs typeface="+mn-cs"/>
       </a:defRPr>
     </a:lvl6pPr>
-    <a:lvl7pPr marL="2743200" algn="l" defTabSz="914400" rtl="0" eaLnBrk="1" latinLnBrk="0" hangingPunct="1">
+    <a:lvl7pPr marL="2743200" algn="l" defTabSz="457200" rtl="0" eaLnBrk="1" latinLnBrk="0" hangingPunct="1">
       <a:defRPr sz="1800" kern="1200">
         <a:solidFill>
           <a:schemeClr val="tx1"/>
@@ -87,7 +86,7 @@
         <a:cs typeface="+mn-cs"/>
       </a:defRPr>
     </a:lvl7pPr>
-    <a:lvl8pPr marL="3200400" algn="l" defTabSz="914400" rtl="0" eaLnBrk="1" latinLnBrk="0" hangingPunct="1">
+    <a:lvl8pPr marL="3200400" algn="l" defTabSz="457200" rtl="0" eaLnBrk="1" latinLnBrk="0" hangingPunct="1">
       <a:defRPr sz="1800" kern="1200">
         <a:solidFill>
           <a:schemeClr val="tx1"/>
@@ -97,7 +96,7 @@
         <a:cs typeface="+mn-cs"/>
       </a:defRPr>
     </a:lvl8pPr>
-    <a:lvl9pPr marL="3657600" algn="l" defTabSz="914400" rtl="0" eaLnBrk="1" latinLnBrk="0" hangingPunct="1">
+    <a:lvl9pPr marL="3657600" algn="l" defTabSz="457200" rtl="0" eaLnBrk="1" latinLnBrk="0" hangingPunct="1">
       <a:defRPr sz="1800" kern="1200">
         <a:solidFill>
           <a:schemeClr val="tx1"/>
@@ -112,7 +111,7 @@
 </file>
 
 <file path=ppt/slideLayouts/slideLayout1.xml><?xml version="1.0" encoding="utf-8"?>
-<p:sldLayout xmlns:a="http://schemas.openxmlformats.org/drawingml/2006/main" xmlns:r="http://schemas.openxmlformats.org/officeDocument/2006/relationships" xmlns:p="http://schemas.openxmlformats.org/presentationml/2006/main" type="title" preserve="1">
+<p:sldLayout xmlns:a="http://schemas.openxmlformats.org/drawingml/2006/main" xmlns:r="http://schemas.openxmlformats.org/officeDocument/2006/relationships" xmlns:p="http://schemas.openxmlformats.org/presentationml/2006/main" showMasterSp="0" type="title" preserve="1">
   <p:cSld name="Diapositive de titre">
     <p:spTree>
       <p:nvGrpSpPr>
@@ -128,15 +127,541 @@
           <a:chExt cx="0" cy="0"/>
         </a:xfrm>
       </p:grpSpPr>
-      <p:sp>
-        <p:nvSpPr>
-          <p:cNvPr id="2" name="Titre 1">
-            <a:extLst>
-              <a:ext uri="{FF2B5EF4-FFF2-40B4-BE49-F238E27FC236}">
-                <a16:creationId xmlns:a16="http://schemas.microsoft.com/office/drawing/2014/main" id="{03192F60-FF0C-47CC-9974-34F82DB36360}"/>
-              </a:ext>
-            </a:extLst>
-          </p:cNvPr>
+      <p:grpSp>
+        <p:nvGrpSpPr>
+          <p:cNvPr id="8" name="Group 7"/>
+          <p:cNvGrpSpPr/>
+          <p:nvPr/>
+        </p:nvGrpSpPr>
+        <p:grpSpPr>
+          <a:xfrm>
+            <a:off x="0" y="-8467"/>
+            <a:ext cx="12192000" cy="6866467"/>
+            <a:chOff x="0" y="-8467"/>
+            <a:chExt cx="12192000" cy="6866467"/>
+          </a:xfrm>
+        </p:grpSpPr>
+        <p:cxnSp>
+          <p:nvCxnSpPr>
+            <p:cNvPr id="32" name="Straight Connector 31"/>
+            <p:cNvCxnSpPr/>
+            <p:nvPr/>
+          </p:nvCxnSpPr>
+          <p:spPr>
+            <a:xfrm>
+              <a:off x="9371012" y="0"/>
+              <a:ext cx="1219200" cy="6858000"/>
+            </a:xfrm>
+            <a:prstGeom prst="line">
+              <a:avLst/>
+            </a:prstGeom>
+            <a:ln w="9525">
+              <a:solidFill>
+                <a:schemeClr val="bg1">
+                  <a:lumMod val="85000"/>
+                  <a:lumOff val="15000"/>
+                </a:schemeClr>
+              </a:solidFill>
+            </a:ln>
+          </p:spPr>
+          <p:style>
+            <a:lnRef idx="2">
+              <a:schemeClr val="accent1"/>
+            </a:lnRef>
+            <a:fillRef idx="0">
+              <a:schemeClr val="accent1"/>
+            </a:fillRef>
+            <a:effectRef idx="1">
+              <a:schemeClr val="accent1"/>
+            </a:effectRef>
+            <a:fontRef idx="minor">
+              <a:schemeClr val="tx1"/>
+            </a:fontRef>
+          </p:style>
+        </p:cxnSp>
+        <p:cxnSp>
+          <p:nvCxnSpPr>
+            <p:cNvPr id="21" name="Straight Connector 20"/>
+            <p:cNvCxnSpPr/>
+            <p:nvPr/>
+          </p:nvCxnSpPr>
+          <p:spPr>
+            <a:xfrm flipH="1">
+              <a:off x="7425267" y="3681413"/>
+              <a:ext cx="4763558" cy="3176587"/>
+            </a:xfrm>
+            <a:prstGeom prst="line">
+              <a:avLst/>
+            </a:prstGeom>
+            <a:ln w="9525">
+              <a:solidFill>
+                <a:schemeClr val="bg1">
+                  <a:lumMod val="85000"/>
+                  <a:lumOff val="15000"/>
+                </a:schemeClr>
+              </a:solidFill>
+            </a:ln>
+          </p:spPr>
+          <p:style>
+            <a:lnRef idx="2">
+              <a:schemeClr val="accent1"/>
+            </a:lnRef>
+            <a:fillRef idx="0">
+              <a:schemeClr val="accent1"/>
+            </a:fillRef>
+            <a:effectRef idx="1">
+              <a:schemeClr val="accent1"/>
+            </a:effectRef>
+            <a:fontRef idx="minor">
+              <a:schemeClr val="tx1"/>
+            </a:fontRef>
+          </p:style>
+        </p:cxnSp>
+        <p:sp>
+          <p:nvSpPr>
+            <p:cNvPr id="24" name="Rectangle 23"/>
+            <p:cNvSpPr/>
+            <p:nvPr/>
+          </p:nvSpPr>
+          <p:spPr>
+            <a:xfrm>
+              <a:off x="9181476" y="-8467"/>
+              <a:ext cx="3007349" cy="6866467"/>
+            </a:xfrm>
+            <a:custGeom>
+              <a:avLst/>
+              <a:gdLst/>
+              <a:ahLst/>
+              <a:cxnLst/>
+              <a:rect l="l" t="t" r="r" b="b"/>
+              <a:pathLst>
+                <a:path w="3007349" h="6866467">
+                  <a:moveTo>
+                    <a:pt x="2045532" y="0"/>
+                  </a:moveTo>
+                  <a:lnTo>
+                    <a:pt x="3007349" y="0"/>
+                  </a:lnTo>
+                  <a:lnTo>
+                    <a:pt x="3007349" y="6866467"/>
+                  </a:lnTo>
+                  <a:lnTo>
+                    <a:pt x="0" y="6866467"/>
+                  </a:lnTo>
+                  <a:lnTo>
+                    <a:pt x="2045532" y="0"/>
+                  </a:lnTo>
+                  <a:close/>
+                </a:path>
+              </a:pathLst>
+            </a:custGeom>
+            <a:solidFill>
+              <a:schemeClr val="accent1">
+                <a:alpha val="30000"/>
+              </a:schemeClr>
+            </a:solidFill>
+            <a:ln>
+              <a:noFill/>
+            </a:ln>
+            <a:effectLst/>
+          </p:spPr>
+          <p:style>
+            <a:lnRef idx="1">
+              <a:schemeClr val="accent1"/>
+            </a:lnRef>
+            <a:fillRef idx="3">
+              <a:schemeClr val="accent1"/>
+            </a:fillRef>
+            <a:effectRef idx="2">
+              <a:schemeClr val="accent1"/>
+            </a:effectRef>
+            <a:fontRef idx="minor">
+              <a:schemeClr val="lt1"/>
+            </a:fontRef>
+          </p:style>
+        </p:sp>
+        <p:sp>
+          <p:nvSpPr>
+            <p:cNvPr id="26" name="Rectangle 25"/>
+            <p:cNvSpPr/>
+            <p:nvPr/>
+          </p:nvSpPr>
+          <p:spPr>
+            <a:xfrm>
+              <a:off x="9603442" y="-8467"/>
+              <a:ext cx="2588558" cy="6866467"/>
+            </a:xfrm>
+            <a:custGeom>
+              <a:avLst/>
+              <a:gdLst/>
+              <a:ahLst/>
+              <a:cxnLst/>
+              <a:rect l="l" t="t" r="r" b="b"/>
+              <a:pathLst>
+                <a:path w="2573311" h="6866467">
+                  <a:moveTo>
+                    <a:pt x="0" y="0"/>
+                  </a:moveTo>
+                  <a:lnTo>
+                    <a:pt x="2573311" y="0"/>
+                  </a:lnTo>
+                  <a:lnTo>
+                    <a:pt x="2573311" y="6866467"/>
+                  </a:lnTo>
+                  <a:lnTo>
+                    <a:pt x="1202336" y="6866467"/>
+                  </a:lnTo>
+                  <a:lnTo>
+                    <a:pt x="0" y="0"/>
+                  </a:lnTo>
+                  <a:close/>
+                </a:path>
+              </a:pathLst>
+            </a:custGeom>
+            <a:solidFill>
+              <a:schemeClr val="accent1">
+                <a:alpha val="20000"/>
+              </a:schemeClr>
+            </a:solidFill>
+            <a:ln>
+              <a:noFill/>
+            </a:ln>
+            <a:effectLst/>
+          </p:spPr>
+          <p:style>
+            <a:lnRef idx="1">
+              <a:schemeClr val="accent1"/>
+            </a:lnRef>
+            <a:fillRef idx="3">
+              <a:schemeClr val="accent1"/>
+            </a:fillRef>
+            <a:effectRef idx="2">
+              <a:schemeClr val="accent1"/>
+            </a:effectRef>
+            <a:fontRef idx="minor">
+              <a:schemeClr val="lt1"/>
+            </a:fontRef>
+          </p:style>
+        </p:sp>
+        <p:sp>
+          <p:nvSpPr>
+            <p:cNvPr id="27" name="Isosceles Triangle 26"/>
+            <p:cNvSpPr/>
+            <p:nvPr/>
+          </p:nvSpPr>
+          <p:spPr>
+            <a:xfrm>
+              <a:off x="8932333" y="3048000"/>
+              <a:ext cx="3259667" cy="3810000"/>
+            </a:xfrm>
+            <a:prstGeom prst="triangle">
+              <a:avLst>
+                <a:gd name="adj" fmla="val 100000"/>
+              </a:avLst>
+            </a:prstGeom>
+            <a:solidFill>
+              <a:schemeClr val="accent2">
+                <a:alpha val="72000"/>
+              </a:schemeClr>
+            </a:solidFill>
+            <a:ln>
+              <a:noFill/>
+            </a:ln>
+            <a:effectLst/>
+          </p:spPr>
+          <p:style>
+            <a:lnRef idx="1">
+              <a:schemeClr val="accent1"/>
+            </a:lnRef>
+            <a:fillRef idx="3">
+              <a:schemeClr val="accent1"/>
+            </a:fillRef>
+            <a:effectRef idx="2">
+              <a:schemeClr val="accent1"/>
+            </a:effectRef>
+            <a:fontRef idx="minor">
+              <a:schemeClr val="lt1"/>
+            </a:fontRef>
+          </p:style>
+        </p:sp>
+        <p:sp>
+          <p:nvSpPr>
+            <p:cNvPr id="28" name="Rectangle 27"/>
+            <p:cNvSpPr/>
+            <p:nvPr/>
+          </p:nvSpPr>
+          <p:spPr>
+            <a:xfrm>
+              <a:off x="9334500" y="-8467"/>
+              <a:ext cx="2854326" cy="6866467"/>
+            </a:xfrm>
+            <a:custGeom>
+              <a:avLst/>
+              <a:gdLst/>
+              <a:ahLst/>
+              <a:cxnLst/>
+              <a:rect l="l" t="t" r="r" b="b"/>
+              <a:pathLst>
+                <a:path w="2858013" h="6866467">
+                  <a:moveTo>
+                    <a:pt x="0" y="0"/>
+                  </a:moveTo>
+                  <a:lnTo>
+                    <a:pt x="2858013" y="0"/>
+                  </a:lnTo>
+                  <a:lnTo>
+                    <a:pt x="2858013" y="6866467"/>
+                  </a:lnTo>
+                  <a:lnTo>
+                    <a:pt x="2473942" y="6866467"/>
+                  </a:lnTo>
+                  <a:lnTo>
+                    <a:pt x="0" y="0"/>
+                  </a:lnTo>
+                  <a:close/>
+                </a:path>
+              </a:pathLst>
+            </a:custGeom>
+            <a:solidFill>
+              <a:schemeClr val="accent2">
+                <a:lumMod val="75000"/>
+                <a:alpha val="70000"/>
+              </a:schemeClr>
+            </a:solidFill>
+            <a:ln>
+              <a:noFill/>
+            </a:ln>
+            <a:effectLst/>
+          </p:spPr>
+          <p:style>
+            <a:lnRef idx="1">
+              <a:schemeClr val="accent1"/>
+            </a:lnRef>
+            <a:fillRef idx="3">
+              <a:schemeClr val="accent1"/>
+            </a:fillRef>
+            <a:effectRef idx="2">
+              <a:schemeClr val="accent1"/>
+            </a:effectRef>
+            <a:fontRef idx="minor">
+              <a:schemeClr val="lt1"/>
+            </a:fontRef>
+          </p:style>
+        </p:sp>
+        <p:sp>
+          <p:nvSpPr>
+            <p:cNvPr id="29" name="Rectangle 28"/>
+            <p:cNvSpPr/>
+            <p:nvPr/>
+          </p:nvSpPr>
+          <p:spPr>
+            <a:xfrm>
+              <a:off x="10898730" y="-8467"/>
+              <a:ext cx="1290094" cy="6866467"/>
+            </a:xfrm>
+            <a:custGeom>
+              <a:avLst/>
+              <a:gdLst/>
+              <a:ahLst/>
+              <a:cxnLst/>
+              <a:rect l="l" t="t" r="r" b="b"/>
+              <a:pathLst>
+                <a:path w="1290094" h="6858000">
+                  <a:moveTo>
+                    <a:pt x="1019735" y="0"/>
+                  </a:moveTo>
+                  <a:lnTo>
+                    <a:pt x="1290094" y="0"/>
+                  </a:lnTo>
+                  <a:lnTo>
+                    <a:pt x="1290094" y="6858000"/>
+                  </a:lnTo>
+                  <a:lnTo>
+                    <a:pt x="0" y="6858000"/>
+                  </a:lnTo>
+                  <a:lnTo>
+                    <a:pt x="1019735" y="0"/>
+                  </a:lnTo>
+                  <a:close/>
+                </a:path>
+              </a:pathLst>
+            </a:custGeom>
+            <a:solidFill>
+              <a:schemeClr val="accent1">
+                <a:lumMod val="60000"/>
+                <a:lumOff val="40000"/>
+                <a:alpha val="70000"/>
+              </a:schemeClr>
+            </a:solidFill>
+            <a:ln>
+              <a:noFill/>
+            </a:ln>
+            <a:effectLst/>
+          </p:spPr>
+          <p:style>
+            <a:lnRef idx="1">
+              <a:schemeClr val="accent1"/>
+            </a:lnRef>
+            <a:fillRef idx="3">
+              <a:schemeClr val="accent1"/>
+            </a:fillRef>
+            <a:effectRef idx="2">
+              <a:schemeClr val="accent1"/>
+            </a:effectRef>
+            <a:fontRef idx="minor">
+              <a:schemeClr val="lt1"/>
+            </a:fontRef>
+          </p:style>
+        </p:sp>
+        <p:sp>
+          <p:nvSpPr>
+            <p:cNvPr id="30" name="Rectangle 29"/>
+            <p:cNvSpPr/>
+            <p:nvPr/>
+          </p:nvSpPr>
+          <p:spPr>
+            <a:xfrm>
+              <a:off x="10938999" y="-8467"/>
+              <a:ext cx="1249825" cy="6866467"/>
+            </a:xfrm>
+            <a:custGeom>
+              <a:avLst/>
+              <a:gdLst/>
+              <a:ahLst/>
+              <a:cxnLst/>
+              <a:rect l="l" t="t" r="r" b="b"/>
+              <a:pathLst>
+                <a:path w="1249825" h="6858000">
+                  <a:moveTo>
+                    <a:pt x="0" y="0"/>
+                  </a:moveTo>
+                  <a:lnTo>
+                    <a:pt x="1249825" y="0"/>
+                  </a:lnTo>
+                  <a:lnTo>
+                    <a:pt x="1249825" y="6858000"/>
+                  </a:lnTo>
+                  <a:lnTo>
+                    <a:pt x="1109382" y="6858000"/>
+                  </a:lnTo>
+                  <a:lnTo>
+                    <a:pt x="0" y="0"/>
+                  </a:lnTo>
+                  <a:close/>
+                </a:path>
+              </a:pathLst>
+            </a:custGeom>
+            <a:solidFill>
+              <a:schemeClr val="accent1">
+                <a:alpha val="65000"/>
+              </a:schemeClr>
+            </a:solidFill>
+            <a:ln>
+              <a:noFill/>
+            </a:ln>
+            <a:effectLst/>
+          </p:spPr>
+          <p:style>
+            <a:lnRef idx="1">
+              <a:schemeClr val="accent1"/>
+            </a:lnRef>
+            <a:fillRef idx="3">
+              <a:schemeClr val="accent1"/>
+            </a:fillRef>
+            <a:effectRef idx="2">
+              <a:schemeClr val="accent1"/>
+            </a:effectRef>
+            <a:fontRef idx="minor">
+              <a:schemeClr val="lt1"/>
+            </a:fontRef>
+          </p:style>
+        </p:sp>
+        <p:sp>
+          <p:nvSpPr>
+            <p:cNvPr id="31" name="Isosceles Triangle 30"/>
+            <p:cNvSpPr/>
+            <p:nvPr/>
+          </p:nvSpPr>
+          <p:spPr>
+            <a:xfrm>
+              <a:off x="10371666" y="3589867"/>
+              <a:ext cx="1817159" cy="3268133"/>
+            </a:xfrm>
+            <a:prstGeom prst="triangle">
+              <a:avLst>
+                <a:gd name="adj" fmla="val 100000"/>
+              </a:avLst>
+            </a:prstGeom>
+            <a:solidFill>
+              <a:schemeClr val="accent1">
+                <a:alpha val="80000"/>
+              </a:schemeClr>
+            </a:solidFill>
+            <a:ln>
+              <a:noFill/>
+            </a:ln>
+            <a:effectLst/>
+          </p:spPr>
+          <p:style>
+            <a:lnRef idx="1">
+              <a:schemeClr val="accent1"/>
+            </a:lnRef>
+            <a:fillRef idx="3">
+              <a:schemeClr val="accent1"/>
+            </a:fillRef>
+            <a:effectRef idx="2">
+              <a:schemeClr val="accent1"/>
+            </a:effectRef>
+            <a:fontRef idx="minor">
+              <a:schemeClr val="lt1"/>
+            </a:fontRef>
+          </p:style>
+        </p:sp>
+        <p:sp>
+          <p:nvSpPr>
+            <p:cNvPr id="19" name="Isosceles Triangle 18"/>
+            <p:cNvSpPr/>
+            <p:nvPr/>
+          </p:nvSpPr>
+          <p:spPr>
+            <a:xfrm rot="10800000">
+              <a:off x="0" y="0"/>
+              <a:ext cx="842596" cy="5666154"/>
+            </a:xfrm>
+            <a:prstGeom prst="triangle">
+              <a:avLst>
+                <a:gd name="adj" fmla="val 100000"/>
+              </a:avLst>
+            </a:prstGeom>
+            <a:solidFill>
+              <a:schemeClr val="accent1">
+                <a:alpha val="85000"/>
+              </a:schemeClr>
+            </a:solidFill>
+            <a:ln>
+              <a:noFill/>
+            </a:ln>
+            <a:effectLst/>
+          </p:spPr>
+          <p:style>
+            <a:lnRef idx="1">
+              <a:schemeClr val="accent1"/>
+            </a:lnRef>
+            <a:fillRef idx="3">
+              <a:schemeClr val="accent1"/>
+            </a:fillRef>
+            <a:effectRef idx="2">
+              <a:schemeClr val="accent1"/>
+            </a:effectRef>
+            <a:fontRef idx="minor">
+              <a:schemeClr val="lt1"/>
+            </a:fontRef>
+          </p:style>
+        </p:sp>
+      </p:grpSp>
+      <p:sp>
+        <p:nvSpPr>
+          <p:cNvPr id="2" name="Title 1"/>
           <p:cNvSpPr>
             <a:spLocks noGrp="1"/>
           </p:cNvSpPr>
@@ -146,15 +671,21 @@
         </p:nvSpPr>
         <p:spPr>
           <a:xfrm>
-            <a:off x="1524000" y="1122363"/>
-            <a:ext cx="9144000" cy="2387600"/>
+            <a:off x="1507067" y="2404534"/>
+            <a:ext cx="7766936" cy="1646302"/>
           </a:xfrm>
         </p:spPr>
         <p:txBody>
-          <a:bodyPr anchor="b"/>
+          <a:bodyPr anchor="b">
+            <a:noAutofit/>
+          </a:bodyPr>
           <a:lstStyle>
-            <a:lvl1pPr algn="ctr">
-              <a:defRPr sz="6000"/>
+            <a:lvl1pPr algn="r">
+              <a:defRPr sz="5400">
+                <a:solidFill>
+                  <a:schemeClr val="accent1"/>
+                </a:solidFill>
+              </a:defRPr>
             </a:lvl1pPr>
           </a:lstStyle>
           <a:p>
@@ -162,18 +693,13 @@
               <a:rPr lang="fr-FR"/>
               <a:t>Modifiez le style du titre</a:t>
             </a:r>
-          </a:p>
-        </p:txBody>
-      </p:sp>
-      <p:sp>
-        <p:nvSpPr>
-          <p:cNvPr id="3" name="Sous-titre 2">
-            <a:extLst>
-              <a:ext uri="{FF2B5EF4-FFF2-40B4-BE49-F238E27FC236}">
-                <a16:creationId xmlns:a16="http://schemas.microsoft.com/office/drawing/2014/main" id="{2FC830C6-CD38-4F88-8ACF-0DAC99FA7AC9}"/>
-              </a:ext>
-            </a:extLst>
-          </p:cNvPr>
+            <a:endParaRPr lang="en-US" dirty="0"/>
+          </a:p>
+        </p:txBody>
+      </p:sp>
+      <p:sp>
+        <p:nvSpPr>
+          <p:cNvPr id="3" name="Subtitle 2"/>
           <p:cNvSpPr>
             <a:spLocks noGrp="1"/>
           </p:cNvSpPr>
@@ -183,48 +709,103 @@
         </p:nvSpPr>
         <p:spPr>
           <a:xfrm>
-            <a:off x="1524000" y="3602038"/>
-            <a:ext cx="9144000" cy="1655762"/>
+            <a:off x="1507067" y="4050833"/>
+            <a:ext cx="7766936" cy="1096899"/>
           </a:xfrm>
         </p:spPr>
         <p:txBody>
-          <a:bodyPr/>
+          <a:bodyPr anchor="t"/>
           <a:lstStyle>
-            <a:lvl1pPr marL="0" indent="0" algn="ctr">
-              <a:buNone/>
-              <a:defRPr sz="2400"/>
+            <a:lvl1pPr marL="0" indent="0" algn="r">
+              <a:buNone/>
+              <a:defRPr>
+                <a:solidFill>
+                  <a:schemeClr val="tx1">
+                    <a:lumMod val="50000"/>
+                    <a:lumOff val="50000"/>
+                  </a:schemeClr>
+                </a:solidFill>
+              </a:defRPr>
             </a:lvl1pPr>
             <a:lvl2pPr marL="457200" indent="0" algn="ctr">
               <a:buNone/>
-              <a:defRPr sz="2000"/>
+              <a:defRPr>
+                <a:solidFill>
+                  <a:schemeClr val="tx1">
+                    <a:tint val="75000"/>
+                  </a:schemeClr>
+                </a:solidFill>
+              </a:defRPr>
             </a:lvl2pPr>
             <a:lvl3pPr marL="914400" indent="0" algn="ctr">
               <a:buNone/>
-              <a:defRPr sz="1800"/>
+              <a:defRPr>
+                <a:solidFill>
+                  <a:schemeClr val="tx1">
+                    <a:tint val="75000"/>
+                  </a:schemeClr>
+                </a:solidFill>
+              </a:defRPr>
             </a:lvl3pPr>
             <a:lvl4pPr marL="1371600" indent="0" algn="ctr">
               <a:buNone/>
-              <a:defRPr sz="1600"/>
+              <a:defRPr>
+                <a:solidFill>
+                  <a:schemeClr val="tx1">
+                    <a:tint val="75000"/>
+                  </a:schemeClr>
+                </a:solidFill>
+              </a:defRPr>
             </a:lvl4pPr>
             <a:lvl5pPr marL="1828800" indent="0" algn="ctr">
               <a:buNone/>
-              <a:defRPr sz="1600"/>
+              <a:defRPr>
+                <a:solidFill>
+                  <a:schemeClr val="tx1">
+                    <a:tint val="75000"/>
+                  </a:schemeClr>
+                </a:solidFill>
+              </a:defRPr>
             </a:lvl5pPr>
             <a:lvl6pPr marL="2286000" indent="0" algn="ctr">
               <a:buNone/>
-              <a:defRPr sz="1600"/>
+              <a:defRPr>
+                <a:solidFill>
+                  <a:schemeClr val="tx1">
+                    <a:tint val="75000"/>
+                  </a:schemeClr>
+                </a:solidFill>
+              </a:defRPr>
             </a:lvl6pPr>
             <a:lvl7pPr marL="2743200" indent="0" algn="ctr">
               <a:buNone/>
-              <a:defRPr sz="1600"/>
+              <a:defRPr>
+                <a:solidFill>
+                  <a:schemeClr val="tx1">
+                    <a:tint val="75000"/>
+                  </a:schemeClr>
+                </a:solidFill>
+              </a:defRPr>
             </a:lvl7pPr>
             <a:lvl8pPr marL="3200400" indent="0" algn="ctr">
               <a:buNone/>
-              <a:defRPr sz="1600"/>
+              <a:defRPr>
+                <a:solidFill>
+                  <a:schemeClr val="tx1">
+                    <a:tint val="75000"/>
+                  </a:schemeClr>
+                </a:solidFill>
+              </a:defRPr>
             </a:lvl8pPr>
             <a:lvl9pPr marL="3657600" indent="0" algn="ctr">
               <a:buNone/>
-              <a:defRPr sz="1600"/>
+              <a:defRPr>
+                <a:solidFill>
+                  <a:schemeClr val="tx1">
+                    <a:tint val="75000"/>
+                  </a:schemeClr>
+                </a:solidFill>
+              </a:defRPr>
             </a:lvl9pPr>
           </a:lstStyle>
           <a:p>
@@ -232,18 +813,13 @@
               <a:rPr lang="fr-FR"/>
               <a:t>Modifiez le style des sous-titres du masque</a:t>
             </a:r>
-          </a:p>
-        </p:txBody>
-      </p:sp>
-      <p:sp>
-        <p:nvSpPr>
-          <p:cNvPr id="4" name="Espace réservé de la date 3">
-            <a:extLst>
-              <a:ext uri="{FF2B5EF4-FFF2-40B4-BE49-F238E27FC236}">
-                <a16:creationId xmlns:a16="http://schemas.microsoft.com/office/drawing/2014/main" id="{C875E312-EC96-4CF7-A41C-94D6C206A9BA}"/>
-              </a:ext>
-            </a:extLst>
-          </p:cNvPr>
+            <a:endParaRPr lang="en-US" dirty="0"/>
+          </a:p>
+        </p:txBody>
+      </p:sp>
+      <p:sp>
+        <p:nvSpPr>
+          <p:cNvPr id="4" name="Date Placeholder 3"/>
           <p:cNvSpPr>
             <a:spLocks noGrp="1"/>
           </p:cNvSpPr>
@@ -256,23 +832,18 @@
           <a:bodyPr/>
           <a:lstStyle/>
           <a:p>
-            <a:fld id="{F5C50AB6-A0D8-4207-8B93-D23DF95458BE}" type="datetimeFigureOut">
-              <a:rPr lang="fr-FR" smtClean="0"/>
-              <a:t>07/01/2021</a:t>
+            <a:fld id="{B61BEF0D-F0BB-DE4B-95CE-6DB70DBA9567}" type="datetimeFigureOut">
+              <a:rPr lang="en-US" dirty="0"/>
+              <a:pPr/>
+              <a:t>1/28/2021</a:t>
             </a:fld>
-            <a:endParaRPr lang="fr-FR"/>
-          </a:p>
-        </p:txBody>
-      </p:sp>
-      <p:sp>
-        <p:nvSpPr>
-          <p:cNvPr id="5" name="Espace réservé du pied de page 4">
-            <a:extLst>
-              <a:ext uri="{FF2B5EF4-FFF2-40B4-BE49-F238E27FC236}">
-                <a16:creationId xmlns:a16="http://schemas.microsoft.com/office/drawing/2014/main" id="{2A6645E0-0A93-4356-A494-74A0F62C6BF5}"/>
-              </a:ext>
-            </a:extLst>
-          </p:cNvPr>
+            <a:endParaRPr lang="en-US" dirty="0"/>
+          </a:p>
+        </p:txBody>
+      </p:sp>
+      <p:sp>
+        <p:nvSpPr>
+          <p:cNvPr id="5" name="Footer Placeholder 4"/>
           <p:cNvSpPr>
             <a:spLocks noGrp="1"/>
           </p:cNvSpPr>
@@ -285,19 +856,13 @@
           <a:bodyPr/>
           <a:lstStyle/>
           <a:p>
-            <a:endParaRPr lang="fr-FR"/>
-          </a:p>
-        </p:txBody>
-      </p:sp>
-      <p:sp>
-        <p:nvSpPr>
-          <p:cNvPr id="6" name="Espace réservé du numéro de diapositive 5">
-            <a:extLst>
-              <a:ext uri="{FF2B5EF4-FFF2-40B4-BE49-F238E27FC236}">
-                <a16:creationId xmlns:a16="http://schemas.microsoft.com/office/drawing/2014/main" id="{7D47689C-1DDD-4D1D-B019-E639DBFDBFF6}"/>
-              </a:ext>
-            </a:extLst>
-          </p:cNvPr>
+            <a:endParaRPr lang="en-US" dirty="0"/>
+          </a:p>
+        </p:txBody>
+      </p:sp>
+      <p:sp>
+        <p:nvSpPr>
+          <p:cNvPr id="6" name="Slide Number Placeholder 5"/>
           <p:cNvSpPr>
             <a:spLocks noGrp="1"/>
           </p:cNvSpPr>
@@ -310,20 +875,16 @@
           <a:bodyPr/>
           <a:lstStyle/>
           <a:p>
-            <a:fld id="{91C05D8E-2257-4187-9F34-FDADC0F4CE20}" type="slidenum">
-              <a:rPr lang="fr-FR" smtClean="0"/>
+            <a:fld id="{D57F1E4F-1CFF-5643-939E-217C01CDF565}" type="slidenum">
+              <a:rPr lang="en-US" dirty="0"/>
+              <a:pPr/>
               <a:t>‹N°›</a:t>
             </a:fld>
-            <a:endParaRPr lang="fr-FR"/>
+            <a:endParaRPr lang="en-US" dirty="0"/>
           </a:p>
         </p:txBody>
       </p:sp>
     </p:spTree>
-    <p:extLst>
-      <p:ext uri="{BB962C8B-B14F-4D97-AF65-F5344CB8AC3E}">
-        <p14:creationId xmlns:p14="http://schemas.microsoft.com/office/powerpoint/2010/main" val="1599463426"/>
-      </p:ext>
-    </p:extLst>
   </p:cSld>
   <p:clrMapOvr>
     <a:masterClrMapping/>
@@ -332,6 +893,1584 @@
 </file>
 
 <file path=ppt/slideLayouts/slideLayout10.xml><?xml version="1.0" encoding="utf-8"?>
+<p:sldLayout xmlns:a="http://schemas.openxmlformats.org/drawingml/2006/main" xmlns:r="http://schemas.openxmlformats.org/officeDocument/2006/relationships" xmlns:p="http://schemas.openxmlformats.org/presentationml/2006/main" preserve="1">
+  <p:cSld name="Titre et légende">
+    <p:spTree>
+      <p:nvGrpSpPr>
+        <p:cNvPr id="1" name=""/>
+        <p:cNvGrpSpPr/>
+        <p:nvPr/>
+      </p:nvGrpSpPr>
+      <p:grpSpPr>
+        <a:xfrm>
+          <a:off x="0" y="0"/>
+          <a:ext cx="0" cy="0"/>
+          <a:chOff x="0" y="0"/>
+          <a:chExt cx="0" cy="0"/>
+        </a:xfrm>
+      </p:grpSpPr>
+      <p:sp>
+        <p:nvSpPr>
+          <p:cNvPr id="2" name="Title 1"/>
+          <p:cNvSpPr>
+            <a:spLocks noGrp="1"/>
+          </p:cNvSpPr>
+          <p:nvPr>
+            <p:ph type="title"/>
+          </p:nvPr>
+        </p:nvSpPr>
+        <p:spPr>
+          <a:xfrm>
+            <a:off x="677335" y="609600"/>
+            <a:ext cx="8596668" cy="3403600"/>
+          </a:xfrm>
+        </p:spPr>
+        <p:txBody>
+          <a:bodyPr anchor="ctr">
+            <a:normAutofit/>
+          </a:bodyPr>
+          <a:lstStyle>
+            <a:lvl1pPr algn="l">
+              <a:defRPr sz="4400" b="0" cap="none"/>
+            </a:lvl1pPr>
+          </a:lstStyle>
+          <a:p>
+            <a:r>
+              <a:rPr lang="fr-FR"/>
+              <a:t>Modifiez le style du titre</a:t>
+            </a:r>
+            <a:endParaRPr lang="en-US" dirty="0"/>
+          </a:p>
+        </p:txBody>
+      </p:sp>
+      <p:sp>
+        <p:nvSpPr>
+          <p:cNvPr id="3" name="Text Placeholder 2"/>
+          <p:cNvSpPr>
+            <a:spLocks noGrp="1"/>
+          </p:cNvSpPr>
+          <p:nvPr>
+            <p:ph type="body" idx="1"/>
+          </p:nvPr>
+        </p:nvSpPr>
+        <p:spPr>
+          <a:xfrm>
+            <a:off x="677335" y="4470400"/>
+            <a:ext cx="8596668" cy="1570962"/>
+          </a:xfrm>
+        </p:spPr>
+        <p:txBody>
+          <a:bodyPr anchor="ctr">
+            <a:normAutofit/>
+          </a:bodyPr>
+          <a:lstStyle>
+            <a:lvl1pPr marL="0" indent="0" algn="l">
+              <a:buNone/>
+              <a:defRPr sz="1800">
+                <a:solidFill>
+                  <a:schemeClr val="tx1">
+                    <a:lumMod val="75000"/>
+                    <a:lumOff val="25000"/>
+                  </a:schemeClr>
+                </a:solidFill>
+              </a:defRPr>
+            </a:lvl1pPr>
+            <a:lvl2pPr marL="457200" indent="0">
+              <a:buNone/>
+              <a:defRPr sz="1800">
+                <a:solidFill>
+                  <a:schemeClr val="tx1">
+                    <a:tint val="75000"/>
+                  </a:schemeClr>
+                </a:solidFill>
+              </a:defRPr>
+            </a:lvl2pPr>
+            <a:lvl3pPr marL="914400" indent="0">
+              <a:buNone/>
+              <a:defRPr sz="1600">
+                <a:solidFill>
+                  <a:schemeClr val="tx1">
+                    <a:tint val="75000"/>
+                  </a:schemeClr>
+                </a:solidFill>
+              </a:defRPr>
+            </a:lvl3pPr>
+            <a:lvl4pPr marL="1371600" indent="0">
+              <a:buNone/>
+              <a:defRPr sz="1400">
+                <a:solidFill>
+                  <a:schemeClr val="tx1">
+                    <a:tint val="75000"/>
+                  </a:schemeClr>
+                </a:solidFill>
+              </a:defRPr>
+            </a:lvl4pPr>
+            <a:lvl5pPr marL="1828800" indent="0">
+              <a:buNone/>
+              <a:defRPr sz="1400">
+                <a:solidFill>
+                  <a:schemeClr val="tx1">
+                    <a:tint val="75000"/>
+                  </a:schemeClr>
+                </a:solidFill>
+              </a:defRPr>
+            </a:lvl5pPr>
+            <a:lvl6pPr marL="2286000" indent="0">
+              <a:buNone/>
+              <a:defRPr sz="1400">
+                <a:solidFill>
+                  <a:schemeClr val="tx1">
+                    <a:tint val="75000"/>
+                  </a:schemeClr>
+                </a:solidFill>
+              </a:defRPr>
+            </a:lvl6pPr>
+            <a:lvl7pPr marL="2743200" indent="0">
+              <a:buNone/>
+              <a:defRPr sz="1400">
+                <a:solidFill>
+                  <a:schemeClr val="tx1">
+                    <a:tint val="75000"/>
+                  </a:schemeClr>
+                </a:solidFill>
+              </a:defRPr>
+            </a:lvl7pPr>
+            <a:lvl8pPr marL="3200400" indent="0">
+              <a:buNone/>
+              <a:defRPr sz="1400">
+                <a:solidFill>
+                  <a:schemeClr val="tx1">
+                    <a:tint val="75000"/>
+                  </a:schemeClr>
+                </a:solidFill>
+              </a:defRPr>
+            </a:lvl8pPr>
+            <a:lvl9pPr marL="3657600" indent="0">
+              <a:buNone/>
+              <a:defRPr sz="1400">
+                <a:solidFill>
+                  <a:schemeClr val="tx1">
+                    <a:tint val="75000"/>
+                  </a:schemeClr>
+                </a:solidFill>
+              </a:defRPr>
+            </a:lvl9pPr>
+          </a:lstStyle>
+          <a:p>
+            <a:pPr lvl="0"/>
+            <a:r>
+              <a:rPr lang="fr-FR"/>
+              <a:t>Cliquez pour modifier les styles du texte du masque</a:t>
+            </a:r>
+          </a:p>
+        </p:txBody>
+      </p:sp>
+      <p:sp>
+        <p:nvSpPr>
+          <p:cNvPr id="4" name="Date Placeholder 3"/>
+          <p:cNvSpPr>
+            <a:spLocks noGrp="1"/>
+          </p:cNvSpPr>
+          <p:nvPr>
+            <p:ph type="dt" sz="half" idx="10"/>
+          </p:nvPr>
+        </p:nvSpPr>
+        <p:spPr/>
+        <p:txBody>
+          <a:bodyPr/>
+          <a:lstStyle/>
+          <a:p>
+            <a:fld id="{B61BEF0D-F0BB-DE4B-95CE-6DB70DBA9567}" type="datetimeFigureOut">
+              <a:rPr lang="en-US" dirty="0"/>
+              <a:pPr/>
+              <a:t>1/28/2021</a:t>
+            </a:fld>
+            <a:endParaRPr lang="en-US" dirty="0"/>
+          </a:p>
+        </p:txBody>
+      </p:sp>
+      <p:sp>
+        <p:nvSpPr>
+          <p:cNvPr id="5" name="Footer Placeholder 4"/>
+          <p:cNvSpPr>
+            <a:spLocks noGrp="1"/>
+          </p:cNvSpPr>
+          <p:nvPr>
+            <p:ph type="ftr" sz="quarter" idx="11"/>
+          </p:nvPr>
+        </p:nvSpPr>
+        <p:spPr/>
+        <p:txBody>
+          <a:bodyPr/>
+          <a:lstStyle/>
+          <a:p>
+            <a:endParaRPr lang="en-US" dirty="0"/>
+          </a:p>
+        </p:txBody>
+      </p:sp>
+      <p:sp>
+        <p:nvSpPr>
+          <p:cNvPr id="6" name="Slide Number Placeholder 5"/>
+          <p:cNvSpPr>
+            <a:spLocks noGrp="1"/>
+          </p:cNvSpPr>
+          <p:nvPr>
+            <p:ph type="sldNum" sz="quarter" idx="12"/>
+          </p:nvPr>
+        </p:nvSpPr>
+        <p:spPr/>
+        <p:txBody>
+          <a:bodyPr/>
+          <a:lstStyle/>
+          <a:p>
+            <a:fld id="{D57F1E4F-1CFF-5643-939E-217C01CDF565}" type="slidenum">
+              <a:rPr lang="en-US" dirty="0"/>
+              <a:pPr/>
+              <a:t>‹N°›</a:t>
+            </a:fld>
+            <a:endParaRPr lang="en-US" dirty="0"/>
+          </a:p>
+        </p:txBody>
+      </p:sp>
+    </p:spTree>
+  </p:cSld>
+  <p:clrMapOvr>
+    <a:masterClrMapping/>
+  </p:clrMapOvr>
+</p:sldLayout>
+</file>
+
+<file path=ppt/slideLayouts/slideLayout11.xml><?xml version="1.0" encoding="utf-8"?>
+<p:sldLayout xmlns:a="http://schemas.openxmlformats.org/drawingml/2006/main" xmlns:r="http://schemas.openxmlformats.org/officeDocument/2006/relationships" xmlns:p="http://schemas.openxmlformats.org/presentationml/2006/main" preserve="1">
+  <p:cSld name="Citation avec légende">
+    <p:spTree>
+      <p:nvGrpSpPr>
+        <p:cNvPr id="1" name=""/>
+        <p:cNvGrpSpPr/>
+        <p:nvPr/>
+      </p:nvGrpSpPr>
+      <p:grpSpPr>
+        <a:xfrm>
+          <a:off x="0" y="0"/>
+          <a:ext cx="0" cy="0"/>
+          <a:chOff x="0" y="0"/>
+          <a:chExt cx="0" cy="0"/>
+        </a:xfrm>
+      </p:grpSpPr>
+      <p:sp>
+        <p:nvSpPr>
+          <p:cNvPr id="2" name="Title 1"/>
+          <p:cNvSpPr>
+            <a:spLocks noGrp="1"/>
+          </p:cNvSpPr>
+          <p:nvPr>
+            <p:ph type="title"/>
+          </p:nvPr>
+        </p:nvSpPr>
+        <p:spPr>
+          <a:xfrm>
+            <a:off x="931334" y="609600"/>
+            <a:ext cx="8094134" cy="3022600"/>
+          </a:xfrm>
+        </p:spPr>
+        <p:txBody>
+          <a:bodyPr anchor="ctr">
+            <a:normAutofit/>
+          </a:bodyPr>
+          <a:lstStyle>
+            <a:lvl1pPr algn="l">
+              <a:defRPr sz="4400" b="0" cap="none"/>
+            </a:lvl1pPr>
+          </a:lstStyle>
+          <a:p>
+            <a:r>
+              <a:rPr lang="fr-FR"/>
+              <a:t>Modifiez le style du titre</a:t>
+            </a:r>
+            <a:endParaRPr lang="en-US" dirty="0"/>
+          </a:p>
+        </p:txBody>
+      </p:sp>
+      <p:sp>
+        <p:nvSpPr>
+          <p:cNvPr id="23" name="Text Placeholder 9"/>
+          <p:cNvSpPr>
+            <a:spLocks noGrp="1"/>
+          </p:cNvSpPr>
+          <p:nvPr>
+            <p:ph type="body" sz="quarter" idx="13"/>
+          </p:nvPr>
+        </p:nvSpPr>
+        <p:spPr>
+          <a:xfrm>
+            <a:off x="1366139" y="3632200"/>
+            <a:ext cx="7224524" cy="381000"/>
+          </a:xfrm>
+        </p:spPr>
+        <p:txBody>
+          <a:bodyPr anchor="ctr">
+            <a:noAutofit/>
+          </a:bodyPr>
+          <a:lstStyle>
+            <a:lvl1pPr marL="0" indent="0">
+              <a:buFontTx/>
+              <a:buNone/>
+              <a:defRPr sz="1600">
+                <a:solidFill>
+                  <a:schemeClr val="tx1">
+                    <a:lumMod val="50000"/>
+                    <a:lumOff val="50000"/>
+                  </a:schemeClr>
+                </a:solidFill>
+              </a:defRPr>
+            </a:lvl1pPr>
+            <a:lvl2pPr marL="457200" indent="0">
+              <a:buFontTx/>
+              <a:buNone/>
+              <a:defRPr/>
+            </a:lvl2pPr>
+            <a:lvl3pPr marL="914400" indent="0">
+              <a:buFontTx/>
+              <a:buNone/>
+              <a:defRPr/>
+            </a:lvl3pPr>
+            <a:lvl4pPr marL="1371600" indent="0">
+              <a:buFontTx/>
+              <a:buNone/>
+              <a:defRPr/>
+            </a:lvl4pPr>
+            <a:lvl5pPr marL="1828800" indent="0">
+              <a:buFontTx/>
+              <a:buNone/>
+              <a:defRPr/>
+            </a:lvl5pPr>
+          </a:lstStyle>
+          <a:p>
+            <a:pPr lvl="0"/>
+            <a:r>
+              <a:rPr lang="fr-FR"/>
+              <a:t>Cliquez pour modifier les styles du texte du masque</a:t>
+            </a:r>
+          </a:p>
+        </p:txBody>
+      </p:sp>
+      <p:sp>
+        <p:nvSpPr>
+          <p:cNvPr id="3" name="Text Placeholder 2"/>
+          <p:cNvSpPr>
+            <a:spLocks noGrp="1"/>
+          </p:cNvSpPr>
+          <p:nvPr>
+            <p:ph type="body" idx="1"/>
+          </p:nvPr>
+        </p:nvSpPr>
+        <p:spPr>
+          <a:xfrm>
+            <a:off x="677335" y="4470400"/>
+            <a:ext cx="8596668" cy="1570962"/>
+          </a:xfrm>
+        </p:spPr>
+        <p:txBody>
+          <a:bodyPr anchor="ctr">
+            <a:normAutofit/>
+          </a:bodyPr>
+          <a:lstStyle>
+            <a:lvl1pPr marL="0" indent="0" algn="l">
+              <a:buNone/>
+              <a:defRPr sz="1800">
+                <a:solidFill>
+                  <a:schemeClr val="tx1">
+                    <a:lumMod val="75000"/>
+                    <a:lumOff val="25000"/>
+                  </a:schemeClr>
+                </a:solidFill>
+              </a:defRPr>
+            </a:lvl1pPr>
+            <a:lvl2pPr marL="457200" indent="0">
+              <a:buNone/>
+              <a:defRPr sz="1800">
+                <a:solidFill>
+                  <a:schemeClr val="tx1">
+                    <a:tint val="75000"/>
+                  </a:schemeClr>
+                </a:solidFill>
+              </a:defRPr>
+            </a:lvl2pPr>
+            <a:lvl3pPr marL="914400" indent="0">
+              <a:buNone/>
+              <a:defRPr sz="1600">
+                <a:solidFill>
+                  <a:schemeClr val="tx1">
+                    <a:tint val="75000"/>
+                  </a:schemeClr>
+                </a:solidFill>
+              </a:defRPr>
+            </a:lvl3pPr>
+            <a:lvl4pPr marL="1371600" indent="0">
+              <a:buNone/>
+              <a:defRPr sz="1400">
+                <a:solidFill>
+                  <a:schemeClr val="tx1">
+                    <a:tint val="75000"/>
+                  </a:schemeClr>
+                </a:solidFill>
+              </a:defRPr>
+            </a:lvl4pPr>
+            <a:lvl5pPr marL="1828800" indent="0">
+              <a:buNone/>
+              <a:defRPr sz="1400">
+                <a:solidFill>
+                  <a:schemeClr val="tx1">
+                    <a:tint val="75000"/>
+                  </a:schemeClr>
+                </a:solidFill>
+              </a:defRPr>
+            </a:lvl5pPr>
+            <a:lvl6pPr marL="2286000" indent="0">
+              <a:buNone/>
+              <a:defRPr sz="1400">
+                <a:solidFill>
+                  <a:schemeClr val="tx1">
+                    <a:tint val="75000"/>
+                  </a:schemeClr>
+                </a:solidFill>
+              </a:defRPr>
+            </a:lvl6pPr>
+            <a:lvl7pPr marL="2743200" indent="0">
+              <a:buNone/>
+              <a:defRPr sz="1400">
+                <a:solidFill>
+                  <a:schemeClr val="tx1">
+                    <a:tint val="75000"/>
+                  </a:schemeClr>
+                </a:solidFill>
+              </a:defRPr>
+            </a:lvl7pPr>
+            <a:lvl8pPr marL="3200400" indent="0">
+              <a:buNone/>
+              <a:defRPr sz="1400">
+                <a:solidFill>
+                  <a:schemeClr val="tx1">
+                    <a:tint val="75000"/>
+                  </a:schemeClr>
+                </a:solidFill>
+              </a:defRPr>
+            </a:lvl8pPr>
+            <a:lvl9pPr marL="3657600" indent="0">
+              <a:buNone/>
+              <a:defRPr sz="1400">
+                <a:solidFill>
+                  <a:schemeClr val="tx1">
+                    <a:tint val="75000"/>
+                  </a:schemeClr>
+                </a:solidFill>
+              </a:defRPr>
+            </a:lvl9pPr>
+          </a:lstStyle>
+          <a:p>
+            <a:pPr lvl="0"/>
+            <a:r>
+              <a:rPr lang="fr-FR"/>
+              <a:t>Cliquez pour modifier les styles du texte du masque</a:t>
+            </a:r>
+          </a:p>
+        </p:txBody>
+      </p:sp>
+      <p:sp>
+        <p:nvSpPr>
+          <p:cNvPr id="4" name="Date Placeholder 3"/>
+          <p:cNvSpPr>
+            <a:spLocks noGrp="1"/>
+          </p:cNvSpPr>
+          <p:nvPr>
+            <p:ph type="dt" sz="half" idx="10"/>
+          </p:nvPr>
+        </p:nvSpPr>
+        <p:spPr/>
+        <p:txBody>
+          <a:bodyPr/>
+          <a:lstStyle/>
+          <a:p>
+            <a:fld id="{B61BEF0D-F0BB-DE4B-95CE-6DB70DBA9567}" type="datetimeFigureOut">
+              <a:rPr lang="en-US" dirty="0"/>
+              <a:pPr/>
+              <a:t>1/28/2021</a:t>
+            </a:fld>
+            <a:endParaRPr lang="en-US" dirty="0"/>
+          </a:p>
+        </p:txBody>
+      </p:sp>
+      <p:sp>
+        <p:nvSpPr>
+          <p:cNvPr id="5" name="Footer Placeholder 4"/>
+          <p:cNvSpPr>
+            <a:spLocks noGrp="1"/>
+          </p:cNvSpPr>
+          <p:nvPr>
+            <p:ph type="ftr" sz="quarter" idx="11"/>
+          </p:nvPr>
+        </p:nvSpPr>
+        <p:spPr/>
+        <p:txBody>
+          <a:bodyPr/>
+          <a:lstStyle/>
+          <a:p>
+            <a:endParaRPr lang="en-US" dirty="0"/>
+          </a:p>
+        </p:txBody>
+      </p:sp>
+      <p:sp>
+        <p:nvSpPr>
+          <p:cNvPr id="6" name="Slide Number Placeholder 5"/>
+          <p:cNvSpPr>
+            <a:spLocks noGrp="1"/>
+          </p:cNvSpPr>
+          <p:nvPr>
+            <p:ph type="sldNum" sz="quarter" idx="12"/>
+          </p:nvPr>
+        </p:nvSpPr>
+        <p:spPr/>
+        <p:txBody>
+          <a:bodyPr/>
+          <a:lstStyle/>
+          <a:p>
+            <a:fld id="{D57F1E4F-1CFF-5643-939E-217C01CDF565}" type="slidenum">
+              <a:rPr lang="en-US" dirty="0"/>
+              <a:pPr/>
+              <a:t>‹N°›</a:t>
+            </a:fld>
+            <a:endParaRPr lang="en-US" dirty="0"/>
+          </a:p>
+        </p:txBody>
+      </p:sp>
+      <p:sp>
+        <p:nvSpPr>
+          <p:cNvPr id="20" name="TextBox 19"/>
+          <p:cNvSpPr txBox="1"/>
+          <p:nvPr/>
+        </p:nvSpPr>
+        <p:spPr>
+          <a:xfrm>
+            <a:off x="541870" y="790378"/>
+            <a:ext cx="609600" cy="584776"/>
+          </a:xfrm>
+          <a:prstGeom prst="rect">
+            <a:avLst/>
+          </a:prstGeom>
+        </p:spPr>
+        <p:txBody>
+          <a:bodyPr vert="horz" lIns="91440" tIns="45720" rIns="91440" bIns="45720" rtlCol="0" anchor="ctr">
+            <a:noAutofit/>
+          </a:bodyPr>
+          <a:lstStyle/>
+          <a:p>
+            <a:pPr lvl="0"/>
+            <a:r>
+              <a:rPr lang="en-US" sz="8000" baseline="0" dirty="0">
+                <a:ln w="3175" cmpd="sng">
+                  <a:noFill/>
+                </a:ln>
+                <a:solidFill>
+                  <a:schemeClr val="accent1"/>
+                </a:solidFill>
+                <a:effectLst/>
+                <a:latin typeface="Arial"/>
+              </a:rPr>
+              <a:t>“</a:t>
+            </a:r>
+          </a:p>
+        </p:txBody>
+      </p:sp>
+      <p:sp>
+        <p:nvSpPr>
+          <p:cNvPr id="22" name="TextBox 21"/>
+          <p:cNvSpPr txBox="1"/>
+          <p:nvPr/>
+        </p:nvSpPr>
+        <p:spPr>
+          <a:xfrm>
+            <a:off x="8893011" y="2886556"/>
+            <a:ext cx="609600" cy="584776"/>
+          </a:xfrm>
+          <a:prstGeom prst="rect">
+            <a:avLst/>
+          </a:prstGeom>
+        </p:spPr>
+        <p:txBody>
+          <a:bodyPr vert="horz" lIns="91440" tIns="45720" rIns="91440" bIns="45720" rtlCol="0" anchor="ctr">
+            <a:noAutofit/>
+          </a:bodyPr>
+          <a:lstStyle/>
+          <a:p>
+            <a:pPr lvl="0"/>
+            <a:r>
+              <a:rPr lang="en-US" sz="8000" baseline="0" dirty="0">
+                <a:ln w="3175" cmpd="sng">
+                  <a:noFill/>
+                </a:ln>
+                <a:solidFill>
+                  <a:schemeClr val="accent1"/>
+                </a:solidFill>
+                <a:effectLst/>
+                <a:latin typeface="Arial"/>
+              </a:rPr>
+              <a:t>”</a:t>
+            </a:r>
+          </a:p>
+        </p:txBody>
+      </p:sp>
+    </p:spTree>
+  </p:cSld>
+  <p:clrMapOvr>
+    <a:masterClrMapping/>
+  </p:clrMapOvr>
+</p:sldLayout>
+</file>
+
+<file path=ppt/slideLayouts/slideLayout12.xml><?xml version="1.0" encoding="utf-8"?>
+<p:sldLayout xmlns:a="http://schemas.openxmlformats.org/drawingml/2006/main" xmlns:r="http://schemas.openxmlformats.org/officeDocument/2006/relationships" xmlns:p="http://schemas.openxmlformats.org/presentationml/2006/main" preserve="1">
+  <p:cSld name="Carte nom">
+    <p:spTree>
+      <p:nvGrpSpPr>
+        <p:cNvPr id="1" name=""/>
+        <p:cNvGrpSpPr/>
+        <p:nvPr/>
+      </p:nvGrpSpPr>
+      <p:grpSpPr>
+        <a:xfrm>
+          <a:off x="0" y="0"/>
+          <a:ext cx="0" cy="0"/>
+          <a:chOff x="0" y="0"/>
+          <a:chExt cx="0" cy="0"/>
+        </a:xfrm>
+      </p:grpSpPr>
+      <p:sp>
+        <p:nvSpPr>
+          <p:cNvPr id="2" name="Title 1"/>
+          <p:cNvSpPr>
+            <a:spLocks noGrp="1"/>
+          </p:cNvSpPr>
+          <p:nvPr>
+            <p:ph type="title"/>
+          </p:nvPr>
+        </p:nvSpPr>
+        <p:spPr>
+          <a:xfrm>
+            <a:off x="677335" y="1931988"/>
+            <a:ext cx="8596668" cy="2595460"/>
+          </a:xfrm>
+        </p:spPr>
+        <p:txBody>
+          <a:bodyPr anchor="b">
+            <a:normAutofit/>
+          </a:bodyPr>
+          <a:lstStyle>
+            <a:lvl1pPr algn="l">
+              <a:defRPr sz="4400" b="0" cap="none"/>
+            </a:lvl1pPr>
+          </a:lstStyle>
+          <a:p>
+            <a:r>
+              <a:rPr lang="fr-FR"/>
+              <a:t>Modifiez le style du titre</a:t>
+            </a:r>
+            <a:endParaRPr lang="en-US" dirty="0"/>
+          </a:p>
+        </p:txBody>
+      </p:sp>
+      <p:sp>
+        <p:nvSpPr>
+          <p:cNvPr id="3" name="Text Placeholder 2"/>
+          <p:cNvSpPr>
+            <a:spLocks noGrp="1"/>
+          </p:cNvSpPr>
+          <p:nvPr>
+            <p:ph type="body" idx="1"/>
+          </p:nvPr>
+        </p:nvSpPr>
+        <p:spPr>
+          <a:xfrm>
+            <a:off x="677335" y="4527448"/>
+            <a:ext cx="8596668" cy="1513914"/>
+          </a:xfrm>
+        </p:spPr>
+        <p:txBody>
+          <a:bodyPr anchor="t">
+            <a:normAutofit/>
+          </a:bodyPr>
+          <a:lstStyle>
+            <a:lvl1pPr marL="0" indent="0" algn="l">
+              <a:buNone/>
+              <a:defRPr sz="1800">
+                <a:solidFill>
+                  <a:schemeClr val="tx1">
+                    <a:lumMod val="75000"/>
+                    <a:lumOff val="25000"/>
+                  </a:schemeClr>
+                </a:solidFill>
+              </a:defRPr>
+            </a:lvl1pPr>
+            <a:lvl2pPr marL="457200" indent="0">
+              <a:buNone/>
+              <a:defRPr sz="1800">
+                <a:solidFill>
+                  <a:schemeClr val="tx1">
+                    <a:tint val="75000"/>
+                  </a:schemeClr>
+                </a:solidFill>
+              </a:defRPr>
+            </a:lvl2pPr>
+            <a:lvl3pPr marL="914400" indent="0">
+              <a:buNone/>
+              <a:defRPr sz="1600">
+                <a:solidFill>
+                  <a:schemeClr val="tx1">
+                    <a:tint val="75000"/>
+                  </a:schemeClr>
+                </a:solidFill>
+              </a:defRPr>
+            </a:lvl3pPr>
+            <a:lvl4pPr marL="1371600" indent="0">
+              <a:buNone/>
+              <a:defRPr sz="1400">
+                <a:solidFill>
+                  <a:schemeClr val="tx1">
+                    <a:tint val="75000"/>
+                  </a:schemeClr>
+                </a:solidFill>
+              </a:defRPr>
+            </a:lvl4pPr>
+            <a:lvl5pPr marL="1828800" indent="0">
+              <a:buNone/>
+              <a:defRPr sz="1400">
+                <a:solidFill>
+                  <a:schemeClr val="tx1">
+                    <a:tint val="75000"/>
+                  </a:schemeClr>
+                </a:solidFill>
+              </a:defRPr>
+            </a:lvl5pPr>
+            <a:lvl6pPr marL="2286000" indent="0">
+              <a:buNone/>
+              <a:defRPr sz="1400">
+                <a:solidFill>
+                  <a:schemeClr val="tx1">
+                    <a:tint val="75000"/>
+                  </a:schemeClr>
+                </a:solidFill>
+              </a:defRPr>
+            </a:lvl6pPr>
+            <a:lvl7pPr marL="2743200" indent="0">
+              <a:buNone/>
+              <a:defRPr sz="1400">
+                <a:solidFill>
+                  <a:schemeClr val="tx1">
+                    <a:tint val="75000"/>
+                  </a:schemeClr>
+                </a:solidFill>
+              </a:defRPr>
+            </a:lvl7pPr>
+            <a:lvl8pPr marL="3200400" indent="0">
+              <a:buNone/>
+              <a:defRPr sz="1400">
+                <a:solidFill>
+                  <a:schemeClr val="tx1">
+                    <a:tint val="75000"/>
+                  </a:schemeClr>
+                </a:solidFill>
+              </a:defRPr>
+            </a:lvl8pPr>
+            <a:lvl9pPr marL="3657600" indent="0">
+              <a:buNone/>
+              <a:defRPr sz="1400">
+                <a:solidFill>
+                  <a:schemeClr val="tx1">
+                    <a:tint val="75000"/>
+                  </a:schemeClr>
+                </a:solidFill>
+              </a:defRPr>
+            </a:lvl9pPr>
+          </a:lstStyle>
+          <a:p>
+            <a:pPr lvl="0"/>
+            <a:r>
+              <a:rPr lang="fr-FR"/>
+              <a:t>Cliquez pour modifier les styles du texte du masque</a:t>
+            </a:r>
+          </a:p>
+        </p:txBody>
+      </p:sp>
+      <p:sp>
+        <p:nvSpPr>
+          <p:cNvPr id="4" name="Date Placeholder 3"/>
+          <p:cNvSpPr>
+            <a:spLocks noGrp="1"/>
+          </p:cNvSpPr>
+          <p:nvPr>
+            <p:ph type="dt" sz="half" idx="10"/>
+          </p:nvPr>
+        </p:nvSpPr>
+        <p:spPr/>
+        <p:txBody>
+          <a:bodyPr/>
+          <a:lstStyle/>
+          <a:p>
+            <a:fld id="{B61BEF0D-F0BB-DE4B-95CE-6DB70DBA9567}" type="datetimeFigureOut">
+              <a:rPr lang="en-US" dirty="0"/>
+              <a:pPr/>
+              <a:t>1/28/2021</a:t>
+            </a:fld>
+            <a:endParaRPr lang="en-US" dirty="0"/>
+          </a:p>
+        </p:txBody>
+      </p:sp>
+      <p:sp>
+        <p:nvSpPr>
+          <p:cNvPr id="5" name="Footer Placeholder 4"/>
+          <p:cNvSpPr>
+            <a:spLocks noGrp="1"/>
+          </p:cNvSpPr>
+          <p:nvPr>
+            <p:ph type="ftr" sz="quarter" idx="11"/>
+          </p:nvPr>
+        </p:nvSpPr>
+        <p:spPr/>
+        <p:txBody>
+          <a:bodyPr/>
+          <a:lstStyle/>
+          <a:p>
+            <a:endParaRPr lang="en-US" dirty="0"/>
+          </a:p>
+        </p:txBody>
+      </p:sp>
+      <p:sp>
+        <p:nvSpPr>
+          <p:cNvPr id="6" name="Slide Number Placeholder 5"/>
+          <p:cNvSpPr>
+            <a:spLocks noGrp="1"/>
+          </p:cNvSpPr>
+          <p:nvPr>
+            <p:ph type="sldNum" sz="quarter" idx="12"/>
+          </p:nvPr>
+        </p:nvSpPr>
+        <p:spPr/>
+        <p:txBody>
+          <a:bodyPr/>
+          <a:lstStyle/>
+          <a:p>
+            <a:fld id="{D57F1E4F-1CFF-5643-939E-217C01CDF565}" type="slidenum">
+              <a:rPr lang="en-US" dirty="0"/>
+              <a:pPr/>
+              <a:t>‹N°›</a:t>
+            </a:fld>
+            <a:endParaRPr lang="en-US" dirty="0"/>
+          </a:p>
+        </p:txBody>
+      </p:sp>
+    </p:spTree>
+  </p:cSld>
+  <p:clrMapOvr>
+    <a:masterClrMapping/>
+  </p:clrMapOvr>
+</p:sldLayout>
+</file>
+
+<file path=ppt/slideLayouts/slideLayout13.xml><?xml version="1.0" encoding="utf-8"?>
+<p:sldLayout xmlns:a="http://schemas.openxmlformats.org/drawingml/2006/main" xmlns:r="http://schemas.openxmlformats.org/officeDocument/2006/relationships" xmlns:p="http://schemas.openxmlformats.org/presentationml/2006/main" preserve="1">
+  <p:cSld name="Carte nom citation">
+    <p:spTree>
+      <p:nvGrpSpPr>
+        <p:cNvPr id="1" name=""/>
+        <p:cNvGrpSpPr/>
+        <p:nvPr/>
+      </p:nvGrpSpPr>
+      <p:grpSpPr>
+        <a:xfrm>
+          <a:off x="0" y="0"/>
+          <a:ext cx="0" cy="0"/>
+          <a:chOff x="0" y="0"/>
+          <a:chExt cx="0" cy="0"/>
+        </a:xfrm>
+      </p:grpSpPr>
+      <p:sp>
+        <p:nvSpPr>
+          <p:cNvPr id="2" name="Title 1"/>
+          <p:cNvSpPr>
+            <a:spLocks noGrp="1"/>
+          </p:cNvSpPr>
+          <p:nvPr>
+            <p:ph type="title"/>
+          </p:nvPr>
+        </p:nvSpPr>
+        <p:spPr>
+          <a:xfrm>
+            <a:off x="931334" y="609600"/>
+            <a:ext cx="8094134" cy="3022600"/>
+          </a:xfrm>
+        </p:spPr>
+        <p:txBody>
+          <a:bodyPr anchor="ctr">
+            <a:normAutofit/>
+          </a:bodyPr>
+          <a:lstStyle>
+            <a:lvl1pPr algn="l">
+              <a:defRPr sz="4400" b="0" cap="none"/>
+            </a:lvl1pPr>
+          </a:lstStyle>
+          <a:p>
+            <a:r>
+              <a:rPr lang="fr-FR"/>
+              <a:t>Modifiez le style du titre</a:t>
+            </a:r>
+            <a:endParaRPr lang="en-US" dirty="0"/>
+          </a:p>
+        </p:txBody>
+      </p:sp>
+      <p:sp>
+        <p:nvSpPr>
+          <p:cNvPr id="23" name="Text Placeholder 9"/>
+          <p:cNvSpPr>
+            <a:spLocks noGrp="1"/>
+          </p:cNvSpPr>
+          <p:nvPr>
+            <p:ph type="body" sz="quarter" idx="13"/>
+          </p:nvPr>
+        </p:nvSpPr>
+        <p:spPr>
+          <a:xfrm>
+            <a:off x="677332" y="4013200"/>
+            <a:ext cx="8596669" cy="514248"/>
+          </a:xfrm>
+        </p:spPr>
+        <p:txBody>
+          <a:bodyPr anchor="b">
+            <a:noAutofit/>
+          </a:bodyPr>
+          <a:lstStyle>
+            <a:lvl1pPr marL="0" indent="0">
+              <a:buFontTx/>
+              <a:buNone/>
+              <a:defRPr sz="2400">
+                <a:solidFill>
+                  <a:schemeClr val="tx1">
+                    <a:lumMod val="75000"/>
+                    <a:lumOff val="25000"/>
+                  </a:schemeClr>
+                </a:solidFill>
+              </a:defRPr>
+            </a:lvl1pPr>
+            <a:lvl2pPr marL="457200" indent="0">
+              <a:buFontTx/>
+              <a:buNone/>
+              <a:defRPr/>
+            </a:lvl2pPr>
+            <a:lvl3pPr marL="914400" indent="0">
+              <a:buFontTx/>
+              <a:buNone/>
+              <a:defRPr/>
+            </a:lvl3pPr>
+            <a:lvl4pPr marL="1371600" indent="0">
+              <a:buFontTx/>
+              <a:buNone/>
+              <a:defRPr/>
+            </a:lvl4pPr>
+            <a:lvl5pPr marL="1828800" indent="0">
+              <a:buFontTx/>
+              <a:buNone/>
+              <a:defRPr/>
+            </a:lvl5pPr>
+          </a:lstStyle>
+          <a:p>
+            <a:pPr lvl="0"/>
+            <a:r>
+              <a:rPr lang="fr-FR"/>
+              <a:t>Cliquez pour modifier les styles du texte du masque</a:t>
+            </a:r>
+          </a:p>
+        </p:txBody>
+      </p:sp>
+      <p:sp>
+        <p:nvSpPr>
+          <p:cNvPr id="3" name="Text Placeholder 2"/>
+          <p:cNvSpPr>
+            <a:spLocks noGrp="1"/>
+          </p:cNvSpPr>
+          <p:nvPr>
+            <p:ph type="body" idx="1"/>
+          </p:nvPr>
+        </p:nvSpPr>
+        <p:spPr>
+          <a:xfrm>
+            <a:off x="677335" y="4527448"/>
+            <a:ext cx="8596668" cy="1513914"/>
+          </a:xfrm>
+        </p:spPr>
+        <p:txBody>
+          <a:bodyPr anchor="t">
+            <a:normAutofit/>
+          </a:bodyPr>
+          <a:lstStyle>
+            <a:lvl1pPr marL="0" indent="0" algn="l">
+              <a:buNone/>
+              <a:defRPr sz="1800">
+                <a:solidFill>
+                  <a:schemeClr val="tx1">
+                    <a:lumMod val="50000"/>
+                    <a:lumOff val="50000"/>
+                  </a:schemeClr>
+                </a:solidFill>
+              </a:defRPr>
+            </a:lvl1pPr>
+            <a:lvl2pPr marL="457200" indent="0">
+              <a:buNone/>
+              <a:defRPr sz="1800">
+                <a:solidFill>
+                  <a:schemeClr val="tx1">
+                    <a:tint val="75000"/>
+                  </a:schemeClr>
+                </a:solidFill>
+              </a:defRPr>
+            </a:lvl2pPr>
+            <a:lvl3pPr marL="914400" indent="0">
+              <a:buNone/>
+              <a:defRPr sz="1600">
+                <a:solidFill>
+                  <a:schemeClr val="tx1">
+                    <a:tint val="75000"/>
+                  </a:schemeClr>
+                </a:solidFill>
+              </a:defRPr>
+            </a:lvl3pPr>
+            <a:lvl4pPr marL="1371600" indent="0">
+              <a:buNone/>
+              <a:defRPr sz="1400">
+                <a:solidFill>
+                  <a:schemeClr val="tx1">
+                    <a:tint val="75000"/>
+                  </a:schemeClr>
+                </a:solidFill>
+              </a:defRPr>
+            </a:lvl4pPr>
+            <a:lvl5pPr marL="1828800" indent="0">
+              <a:buNone/>
+              <a:defRPr sz="1400">
+                <a:solidFill>
+                  <a:schemeClr val="tx1">
+                    <a:tint val="75000"/>
+                  </a:schemeClr>
+                </a:solidFill>
+              </a:defRPr>
+            </a:lvl5pPr>
+            <a:lvl6pPr marL="2286000" indent="0">
+              <a:buNone/>
+              <a:defRPr sz="1400">
+                <a:solidFill>
+                  <a:schemeClr val="tx1">
+                    <a:tint val="75000"/>
+                  </a:schemeClr>
+                </a:solidFill>
+              </a:defRPr>
+            </a:lvl6pPr>
+            <a:lvl7pPr marL="2743200" indent="0">
+              <a:buNone/>
+              <a:defRPr sz="1400">
+                <a:solidFill>
+                  <a:schemeClr val="tx1">
+                    <a:tint val="75000"/>
+                  </a:schemeClr>
+                </a:solidFill>
+              </a:defRPr>
+            </a:lvl7pPr>
+            <a:lvl8pPr marL="3200400" indent="0">
+              <a:buNone/>
+              <a:defRPr sz="1400">
+                <a:solidFill>
+                  <a:schemeClr val="tx1">
+                    <a:tint val="75000"/>
+                  </a:schemeClr>
+                </a:solidFill>
+              </a:defRPr>
+            </a:lvl8pPr>
+            <a:lvl9pPr marL="3657600" indent="0">
+              <a:buNone/>
+              <a:defRPr sz="1400">
+                <a:solidFill>
+                  <a:schemeClr val="tx1">
+                    <a:tint val="75000"/>
+                  </a:schemeClr>
+                </a:solidFill>
+              </a:defRPr>
+            </a:lvl9pPr>
+          </a:lstStyle>
+          <a:p>
+            <a:pPr lvl="0"/>
+            <a:r>
+              <a:rPr lang="fr-FR"/>
+              <a:t>Cliquez pour modifier les styles du texte du masque</a:t>
+            </a:r>
+          </a:p>
+        </p:txBody>
+      </p:sp>
+      <p:sp>
+        <p:nvSpPr>
+          <p:cNvPr id="4" name="Date Placeholder 3"/>
+          <p:cNvSpPr>
+            <a:spLocks noGrp="1"/>
+          </p:cNvSpPr>
+          <p:nvPr>
+            <p:ph type="dt" sz="half" idx="10"/>
+          </p:nvPr>
+        </p:nvSpPr>
+        <p:spPr/>
+        <p:txBody>
+          <a:bodyPr/>
+          <a:lstStyle/>
+          <a:p>
+            <a:fld id="{B61BEF0D-F0BB-DE4B-95CE-6DB70DBA9567}" type="datetimeFigureOut">
+              <a:rPr lang="en-US" dirty="0"/>
+              <a:pPr/>
+              <a:t>1/28/2021</a:t>
+            </a:fld>
+            <a:endParaRPr lang="en-US" dirty="0"/>
+          </a:p>
+        </p:txBody>
+      </p:sp>
+      <p:sp>
+        <p:nvSpPr>
+          <p:cNvPr id="5" name="Footer Placeholder 4"/>
+          <p:cNvSpPr>
+            <a:spLocks noGrp="1"/>
+          </p:cNvSpPr>
+          <p:nvPr>
+            <p:ph type="ftr" sz="quarter" idx="11"/>
+          </p:nvPr>
+        </p:nvSpPr>
+        <p:spPr/>
+        <p:txBody>
+          <a:bodyPr/>
+          <a:lstStyle/>
+          <a:p>
+            <a:endParaRPr lang="en-US" dirty="0"/>
+          </a:p>
+        </p:txBody>
+      </p:sp>
+      <p:sp>
+        <p:nvSpPr>
+          <p:cNvPr id="6" name="Slide Number Placeholder 5"/>
+          <p:cNvSpPr>
+            <a:spLocks noGrp="1"/>
+          </p:cNvSpPr>
+          <p:nvPr>
+            <p:ph type="sldNum" sz="quarter" idx="12"/>
+          </p:nvPr>
+        </p:nvSpPr>
+        <p:spPr/>
+        <p:txBody>
+          <a:bodyPr/>
+          <a:lstStyle/>
+          <a:p>
+            <a:fld id="{D57F1E4F-1CFF-5643-939E-217C01CDF565}" type="slidenum">
+              <a:rPr lang="en-US" dirty="0"/>
+              <a:pPr/>
+              <a:t>‹N°›</a:t>
+            </a:fld>
+            <a:endParaRPr lang="en-US" dirty="0"/>
+          </a:p>
+        </p:txBody>
+      </p:sp>
+      <p:sp>
+        <p:nvSpPr>
+          <p:cNvPr id="24" name="TextBox 23"/>
+          <p:cNvSpPr txBox="1"/>
+          <p:nvPr/>
+        </p:nvSpPr>
+        <p:spPr>
+          <a:xfrm>
+            <a:off x="541870" y="790378"/>
+            <a:ext cx="609600" cy="584776"/>
+          </a:xfrm>
+          <a:prstGeom prst="rect">
+            <a:avLst/>
+          </a:prstGeom>
+        </p:spPr>
+        <p:txBody>
+          <a:bodyPr vert="horz" lIns="91440" tIns="45720" rIns="91440" bIns="45720" rtlCol="0" anchor="ctr">
+            <a:noAutofit/>
+          </a:bodyPr>
+          <a:lstStyle/>
+          <a:p>
+            <a:pPr lvl="0"/>
+            <a:r>
+              <a:rPr lang="en-US" sz="8000" baseline="0" dirty="0">
+                <a:ln w="3175" cmpd="sng">
+                  <a:noFill/>
+                </a:ln>
+                <a:solidFill>
+                  <a:schemeClr val="accent1"/>
+                </a:solidFill>
+                <a:effectLst/>
+                <a:latin typeface="Arial"/>
+              </a:rPr>
+              <a:t>“</a:t>
+            </a:r>
+          </a:p>
+        </p:txBody>
+      </p:sp>
+      <p:sp>
+        <p:nvSpPr>
+          <p:cNvPr id="25" name="TextBox 24"/>
+          <p:cNvSpPr txBox="1"/>
+          <p:nvPr/>
+        </p:nvSpPr>
+        <p:spPr>
+          <a:xfrm>
+            <a:off x="8893011" y="2886556"/>
+            <a:ext cx="609600" cy="584776"/>
+          </a:xfrm>
+          <a:prstGeom prst="rect">
+            <a:avLst/>
+          </a:prstGeom>
+        </p:spPr>
+        <p:txBody>
+          <a:bodyPr vert="horz" lIns="91440" tIns="45720" rIns="91440" bIns="45720" rtlCol="0" anchor="ctr">
+            <a:noAutofit/>
+          </a:bodyPr>
+          <a:lstStyle/>
+          <a:p>
+            <a:pPr lvl="0"/>
+            <a:r>
+              <a:rPr lang="en-US" sz="8000" baseline="0" dirty="0">
+                <a:ln w="3175" cmpd="sng">
+                  <a:noFill/>
+                </a:ln>
+                <a:solidFill>
+                  <a:schemeClr val="accent1"/>
+                </a:solidFill>
+                <a:effectLst/>
+                <a:latin typeface="Arial"/>
+              </a:rPr>
+              <a:t>”</a:t>
+            </a:r>
+          </a:p>
+        </p:txBody>
+      </p:sp>
+    </p:spTree>
+  </p:cSld>
+  <p:clrMapOvr>
+    <a:masterClrMapping/>
+  </p:clrMapOvr>
+</p:sldLayout>
+</file>
+
+<file path=ppt/slideLayouts/slideLayout14.xml><?xml version="1.0" encoding="utf-8"?>
+<p:sldLayout xmlns:a="http://schemas.openxmlformats.org/drawingml/2006/main" xmlns:r="http://schemas.openxmlformats.org/officeDocument/2006/relationships" xmlns:p="http://schemas.openxmlformats.org/presentationml/2006/main" preserve="1">
+  <p:cSld name="Vrai ou faux">
+    <p:spTree>
+      <p:nvGrpSpPr>
+        <p:cNvPr id="1" name=""/>
+        <p:cNvGrpSpPr/>
+        <p:nvPr/>
+      </p:nvGrpSpPr>
+      <p:grpSpPr>
+        <a:xfrm>
+          <a:off x="0" y="0"/>
+          <a:ext cx="0" cy="0"/>
+          <a:chOff x="0" y="0"/>
+          <a:chExt cx="0" cy="0"/>
+        </a:xfrm>
+      </p:grpSpPr>
+      <p:sp>
+        <p:nvSpPr>
+          <p:cNvPr id="2" name="Title 1"/>
+          <p:cNvSpPr>
+            <a:spLocks noGrp="1"/>
+          </p:cNvSpPr>
+          <p:nvPr>
+            <p:ph type="title"/>
+          </p:nvPr>
+        </p:nvSpPr>
+        <p:spPr>
+          <a:xfrm>
+            <a:off x="685799" y="609600"/>
+            <a:ext cx="8588203" cy="3022600"/>
+          </a:xfrm>
+        </p:spPr>
+        <p:txBody>
+          <a:bodyPr anchor="ctr">
+            <a:normAutofit/>
+          </a:bodyPr>
+          <a:lstStyle>
+            <a:lvl1pPr algn="l">
+              <a:defRPr sz="4400" b="0" cap="none"/>
+            </a:lvl1pPr>
+          </a:lstStyle>
+          <a:p>
+            <a:r>
+              <a:rPr lang="fr-FR"/>
+              <a:t>Modifiez le style du titre</a:t>
+            </a:r>
+            <a:endParaRPr lang="en-US" dirty="0"/>
+          </a:p>
+        </p:txBody>
+      </p:sp>
+      <p:sp>
+        <p:nvSpPr>
+          <p:cNvPr id="23" name="Text Placeholder 9"/>
+          <p:cNvSpPr>
+            <a:spLocks noGrp="1"/>
+          </p:cNvSpPr>
+          <p:nvPr>
+            <p:ph type="body" sz="quarter" idx="13"/>
+          </p:nvPr>
+        </p:nvSpPr>
+        <p:spPr>
+          <a:xfrm>
+            <a:off x="677332" y="4013200"/>
+            <a:ext cx="8596669" cy="514248"/>
+          </a:xfrm>
+        </p:spPr>
+        <p:txBody>
+          <a:bodyPr anchor="b">
+            <a:noAutofit/>
+          </a:bodyPr>
+          <a:lstStyle>
+            <a:lvl1pPr marL="0" indent="0">
+              <a:buFontTx/>
+              <a:buNone/>
+              <a:defRPr sz="2400">
+                <a:solidFill>
+                  <a:schemeClr val="accent1"/>
+                </a:solidFill>
+              </a:defRPr>
+            </a:lvl1pPr>
+            <a:lvl2pPr marL="457200" indent="0">
+              <a:buFontTx/>
+              <a:buNone/>
+              <a:defRPr/>
+            </a:lvl2pPr>
+            <a:lvl3pPr marL="914400" indent="0">
+              <a:buFontTx/>
+              <a:buNone/>
+              <a:defRPr/>
+            </a:lvl3pPr>
+            <a:lvl4pPr marL="1371600" indent="0">
+              <a:buFontTx/>
+              <a:buNone/>
+              <a:defRPr/>
+            </a:lvl4pPr>
+            <a:lvl5pPr marL="1828800" indent="0">
+              <a:buFontTx/>
+              <a:buNone/>
+              <a:defRPr/>
+            </a:lvl5pPr>
+          </a:lstStyle>
+          <a:p>
+            <a:pPr lvl="0"/>
+            <a:r>
+              <a:rPr lang="fr-FR"/>
+              <a:t>Cliquez pour modifier les styles du texte du masque</a:t>
+            </a:r>
+          </a:p>
+        </p:txBody>
+      </p:sp>
+      <p:sp>
+        <p:nvSpPr>
+          <p:cNvPr id="3" name="Text Placeholder 2"/>
+          <p:cNvSpPr>
+            <a:spLocks noGrp="1"/>
+          </p:cNvSpPr>
+          <p:nvPr>
+            <p:ph type="body" idx="1"/>
+          </p:nvPr>
+        </p:nvSpPr>
+        <p:spPr>
+          <a:xfrm>
+            <a:off x="677335" y="4527448"/>
+            <a:ext cx="8596668" cy="1513914"/>
+          </a:xfrm>
+        </p:spPr>
+        <p:txBody>
+          <a:bodyPr anchor="t">
+            <a:normAutofit/>
+          </a:bodyPr>
+          <a:lstStyle>
+            <a:lvl1pPr marL="0" indent="0" algn="l">
+              <a:buNone/>
+              <a:defRPr sz="1800">
+                <a:solidFill>
+                  <a:schemeClr val="tx1">
+                    <a:lumMod val="50000"/>
+                    <a:lumOff val="50000"/>
+                  </a:schemeClr>
+                </a:solidFill>
+              </a:defRPr>
+            </a:lvl1pPr>
+            <a:lvl2pPr marL="457200" indent="0">
+              <a:buNone/>
+              <a:defRPr sz="1800">
+                <a:solidFill>
+                  <a:schemeClr val="tx1">
+                    <a:tint val="75000"/>
+                  </a:schemeClr>
+                </a:solidFill>
+              </a:defRPr>
+            </a:lvl2pPr>
+            <a:lvl3pPr marL="914400" indent="0">
+              <a:buNone/>
+              <a:defRPr sz="1600">
+                <a:solidFill>
+                  <a:schemeClr val="tx1">
+                    <a:tint val="75000"/>
+                  </a:schemeClr>
+                </a:solidFill>
+              </a:defRPr>
+            </a:lvl3pPr>
+            <a:lvl4pPr marL="1371600" indent="0">
+              <a:buNone/>
+              <a:defRPr sz="1400">
+                <a:solidFill>
+                  <a:schemeClr val="tx1">
+                    <a:tint val="75000"/>
+                  </a:schemeClr>
+                </a:solidFill>
+              </a:defRPr>
+            </a:lvl4pPr>
+            <a:lvl5pPr marL="1828800" indent="0">
+              <a:buNone/>
+              <a:defRPr sz="1400">
+                <a:solidFill>
+                  <a:schemeClr val="tx1">
+                    <a:tint val="75000"/>
+                  </a:schemeClr>
+                </a:solidFill>
+              </a:defRPr>
+            </a:lvl5pPr>
+            <a:lvl6pPr marL="2286000" indent="0">
+              <a:buNone/>
+              <a:defRPr sz="1400">
+                <a:solidFill>
+                  <a:schemeClr val="tx1">
+                    <a:tint val="75000"/>
+                  </a:schemeClr>
+                </a:solidFill>
+              </a:defRPr>
+            </a:lvl6pPr>
+            <a:lvl7pPr marL="2743200" indent="0">
+              <a:buNone/>
+              <a:defRPr sz="1400">
+                <a:solidFill>
+                  <a:schemeClr val="tx1">
+                    <a:tint val="75000"/>
+                  </a:schemeClr>
+                </a:solidFill>
+              </a:defRPr>
+            </a:lvl7pPr>
+            <a:lvl8pPr marL="3200400" indent="0">
+              <a:buNone/>
+              <a:defRPr sz="1400">
+                <a:solidFill>
+                  <a:schemeClr val="tx1">
+                    <a:tint val="75000"/>
+                  </a:schemeClr>
+                </a:solidFill>
+              </a:defRPr>
+            </a:lvl8pPr>
+            <a:lvl9pPr marL="3657600" indent="0">
+              <a:buNone/>
+              <a:defRPr sz="1400">
+                <a:solidFill>
+                  <a:schemeClr val="tx1">
+                    <a:tint val="75000"/>
+                  </a:schemeClr>
+                </a:solidFill>
+              </a:defRPr>
+            </a:lvl9pPr>
+          </a:lstStyle>
+          <a:p>
+            <a:pPr lvl="0"/>
+            <a:r>
+              <a:rPr lang="fr-FR"/>
+              <a:t>Cliquez pour modifier les styles du texte du masque</a:t>
+            </a:r>
+          </a:p>
+        </p:txBody>
+      </p:sp>
+      <p:sp>
+        <p:nvSpPr>
+          <p:cNvPr id="4" name="Date Placeholder 3"/>
+          <p:cNvSpPr>
+            <a:spLocks noGrp="1"/>
+          </p:cNvSpPr>
+          <p:nvPr>
+            <p:ph type="dt" sz="half" idx="10"/>
+          </p:nvPr>
+        </p:nvSpPr>
+        <p:spPr/>
+        <p:txBody>
+          <a:bodyPr/>
+          <a:lstStyle/>
+          <a:p>
+            <a:fld id="{B61BEF0D-F0BB-DE4B-95CE-6DB70DBA9567}" type="datetimeFigureOut">
+              <a:rPr lang="en-US" dirty="0"/>
+              <a:pPr/>
+              <a:t>1/28/2021</a:t>
+            </a:fld>
+            <a:endParaRPr lang="en-US" dirty="0"/>
+          </a:p>
+        </p:txBody>
+      </p:sp>
+      <p:sp>
+        <p:nvSpPr>
+          <p:cNvPr id="5" name="Footer Placeholder 4"/>
+          <p:cNvSpPr>
+            <a:spLocks noGrp="1"/>
+          </p:cNvSpPr>
+          <p:nvPr>
+            <p:ph type="ftr" sz="quarter" idx="11"/>
+          </p:nvPr>
+        </p:nvSpPr>
+        <p:spPr/>
+        <p:txBody>
+          <a:bodyPr/>
+          <a:lstStyle/>
+          <a:p>
+            <a:endParaRPr lang="en-US" dirty="0"/>
+          </a:p>
+        </p:txBody>
+      </p:sp>
+      <p:sp>
+        <p:nvSpPr>
+          <p:cNvPr id="6" name="Slide Number Placeholder 5"/>
+          <p:cNvSpPr>
+            <a:spLocks noGrp="1"/>
+          </p:cNvSpPr>
+          <p:nvPr>
+            <p:ph type="sldNum" sz="quarter" idx="12"/>
+          </p:nvPr>
+        </p:nvSpPr>
+        <p:spPr/>
+        <p:txBody>
+          <a:bodyPr/>
+          <a:lstStyle/>
+          <a:p>
+            <a:fld id="{D57F1E4F-1CFF-5643-939E-217C01CDF565}" type="slidenum">
+              <a:rPr lang="en-US" dirty="0"/>
+              <a:pPr/>
+              <a:t>‹N°›</a:t>
+            </a:fld>
+            <a:endParaRPr lang="en-US" dirty="0"/>
+          </a:p>
+        </p:txBody>
+      </p:sp>
+    </p:spTree>
+  </p:cSld>
+  <p:clrMapOvr>
+    <a:masterClrMapping/>
+  </p:clrMapOvr>
+</p:sldLayout>
+</file>
+
+<file path=ppt/slideLayouts/slideLayout15.xml><?xml version="1.0" encoding="utf-8"?>
 <p:sldLayout xmlns:a="http://schemas.openxmlformats.org/drawingml/2006/main" xmlns:r="http://schemas.openxmlformats.org/officeDocument/2006/relationships" xmlns:p="http://schemas.openxmlformats.org/presentationml/2006/main" type="vertTx" preserve="1">
   <p:cSld name="Titre et texte vertical">
     <p:spTree>
@@ -350,13 +2489,7 @@
       </p:grpSpPr>
       <p:sp>
         <p:nvSpPr>
-          <p:cNvPr id="2" name="Titre 1">
-            <a:extLst>
-              <a:ext uri="{FF2B5EF4-FFF2-40B4-BE49-F238E27FC236}">
-                <a16:creationId xmlns:a16="http://schemas.microsoft.com/office/drawing/2014/main" id="{86B2E95D-B576-4853-98C8-F0C22B4DC653}"/>
-              </a:ext>
-            </a:extLst>
-          </p:cNvPr>
+          <p:cNvPr id="2" name="Title 1"/>
           <p:cNvSpPr>
             <a:spLocks noGrp="1"/>
           </p:cNvSpPr>
@@ -373,18 +2506,13 @@
               <a:rPr lang="fr-FR"/>
               <a:t>Modifiez le style du titre</a:t>
             </a:r>
-          </a:p>
-        </p:txBody>
-      </p:sp>
-      <p:sp>
-        <p:nvSpPr>
-          <p:cNvPr id="3" name="Espace réservé du texte vertical 2">
-            <a:extLst>
-              <a:ext uri="{FF2B5EF4-FFF2-40B4-BE49-F238E27FC236}">
-                <a16:creationId xmlns:a16="http://schemas.microsoft.com/office/drawing/2014/main" id="{D82BED54-75AC-4F9E-9D82-18C254339AA6}"/>
-              </a:ext>
-            </a:extLst>
-          </p:cNvPr>
+            <a:endParaRPr lang="en-US" dirty="0"/>
+          </a:p>
+        </p:txBody>
+      </p:sp>
+      <p:sp>
+        <p:nvSpPr>
+          <p:cNvPr id="3" name="Vertical Text Placeholder 2"/>
           <p:cNvSpPr>
             <a:spLocks noGrp="1"/>
           </p:cNvSpPr>
@@ -430,18 +2558,13 @@
               <a:rPr lang="fr-FR"/>
               <a:t>Cinquième niveau</a:t>
             </a:r>
-          </a:p>
-        </p:txBody>
-      </p:sp>
-      <p:sp>
-        <p:nvSpPr>
-          <p:cNvPr id="4" name="Espace réservé de la date 3">
-            <a:extLst>
-              <a:ext uri="{FF2B5EF4-FFF2-40B4-BE49-F238E27FC236}">
-                <a16:creationId xmlns:a16="http://schemas.microsoft.com/office/drawing/2014/main" id="{9F7740E7-9220-4F22-BDD1-47826B1075E7}"/>
-              </a:ext>
-            </a:extLst>
-          </p:cNvPr>
+            <a:endParaRPr lang="en-US" dirty="0"/>
+          </a:p>
+        </p:txBody>
+      </p:sp>
+      <p:sp>
+        <p:nvSpPr>
+          <p:cNvPr id="4" name="Date Placeholder 3"/>
           <p:cNvSpPr>
             <a:spLocks noGrp="1"/>
           </p:cNvSpPr>
@@ -454,23 +2577,17 @@
           <a:bodyPr/>
           <a:lstStyle/>
           <a:p>
-            <a:fld id="{F5C50AB6-A0D8-4207-8B93-D23DF95458BE}" type="datetimeFigureOut">
-              <a:rPr lang="fr-FR" smtClean="0"/>
-              <a:t>07/01/2021</a:t>
+            <a:fld id="{55C6B4A9-1611-4792-9094-5F34BCA07E0B}" type="datetimeFigureOut">
+              <a:rPr lang="en-US" dirty="0"/>
+              <a:t>1/28/2021</a:t>
             </a:fld>
-            <a:endParaRPr lang="fr-FR"/>
-          </a:p>
-        </p:txBody>
-      </p:sp>
-      <p:sp>
-        <p:nvSpPr>
-          <p:cNvPr id="5" name="Espace réservé du pied de page 4">
-            <a:extLst>
-              <a:ext uri="{FF2B5EF4-FFF2-40B4-BE49-F238E27FC236}">
-                <a16:creationId xmlns:a16="http://schemas.microsoft.com/office/drawing/2014/main" id="{23BD31BF-5B0C-4223-8AF3-4A4119438430}"/>
-              </a:ext>
-            </a:extLst>
-          </p:cNvPr>
+            <a:endParaRPr lang="en-US" dirty="0"/>
+          </a:p>
+        </p:txBody>
+      </p:sp>
+      <p:sp>
+        <p:nvSpPr>
+          <p:cNvPr id="5" name="Footer Placeholder 4"/>
           <p:cNvSpPr>
             <a:spLocks noGrp="1"/>
           </p:cNvSpPr>
@@ -483,19 +2600,13 @@
           <a:bodyPr/>
           <a:lstStyle/>
           <a:p>
-            <a:endParaRPr lang="fr-FR"/>
-          </a:p>
-        </p:txBody>
-      </p:sp>
-      <p:sp>
-        <p:nvSpPr>
-          <p:cNvPr id="6" name="Espace réservé du numéro de diapositive 5">
-            <a:extLst>
-              <a:ext uri="{FF2B5EF4-FFF2-40B4-BE49-F238E27FC236}">
-                <a16:creationId xmlns:a16="http://schemas.microsoft.com/office/drawing/2014/main" id="{6C3BA7E4-3830-4119-A896-DD1F4F464747}"/>
-              </a:ext>
-            </a:extLst>
-          </p:cNvPr>
+            <a:endParaRPr lang="en-US" dirty="0"/>
+          </a:p>
+        </p:txBody>
+      </p:sp>
+      <p:sp>
+        <p:nvSpPr>
+          <p:cNvPr id="6" name="Slide Number Placeholder 5"/>
           <p:cNvSpPr>
             <a:spLocks noGrp="1"/>
           </p:cNvSpPr>
@@ -508,20 +2619,15 @@
           <a:bodyPr/>
           <a:lstStyle/>
           <a:p>
-            <a:fld id="{91C05D8E-2257-4187-9F34-FDADC0F4CE20}" type="slidenum">
-              <a:rPr lang="fr-FR" smtClean="0"/>
+            <a:fld id="{89333C77-0158-454C-844F-B7AB9BD7DAD4}" type="slidenum">
+              <a:rPr lang="en-US" dirty="0"/>
               <a:t>‹N°›</a:t>
             </a:fld>
-            <a:endParaRPr lang="fr-FR"/>
+            <a:endParaRPr lang="en-US" dirty="0"/>
           </a:p>
         </p:txBody>
       </p:sp>
     </p:spTree>
-    <p:extLst>
-      <p:ext uri="{BB962C8B-B14F-4D97-AF65-F5344CB8AC3E}">
-        <p14:creationId xmlns:p14="http://schemas.microsoft.com/office/powerpoint/2010/main" val="4222415084"/>
-      </p:ext>
-    </p:extLst>
   </p:cSld>
   <p:clrMapOvr>
     <a:masterClrMapping/>
@@ -529,7 +2635,7 @@
 </p:sldLayout>
 </file>
 
-<file path=ppt/slideLayouts/slideLayout11.xml><?xml version="1.0" encoding="utf-8"?>
+<file path=ppt/slideLayouts/slideLayout16.xml><?xml version="1.0" encoding="utf-8"?>
 <p:sldLayout xmlns:a="http://schemas.openxmlformats.org/drawingml/2006/main" xmlns:r="http://schemas.openxmlformats.org/officeDocument/2006/relationships" xmlns:p="http://schemas.openxmlformats.org/presentationml/2006/main" type="vertTitleAndTx" preserve="1">
   <p:cSld name="Titre vertical et texte">
     <p:spTree>
@@ -548,13 +2654,7 @@
       </p:grpSpPr>
       <p:sp>
         <p:nvSpPr>
-          <p:cNvPr id="2" name="Titre vertical 1">
-            <a:extLst>
-              <a:ext uri="{FF2B5EF4-FFF2-40B4-BE49-F238E27FC236}">
-                <a16:creationId xmlns:a16="http://schemas.microsoft.com/office/drawing/2014/main" id="{A7AECE60-3AB5-49D1-B646-333CCDCA5029}"/>
-              </a:ext>
-            </a:extLst>
-          </p:cNvPr>
+          <p:cNvPr id="2" name="Vertical Title 1"/>
           <p:cNvSpPr>
             <a:spLocks noGrp="1"/>
           </p:cNvSpPr>
@@ -564,30 +2664,25 @@
         </p:nvSpPr>
         <p:spPr>
           <a:xfrm>
-            <a:off x="8724900" y="365125"/>
-            <a:ext cx="2628900" cy="5811838"/>
+            <a:off x="7967673" y="609599"/>
+            <a:ext cx="1304743" cy="5251451"/>
           </a:xfrm>
         </p:spPr>
         <p:txBody>
-          <a:bodyPr vert="eaVert"/>
+          <a:bodyPr vert="eaVert" anchor="ctr"/>
           <a:lstStyle/>
           <a:p>
             <a:r>
               <a:rPr lang="fr-FR"/>
               <a:t>Modifiez le style du titre</a:t>
             </a:r>
-          </a:p>
-        </p:txBody>
-      </p:sp>
-      <p:sp>
-        <p:nvSpPr>
-          <p:cNvPr id="3" name="Espace réservé du texte vertical 2">
-            <a:extLst>
-              <a:ext uri="{FF2B5EF4-FFF2-40B4-BE49-F238E27FC236}">
-                <a16:creationId xmlns:a16="http://schemas.microsoft.com/office/drawing/2014/main" id="{33CD683B-362E-42BD-A94B-A3FF9A11AD9C}"/>
-              </a:ext>
-            </a:extLst>
-          </p:cNvPr>
+            <a:endParaRPr lang="en-US" dirty="0"/>
+          </a:p>
+        </p:txBody>
+      </p:sp>
+      <p:sp>
+        <p:nvSpPr>
+          <p:cNvPr id="3" name="Vertical Text Placeholder 2"/>
           <p:cNvSpPr>
             <a:spLocks noGrp="1"/>
           </p:cNvSpPr>
@@ -597,8 +2692,8 @@
         </p:nvSpPr>
         <p:spPr>
           <a:xfrm>
-            <a:off x="838200" y="365125"/>
-            <a:ext cx="7734300" cy="5811838"/>
+            <a:off x="677335" y="609600"/>
+            <a:ext cx="7060150" cy="5251450"/>
           </a:xfrm>
         </p:spPr>
         <p:txBody>
@@ -638,18 +2733,13 @@
               <a:rPr lang="fr-FR"/>
               <a:t>Cinquième niveau</a:t>
             </a:r>
-          </a:p>
-        </p:txBody>
-      </p:sp>
-      <p:sp>
-        <p:nvSpPr>
-          <p:cNvPr id="4" name="Espace réservé de la date 3">
-            <a:extLst>
-              <a:ext uri="{FF2B5EF4-FFF2-40B4-BE49-F238E27FC236}">
-                <a16:creationId xmlns:a16="http://schemas.microsoft.com/office/drawing/2014/main" id="{0DE45FE6-277C-445D-8CF1-554F33A62CC3}"/>
-              </a:ext>
-            </a:extLst>
-          </p:cNvPr>
+            <a:endParaRPr lang="en-US" dirty="0"/>
+          </a:p>
+        </p:txBody>
+      </p:sp>
+      <p:sp>
+        <p:nvSpPr>
+          <p:cNvPr id="4" name="Date Placeholder 3"/>
           <p:cNvSpPr>
             <a:spLocks noGrp="1"/>
           </p:cNvSpPr>
@@ -662,23 +2752,18 @@
           <a:bodyPr/>
           <a:lstStyle/>
           <a:p>
-            <a:fld id="{F5C50AB6-A0D8-4207-8B93-D23DF95458BE}" type="datetimeFigureOut">
-              <a:rPr lang="fr-FR" smtClean="0"/>
-              <a:t>07/01/2021</a:t>
+            <a:fld id="{B61BEF0D-F0BB-DE4B-95CE-6DB70DBA9567}" type="datetimeFigureOut">
+              <a:rPr lang="en-US" dirty="0"/>
+              <a:pPr/>
+              <a:t>1/28/2021</a:t>
             </a:fld>
-            <a:endParaRPr lang="fr-FR"/>
-          </a:p>
-        </p:txBody>
-      </p:sp>
-      <p:sp>
-        <p:nvSpPr>
-          <p:cNvPr id="5" name="Espace réservé du pied de page 4">
-            <a:extLst>
-              <a:ext uri="{FF2B5EF4-FFF2-40B4-BE49-F238E27FC236}">
-                <a16:creationId xmlns:a16="http://schemas.microsoft.com/office/drawing/2014/main" id="{B60A1935-9A35-46CE-ABE3-0725B08B9F68}"/>
-              </a:ext>
-            </a:extLst>
-          </p:cNvPr>
+            <a:endParaRPr lang="en-US" dirty="0"/>
+          </a:p>
+        </p:txBody>
+      </p:sp>
+      <p:sp>
+        <p:nvSpPr>
+          <p:cNvPr id="5" name="Footer Placeholder 4"/>
           <p:cNvSpPr>
             <a:spLocks noGrp="1"/>
           </p:cNvSpPr>
@@ -691,19 +2776,13 @@
           <a:bodyPr/>
           <a:lstStyle/>
           <a:p>
-            <a:endParaRPr lang="fr-FR"/>
-          </a:p>
-        </p:txBody>
-      </p:sp>
-      <p:sp>
-        <p:nvSpPr>
-          <p:cNvPr id="6" name="Espace réservé du numéro de diapositive 5">
-            <a:extLst>
-              <a:ext uri="{FF2B5EF4-FFF2-40B4-BE49-F238E27FC236}">
-                <a16:creationId xmlns:a16="http://schemas.microsoft.com/office/drawing/2014/main" id="{76E0CC7A-4296-4660-861E-281EBA9AFABB}"/>
-              </a:ext>
-            </a:extLst>
-          </p:cNvPr>
+            <a:endParaRPr lang="en-US" dirty="0"/>
+          </a:p>
+        </p:txBody>
+      </p:sp>
+      <p:sp>
+        <p:nvSpPr>
+          <p:cNvPr id="6" name="Slide Number Placeholder 5"/>
           <p:cNvSpPr>
             <a:spLocks noGrp="1"/>
           </p:cNvSpPr>
@@ -716,20 +2795,16 @@
           <a:bodyPr/>
           <a:lstStyle/>
           <a:p>
-            <a:fld id="{91C05D8E-2257-4187-9F34-FDADC0F4CE20}" type="slidenum">
-              <a:rPr lang="fr-FR" smtClean="0"/>
+            <a:fld id="{D57F1E4F-1CFF-5643-939E-217C01CDF565}" type="slidenum">
+              <a:rPr lang="en-US" dirty="0"/>
+              <a:pPr/>
               <a:t>‹N°›</a:t>
             </a:fld>
-            <a:endParaRPr lang="fr-FR"/>
+            <a:endParaRPr lang="en-US" dirty="0"/>
           </a:p>
         </p:txBody>
       </p:sp>
     </p:spTree>
-    <p:extLst>
-      <p:ext uri="{BB962C8B-B14F-4D97-AF65-F5344CB8AC3E}">
-        <p14:creationId xmlns:p14="http://schemas.microsoft.com/office/powerpoint/2010/main" val="1396879956"/>
-      </p:ext>
-    </p:extLst>
   </p:cSld>
   <p:clrMapOvr>
     <a:masterClrMapping/>
@@ -756,13 +2831,7 @@
       </p:grpSpPr>
       <p:sp>
         <p:nvSpPr>
-          <p:cNvPr id="2" name="Titre 1">
-            <a:extLst>
-              <a:ext uri="{FF2B5EF4-FFF2-40B4-BE49-F238E27FC236}">
-                <a16:creationId xmlns:a16="http://schemas.microsoft.com/office/drawing/2014/main" id="{643102EF-24A5-45B7-85E2-929B1F2C5F1C}"/>
-              </a:ext>
-            </a:extLst>
-          </p:cNvPr>
+          <p:cNvPr id="2" name="Title 1"/>
           <p:cNvSpPr>
             <a:spLocks noGrp="1"/>
           </p:cNvSpPr>
@@ -772,30 +2841,83 @@
         </p:nvSpPr>
         <p:spPr/>
         <p:txBody>
+          <a:bodyPr>
+            <a:normAutofit/>
+          </a:bodyPr>
+          <a:lstStyle>
+            <a:lvl1pPr>
+              <a:defRPr sz="3600"/>
+            </a:lvl1pPr>
+          </a:lstStyle>
+          <a:p>
+            <a:r>
+              <a:rPr lang="fr-FR"/>
+              <a:t>Modifiez le style du titre</a:t>
+            </a:r>
+            <a:endParaRPr lang="en-US" dirty="0"/>
+          </a:p>
+        </p:txBody>
+      </p:sp>
+      <p:sp>
+        <p:nvSpPr>
+          <p:cNvPr id="3" name="Content Placeholder 2"/>
+          <p:cNvSpPr>
+            <a:spLocks noGrp="1"/>
+          </p:cNvSpPr>
+          <p:nvPr>
+            <p:ph idx="1"/>
+          </p:nvPr>
+        </p:nvSpPr>
+        <p:spPr/>
+        <p:txBody>
           <a:bodyPr/>
           <a:lstStyle/>
           <a:p>
-            <a:r>
-              <a:rPr lang="fr-FR"/>
-              <a:t>Modifiez le style du titre</a:t>
-            </a:r>
-          </a:p>
-        </p:txBody>
-      </p:sp>
-      <p:sp>
-        <p:nvSpPr>
-          <p:cNvPr id="3" name="Espace réservé du contenu 2">
-            <a:extLst>
-              <a:ext uri="{FF2B5EF4-FFF2-40B4-BE49-F238E27FC236}">
-                <a16:creationId xmlns:a16="http://schemas.microsoft.com/office/drawing/2014/main" id="{A97CD9EF-DB12-4443-9450-FD42F198AFFA}"/>
-              </a:ext>
-            </a:extLst>
-          </p:cNvPr>
-          <p:cNvSpPr>
-            <a:spLocks noGrp="1"/>
-          </p:cNvSpPr>
-          <p:nvPr>
-            <p:ph idx="1"/>
+            <a:pPr lvl="0"/>
+            <a:r>
+              <a:rPr lang="fr-FR"/>
+              <a:t>Cliquez pour modifier les styles du texte du masque</a:t>
+            </a:r>
+          </a:p>
+          <a:p>
+            <a:pPr lvl="1"/>
+            <a:r>
+              <a:rPr lang="fr-FR"/>
+              <a:t>Deuxième niveau</a:t>
+            </a:r>
+          </a:p>
+          <a:p>
+            <a:pPr lvl="2"/>
+            <a:r>
+              <a:rPr lang="fr-FR"/>
+              <a:t>Troisième niveau</a:t>
+            </a:r>
+          </a:p>
+          <a:p>
+            <a:pPr lvl="3"/>
+            <a:r>
+              <a:rPr lang="fr-FR"/>
+              <a:t>Quatrième niveau</a:t>
+            </a:r>
+          </a:p>
+          <a:p>
+            <a:pPr lvl="4"/>
+            <a:r>
+              <a:rPr lang="fr-FR"/>
+              <a:t>Cinquième niveau</a:t>
+            </a:r>
+            <a:endParaRPr lang="en-US" dirty="0"/>
+          </a:p>
+        </p:txBody>
+      </p:sp>
+      <p:sp>
+        <p:nvSpPr>
+          <p:cNvPr id="4" name="Date Placeholder 3"/>
+          <p:cNvSpPr>
+            <a:spLocks noGrp="1"/>
+          </p:cNvSpPr>
+          <p:nvPr>
+            <p:ph type="dt" sz="half" idx="10"/>
           </p:nvPr>
         </p:nvSpPr>
         <p:spPr/>
@@ -803,56 +2925,23 @@
           <a:bodyPr/>
           <a:lstStyle/>
           <a:p>
-            <a:pPr lvl="0"/>
-            <a:r>
-              <a:rPr lang="fr-FR"/>
-              <a:t>Cliquez pour modifier les styles du texte du masque</a:t>
-            </a:r>
-          </a:p>
-          <a:p>
-            <a:pPr lvl="1"/>
-            <a:r>
-              <a:rPr lang="fr-FR"/>
-              <a:t>Deuxième niveau</a:t>
-            </a:r>
-          </a:p>
-          <a:p>
-            <a:pPr lvl="2"/>
-            <a:r>
-              <a:rPr lang="fr-FR"/>
-              <a:t>Troisième niveau</a:t>
-            </a:r>
-          </a:p>
-          <a:p>
-            <a:pPr lvl="3"/>
-            <a:r>
-              <a:rPr lang="fr-FR"/>
-              <a:t>Quatrième niveau</a:t>
-            </a:r>
-          </a:p>
-          <a:p>
-            <a:pPr lvl="4"/>
-            <a:r>
-              <a:rPr lang="fr-FR"/>
-              <a:t>Cinquième niveau</a:t>
-            </a:r>
-          </a:p>
-        </p:txBody>
-      </p:sp>
-      <p:sp>
-        <p:nvSpPr>
-          <p:cNvPr id="4" name="Espace réservé de la date 3">
-            <a:extLst>
-              <a:ext uri="{FF2B5EF4-FFF2-40B4-BE49-F238E27FC236}">
-                <a16:creationId xmlns:a16="http://schemas.microsoft.com/office/drawing/2014/main" id="{C81C5EE8-ADF3-46F8-8464-161C86815A12}"/>
-              </a:ext>
-            </a:extLst>
-          </p:cNvPr>
-          <p:cNvSpPr>
-            <a:spLocks noGrp="1"/>
-          </p:cNvSpPr>
-          <p:nvPr>
-            <p:ph type="dt" sz="half" idx="10"/>
+            <a:fld id="{B61BEF0D-F0BB-DE4B-95CE-6DB70DBA9567}" type="datetimeFigureOut">
+              <a:rPr lang="en-US" dirty="0"/>
+              <a:pPr/>
+              <a:t>1/28/2021</a:t>
+            </a:fld>
+            <a:endParaRPr lang="en-US" dirty="0"/>
+          </a:p>
+        </p:txBody>
+      </p:sp>
+      <p:sp>
+        <p:nvSpPr>
+          <p:cNvPr id="5" name="Footer Placeholder 4"/>
+          <p:cNvSpPr>
+            <a:spLocks noGrp="1"/>
+          </p:cNvSpPr>
+          <p:nvPr>
+            <p:ph type="ftr" sz="quarter" idx="11"/>
           </p:nvPr>
         </p:nvSpPr>
         <p:spPr/>
@@ -860,28 +2949,18 @@
           <a:bodyPr/>
           <a:lstStyle/>
           <a:p>
-            <a:fld id="{F5C50AB6-A0D8-4207-8B93-D23DF95458BE}" type="datetimeFigureOut">
-              <a:rPr lang="fr-FR" smtClean="0"/>
-              <a:t>07/01/2021</a:t>
-            </a:fld>
-            <a:endParaRPr lang="fr-FR"/>
-          </a:p>
-        </p:txBody>
-      </p:sp>
-      <p:sp>
-        <p:nvSpPr>
-          <p:cNvPr id="5" name="Espace réservé du pied de page 4">
-            <a:extLst>
-              <a:ext uri="{FF2B5EF4-FFF2-40B4-BE49-F238E27FC236}">
-                <a16:creationId xmlns:a16="http://schemas.microsoft.com/office/drawing/2014/main" id="{154DA0D2-FACE-42C8-AC96-AB33B74C0E9E}"/>
-              </a:ext>
-            </a:extLst>
-          </p:cNvPr>
-          <p:cNvSpPr>
-            <a:spLocks noGrp="1"/>
-          </p:cNvSpPr>
-          <p:nvPr>
-            <p:ph type="ftr" sz="quarter" idx="11"/>
+            <a:endParaRPr lang="en-US" dirty="0"/>
+          </a:p>
+        </p:txBody>
+      </p:sp>
+      <p:sp>
+        <p:nvSpPr>
+          <p:cNvPr id="6" name="Slide Number Placeholder 5"/>
+          <p:cNvSpPr>
+            <a:spLocks noGrp="1"/>
+          </p:cNvSpPr>
+          <p:nvPr>
+            <p:ph type="sldNum" sz="quarter" idx="12"/>
           </p:nvPr>
         </p:nvSpPr>
         <p:spPr/>
@@ -889,45 +2968,16 @@
           <a:bodyPr/>
           <a:lstStyle/>
           <a:p>
-            <a:endParaRPr lang="fr-FR"/>
-          </a:p>
-        </p:txBody>
-      </p:sp>
-      <p:sp>
-        <p:nvSpPr>
-          <p:cNvPr id="6" name="Espace réservé du numéro de diapositive 5">
-            <a:extLst>
-              <a:ext uri="{FF2B5EF4-FFF2-40B4-BE49-F238E27FC236}">
-                <a16:creationId xmlns:a16="http://schemas.microsoft.com/office/drawing/2014/main" id="{3033256C-2F2F-4705-80D5-0CDAC98AF8FA}"/>
-              </a:ext>
-            </a:extLst>
-          </p:cNvPr>
-          <p:cNvSpPr>
-            <a:spLocks noGrp="1"/>
-          </p:cNvSpPr>
-          <p:nvPr>
-            <p:ph type="sldNum" sz="quarter" idx="12"/>
-          </p:nvPr>
-        </p:nvSpPr>
-        <p:spPr/>
-        <p:txBody>
-          <a:bodyPr/>
-          <a:lstStyle/>
-          <a:p>
-            <a:fld id="{91C05D8E-2257-4187-9F34-FDADC0F4CE20}" type="slidenum">
-              <a:rPr lang="fr-FR" smtClean="0"/>
+            <a:fld id="{D57F1E4F-1CFF-5643-939E-217C01CDF565}" type="slidenum">
+              <a:rPr lang="en-US" dirty="0"/>
+              <a:pPr/>
               <a:t>‹N°›</a:t>
             </a:fld>
-            <a:endParaRPr lang="fr-FR"/>
+            <a:endParaRPr lang="en-US" dirty="0"/>
           </a:p>
         </p:txBody>
       </p:sp>
     </p:spTree>
-    <p:extLst>
-      <p:ext uri="{BB962C8B-B14F-4D97-AF65-F5344CB8AC3E}">
-        <p14:creationId xmlns:p14="http://schemas.microsoft.com/office/powerpoint/2010/main" val="2617866775"/>
-      </p:ext>
-    </p:extLst>
   </p:cSld>
   <p:clrMapOvr>
     <a:masterClrMapping/>
@@ -954,13 +3004,7 @@
       </p:grpSpPr>
       <p:sp>
         <p:nvSpPr>
-          <p:cNvPr id="2" name="Titre 1">
-            <a:extLst>
-              <a:ext uri="{FF2B5EF4-FFF2-40B4-BE49-F238E27FC236}">
-                <a16:creationId xmlns:a16="http://schemas.microsoft.com/office/drawing/2014/main" id="{9D0A0737-2976-4928-9D09-B2E21AC6C772}"/>
-              </a:ext>
-            </a:extLst>
-          </p:cNvPr>
+          <p:cNvPr id="2" name="Title 1"/>
           <p:cNvSpPr>
             <a:spLocks noGrp="1"/>
           </p:cNvSpPr>
@@ -970,15 +3014,15 @@
         </p:nvSpPr>
         <p:spPr>
           <a:xfrm>
-            <a:off x="831850" y="1709738"/>
-            <a:ext cx="10515600" cy="2852737"/>
+            <a:off x="677335" y="2700867"/>
+            <a:ext cx="8596668" cy="1826581"/>
           </a:xfrm>
         </p:spPr>
         <p:txBody>
           <a:bodyPr anchor="b"/>
           <a:lstStyle>
-            <a:lvl1pPr>
-              <a:defRPr sz="6000"/>
+            <a:lvl1pPr algn="l">
+              <a:defRPr sz="4000" b="0" cap="none"/>
             </a:lvl1pPr>
           </a:lstStyle>
           <a:p>
@@ -986,18 +3030,13 @@
               <a:rPr lang="fr-FR"/>
               <a:t>Modifiez le style du titre</a:t>
             </a:r>
-          </a:p>
-        </p:txBody>
-      </p:sp>
-      <p:sp>
-        <p:nvSpPr>
-          <p:cNvPr id="3" name="Espace réservé du texte 2">
-            <a:extLst>
-              <a:ext uri="{FF2B5EF4-FFF2-40B4-BE49-F238E27FC236}">
-                <a16:creationId xmlns:a16="http://schemas.microsoft.com/office/drawing/2014/main" id="{F072AE4E-808A-4363-9448-DCFDD579A302}"/>
-              </a:ext>
-            </a:extLst>
-          </p:cNvPr>
+            <a:endParaRPr lang="en-US" dirty="0"/>
+          </a:p>
+        </p:txBody>
+      </p:sp>
+      <p:sp>
+        <p:nvSpPr>
+          <p:cNvPr id="3" name="Text Placeholder 2"/>
           <p:cNvSpPr>
             <a:spLocks noGrp="1"/>
           </p:cNvSpPr>
@@ -1007,102 +3046,103 @@
         </p:nvSpPr>
         <p:spPr>
           <a:xfrm>
-            <a:off x="831850" y="4589463"/>
-            <a:ext cx="10515600" cy="1500187"/>
+            <a:off x="677335" y="4527448"/>
+            <a:ext cx="8596668" cy="860400"/>
           </a:xfrm>
         </p:spPr>
         <p:txBody>
-          <a:bodyPr/>
+          <a:bodyPr anchor="t"/>
           <a:lstStyle>
-            <a:lvl1pPr marL="0" indent="0">
-              <a:buNone/>
-              <a:defRPr sz="2400">
+            <a:lvl1pPr marL="0" indent="0" algn="l">
+              <a:buNone/>
+              <a:defRPr sz="2000">
+                <a:solidFill>
+                  <a:schemeClr val="tx1">
+                    <a:lumMod val="50000"/>
+                    <a:lumOff val="50000"/>
+                  </a:schemeClr>
+                </a:solidFill>
+              </a:defRPr>
+            </a:lvl1pPr>
+            <a:lvl2pPr marL="457200" indent="0">
+              <a:buNone/>
+              <a:defRPr sz="1800">
                 <a:solidFill>
                   <a:schemeClr val="tx1">
                     <a:tint val="75000"/>
                   </a:schemeClr>
                 </a:solidFill>
               </a:defRPr>
-            </a:lvl1pPr>
-            <a:lvl2pPr marL="457200" indent="0">
-              <a:buNone/>
-              <a:defRPr sz="2000">
+            </a:lvl2pPr>
+            <a:lvl3pPr marL="914400" indent="0">
+              <a:buNone/>
+              <a:defRPr sz="1600">
                 <a:solidFill>
                   <a:schemeClr val="tx1">
                     <a:tint val="75000"/>
                   </a:schemeClr>
                 </a:solidFill>
               </a:defRPr>
-            </a:lvl2pPr>
-            <a:lvl3pPr marL="914400" indent="0">
-              <a:buNone/>
-              <a:defRPr sz="1800">
+            </a:lvl3pPr>
+            <a:lvl4pPr marL="1371600" indent="0">
+              <a:buNone/>
+              <a:defRPr sz="1400">
                 <a:solidFill>
                   <a:schemeClr val="tx1">
                     <a:tint val="75000"/>
                   </a:schemeClr>
                 </a:solidFill>
               </a:defRPr>
-            </a:lvl3pPr>
-            <a:lvl4pPr marL="1371600" indent="0">
-              <a:buNone/>
-              <a:defRPr sz="1600">
+            </a:lvl4pPr>
+            <a:lvl5pPr marL="1828800" indent="0">
+              <a:buNone/>
+              <a:defRPr sz="1400">
                 <a:solidFill>
                   <a:schemeClr val="tx1">
                     <a:tint val="75000"/>
                   </a:schemeClr>
                 </a:solidFill>
               </a:defRPr>
-            </a:lvl4pPr>
-            <a:lvl5pPr marL="1828800" indent="0">
-              <a:buNone/>
-              <a:defRPr sz="1600">
+            </a:lvl5pPr>
+            <a:lvl6pPr marL="2286000" indent="0">
+              <a:buNone/>
+              <a:defRPr sz="1400">
                 <a:solidFill>
                   <a:schemeClr val="tx1">
                     <a:tint val="75000"/>
                   </a:schemeClr>
                 </a:solidFill>
               </a:defRPr>
-            </a:lvl5pPr>
-            <a:lvl6pPr marL="2286000" indent="0">
-              <a:buNone/>
-              <a:defRPr sz="1600">
+            </a:lvl6pPr>
+            <a:lvl7pPr marL="2743200" indent="0">
+              <a:buNone/>
+              <a:defRPr sz="1400">
                 <a:solidFill>
                   <a:schemeClr val="tx1">
                     <a:tint val="75000"/>
                   </a:schemeClr>
                 </a:solidFill>
               </a:defRPr>
-            </a:lvl6pPr>
-            <a:lvl7pPr marL="2743200" indent="0">
-              <a:buNone/>
-              <a:defRPr sz="1600">
+            </a:lvl7pPr>
+            <a:lvl8pPr marL="3200400" indent="0">
+              <a:buNone/>
+              <a:defRPr sz="1400">
                 <a:solidFill>
                   <a:schemeClr val="tx1">
                     <a:tint val="75000"/>
                   </a:schemeClr>
                 </a:solidFill>
               </a:defRPr>
-            </a:lvl7pPr>
-            <a:lvl8pPr marL="3200400" indent="0">
-              <a:buNone/>
-              <a:defRPr sz="1600">
+            </a:lvl8pPr>
+            <a:lvl9pPr marL="3657600" indent="0">
+              <a:buNone/>
+              <a:defRPr sz="1400">
                 <a:solidFill>
                   <a:schemeClr val="tx1">
                     <a:tint val="75000"/>
                   </a:schemeClr>
                 </a:solidFill>
               </a:defRPr>
-            </a:lvl8pPr>
-            <a:lvl9pPr marL="3657600" indent="0">
-              <a:buNone/>
-              <a:defRPr sz="1600">
-                <a:solidFill>
-                  <a:schemeClr val="tx1">
-                    <a:tint val="75000"/>
-                  </a:schemeClr>
-                </a:solidFill>
-              </a:defRPr>
             </a:lvl9pPr>
           </a:lstStyle>
           <a:p>
@@ -1116,13 +3156,7 @@
       </p:sp>
       <p:sp>
         <p:nvSpPr>
-          <p:cNvPr id="4" name="Espace réservé de la date 3">
-            <a:extLst>
-              <a:ext uri="{FF2B5EF4-FFF2-40B4-BE49-F238E27FC236}">
-                <a16:creationId xmlns:a16="http://schemas.microsoft.com/office/drawing/2014/main" id="{6882CCD5-A171-4ED0-AECC-F2C73948DC87}"/>
-              </a:ext>
-            </a:extLst>
-          </p:cNvPr>
+          <p:cNvPr id="4" name="Date Placeholder 3"/>
           <p:cNvSpPr>
             <a:spLocks noGrp="1"/>
           </p:cNvSpPr>
@@ -1135,23 +3169,18 @@
           <a:bodyPr/>
           <a:lstStyle/>
           <a:p>
-            <a:fld id="{F5C50AB6-A0D8-4207-8B93-D23DF95458BE}" type="datetimeFigureOut">
-              <a:rPr lang="fr-FR" smtClean="0"/>
-              <a:t>07/01/2021</a:t>
+            <a:fld id="{B61BEF0D-F0BB-DE4B-95CE-6DB70DBA9567}" type="datetimeFigureOut">
+              <a:rPr lang="en-US" dirty="0"/>
+              <a:pPr/>
+              <a:t>1/28/2021</a:t>
             </a:fld>
-            <a:endParaRPr lang="fr-FR"/>
-          </a:p>
-        </p:txBody>
-      </p:sp>
-      <p:sp>
-        <p:nvSpPr>
-          <p:cNvPr id="5" name="Espace réservé du pied de page 4">
-            <a:extLst>
-              <a:ext uri="{FF2B5EF4-FFF2-40B4-BE49-F238E27FC236}">
-                <a16:creationId xmlns:a16="http://schemas.microsoft.com/office/drawing/2014/main" id="{C7DB4D48-3B28-41ED-A140-8935609233C2}"/>
-              </a:ext>
-            </a:extLst>
-          </p:cNvPr>
+            <a:endParaRPr lang="en-US" dirty="0"/>
+          </a:p>
+        </p:txBody>
+      </p:sp>
+      <p:sp>
+        <p:nvSpPr>
+          <p:cNvPr id="5" name="Footer Placeholder 4"/>
           <p:cNvSpPr>
             <a:spLocks noGrp="1"/>
           </p:cNvSpPr>
@@ -1164,19 +3193,13 @@
           <a:bodyPr/>
           <a:lstStyle/>
           <a:p>
-            <a:endParaRPr lang="fr-FR"/>
-          </a:p>
-        </p:txBody>
-      </p:sp>
-      <p:sp>
-        <p:nvSpPr>
-          <p:cNvPr id="6" name="Espace réservé du numéro de diapositive 5">
-            <a:extLst>
-              <a:ext uri="{FF2B5EF4-FFF2-40B4-BE49-F238E27FC236}">
-                <a16:creationId xmlns:a16="http://schemas.microsoft.com/office/drawing/2014/main" id="{283DB567-3414-4B20-BA65-B12A513796F5}"/>
-              </a:ext>
-            </a:extLst>
-          </p:cNvPr>
+            <a:endParaRPr lang="en-US" dirty="0"/>
+          </a:p>
+        </p:txBody>
+      </p:sp>
+      <p:sp>
+        <p:nvSpPr>
+          <p:cNvPr id="6" name="Slide Number Placeholder 5"/>
           <p:cNvSpPr>
             <a:spLocks noGrp="1"/>
           </p:cNvSpPr>
@@ -1189,20 +3212,16 @@
           <a:bodyPr/>
           <a:lstStyle/>
           <a:p>
-            <a:fld id="{91C05D8E-2257-4187-9F34-FDADC0F4CE20}" type="slidenum">
-              <a:rPr lang="fr-FR" smtClean="0"/>
+            <a:fld id="{D57F1E4F-1CFF-5643-939E-217C01CDF565}" type="slidenum">
+              <a:rPr lang="en-US" dirty="0"/>
+              <a:pPr/>
               <a:t>‹N°›</a:t>
             </a:fld>
-            <a:endParaRPr lang="fr-FR"/>
+            <a:endParaRPr lang="en-US" dirty="0"/>
           </a:p>
         </p:txBody>
       </p:sp>
     </p:spTree>
-    <p:extLst>
-      <p:ext uri="{BB962C8B-B14F-4D97-AF65-F5344CB8AC3E}">
-        <p14:creationId xmlns:p14="http://schemas.microsoft.com/office/powerpoint/2010/main" val="2757922784"/>
-      </p:ext>
-    </p:extLst>
   </p:cSld>
   <p:clrMapOvr>
     <a:masterClrMapping/>
@@ -1229,13 +3248,7 @@
       </p:grpSpPr>
       <p:sp>
         <p:nvSpPr>
-          <p:cNvPr id="2" name="Titre 1">
-            <a:extLst>
-              <a:ext uri="{FF2B5EF4-FFF2-40B4-BE49-F238E27FC236}">
-                <a16:creationId xmlns:a16="http://schemas.microsoft.com/office/drawing/2014/main" id="{4C1B329C-530F-4645-B1FE-AD30056D5BA1}"/>
-              </a:ext>
-            </a:extLst>
-          </p:cNvPr>
+          <p:cNvPr id="2" name="Title 1"/>
           <p:cNvSpPr>
             <a:spLocks noGrp="1"/>
           </p:cNvSpPr>
@@ -1252,18 +3265,13 @@
               <a:rPr lang="fr-FR"/>
               <a:t>Modifiez le style du titre</a:t>
             </a:r>
-          </a:p>
-        </p:txBody>
-      </p:sp>
-      <p:sp>
-        <p:nvSpPr>
-          <p:cNvPr id="3" name="Espace réservé du contenu 2">
-            <a:extLst>
-              <a:ext uri="{FF2B5EF4-FFF2-40B4-BE49-F238E27FC236}">
-                <a16:creationId xmlns:a16="http://schemas.microsoft.com/office/drawing/2014/main" id="{E7EE81E9-5175-4A27-8138-0ABE947CA064}"/>
-              </a:ext>
-            </a:extLst>
-          </p:cNvPr>
+            <a:endParaRPr lang="en-US" dirty="0"/>
+          </a:p>
+        </p:txBody>
+      </p:sp>
+      <p:sp>
+        <p:nvSpPr>
+          <p:cNvPr id="3" name="Content Placeholder 2"/>
           <p:cNvSpPr>
             <a:spLocks noGrp="1"/>
           </p:cNvSpPr>
@@ -1273,8 +3281,8 @@
         </p:nvSpPr>
         <p:spPr>
           <a:xfrm>
-            <a:off x="838200" y="1825625"/>
-            <a:ext cx="5181600" cy="4351338"/>
+            <a:off x="677334" y="2160589"/>
+            <a:ext cx="4184035" cy="3880772"/>
           </a:xfrm>
         </p:spPr>
         <p:txBody>
@@ -1314,18 +3322,13 @@
               <a:rPr lang="fr-FR"/>
               <a:t>Cinquième niveau</a:t>
             </a:r>
-          </a:p>
-        </p:txBody>
-      </p:sp>
-      <p:sp>
-        <p:nvSpPr>
-          <p:cNvPr id="4" name="Espace réservé du contenu 3">
-            <a:extLst>
-              <a:ext uri="{FF2B5EF4-FFF2-40B4-BE49-F238E27FC236}">
-                <a16:creationId xmlns:a16="http://schemas.microsoft.com/office/drawing/2014/main" id="{D0D8851D-886F-4CBA-9FB7-2C5C855C45F8}"/>
-              </a:ext>
-            </a:extLst>
-          </p:cNvPr>
+            <a:endParaRPr lang="en-US" dirty="0"/>
+          </a:p>
+        </p:txBody>
+      </p:sp>
+      <p:sp>
+        <p:nvSpPr>
+          <p:cNvPr id="4" name="Content Placeholder 3"/>
           <p:cNvSpPr>
             <a:spLocks noGrp="1"/>
           </p:cNvSpPr>
@@ -1335,8 +3338,8 @@
         </p:nvSpPr>
         <p:spPr>
           <a:xfrm>
-            <a:off x="6172200" y="1825625"/>
-            <a:ext cx="5181600" cy="4351338"/>
+            <a:off x="5089970" y="2160589"/>
+            <a:ext cx="4184034" cy="3880773"/>
           </a:xfrm>
         </p:spPr>
         <p:txBody>
@@ -1376,18 +3379,13 @@
               <a:rPr lang="fr-FR"/>
               <a:t>Cinquième niveau</a:t>
             </a:r>
-          </a:p>
-        </p:txBody>
-      </p:sp>
-      <p:sp>
-        <p:nvSpPr>
-          <p:cNvPr id="5" name="Espace réservé de la date 4">
-            <a:extLst>
-              <a:ext uri="{FF2B5EF4-FFF2-40B4-BE49-F238E27FC236}">
-                <a16:creationId xmlns:a16="http://schemas.microsoft.com/office/drawing/2014/main" id="{77E70220-55C7-4B71-996D-CA655FBE17C3}"/>
-              </a:ext>
-            </a:extLst>
-          </p:cNvPr>
+            <a:endParaRPr lang="en-US" dirty="0"/>
+          </a:p>
+        </p:txBody>
+      </p:sp>
+      <p:sp>
+        <p:nvSpPr>
+          <p:cNvPr id="5" name="Date Placeholder 4"/>
           <p:cNvSpPr>
             <a:spLocks noGrp="1"/>
           </p:cNvSpPr>
@@ -1400,23 +3398,17 @@
           <a:bodyPr/>
           <a:lstStyle/>
           <a:p>
-            <a:fld id="{F5C50AB6-A0D8-4207-8B93-D23DF95458BE}" type="datetimeFigureOut">
-              <a:rPr lang="fr-FR" smtClean="0"/>
-              <a:t>07/01/2021</a:t>
+            <a:fld id="{EB712588-04B1-427B-82EE-E8DB90309F08}" type="datetimeFigureOut">
+              <a:rPr lang="en-US" dirty="0"/>
+              <a:t>1/28/2021</a:t>
             </a:fld>
-            <a:endParaRPr lang="fr-FR"/>
-          </a:p>
-        </p:txBody>
-      </p:sp>
-      <p:sp>
-        <p:nvSpPr>
-          <p:cNvPr id="6" name="Espace réservé du pied de page 5">
-            <a:extLst>
-              <a:ext uri="{FF2B5EF4-FFF2-40B4-BE49-F238E27FC236}">
-                <a16:creationId xmlns:a16="http://schemas.microsoft.com/office/drawing/2014/main" id="{14682590-CCB1-481A-9300-571D29BFF386}"/>
-              </a:ext>
-            </a:extLst>
-          </p:cNvPr>
+            <a:endParaRPr lang="en-US" dirty="0"/>
+          </a:p>
+        </p:txBody>
+      </p:sp>
+      <p:sp>
+        <p:nvSpPr>
+          <p:cNvPr id="6" name="Footer Placeholder 5"/>
           <p:cNvSpPr>
             <a:spLocks noGrp="1"/>
           </p:cNvSpPr>
@@ -1429,19 +3421,13 @@
           <a:bodyPr/>
           <a:lstStyle/>
           <a:p>
-            <a:endParaRPr lang="fr-FR"/>
-          </a:p>
-        </p:txBody>
-      </p:sp>
-      <p:sp>
-        <p:nvSpPr>
-          <p:cNvPr id="7" name="Espace réservé du numéro de diapositive 6">
-            <a:extLst>
-              <a:ext uri="{FF2B5EF4-FFF2-40B4-BE49-F238E27FC236}">
-                <a16:creationId xmlns:a16="http://schemas.microsoft.com/office/drawing/2014/main" id="{FFAE5BE9-885F-4AC0-8F80-7FE4046925F1}"/>
-              </a:ext>
-            </a:extLst>
-          </p:cNvPr>
+            <a:endParaRPr lang="en-US" dirty="0"/>
+          </a:p>
+        </p:txBody>
+      </p:sp>
+      <p:sp>
+        <p:nvSpPr>
+          <p:cNvPr id="7" name="Slide Number Placeholder 6"/>
           <p:cNvSpPr>
             <a:spLocks noGrp="1"/>
           </p:cNvSpPr>
@@ -1454,20 +3440,15 @@
           <a:bodyPr/>
           <a:lstStyle/>
           <a:p>
-            <a:fld id="{91C05D8E-2257-4187-9F34-FDADC0F4CE20}" type="slidenum">
-              <a:rPr lang="fr-FR" smtClean="0"/>
+            <a:fld id="{6FF9F0C5-380F-41C2-899A-BAC0F0927E16}" type="slidenum">
+              <a:rPr lang="en-US" dirty="0"/>
               <a:t>‹N°›</a:t>
             </a:fld>
-            <a:endParaRPr lang="fr-FR"/>
+            <a:endParaRPr lang="en-US" dirty="0"/>
           </a:p>
         </p:txBody>
       </p:sp>
     </p:spTree>
-    <p:extLst>
-      <p:ext uri="{BB962C8B-B14F-4D97-AF65-F5344CB8AC3E}">
-        <p14:creationId xmlns:p14="http://schemas.microsoft.com/office/powerpoint/2010/main" val="3187218744"/>
-      </p:ext>
-    </p:extLst>
   </p:cSld>
   <p:clrMapOvr>
     <a:masterClrMapping/>
@@ -1494,65 +3475,55 @@
       </p:grpSpPr>
       <p:sp>
         <p:nvSpPr>
-          <p:cNvPr id="2" name="Titre 1">
-            <a:extLst>
-              <a:ext uri="{FF2B5EF4-FFF2-40B4-BE49-F238E27FC236}">
-                <a16:creationId xmlns:a16="http://schemas.microsoft.com/office/drawing/2014/main" id="{20EBD1AE-1B81-4142-B3B6-466B5BF1284D}"/>
-              </a:ext>
-            </a:extLst>
-          </p:cNvPr>
+          <p:cNvPr id="2" name="Title 1"/>
           <p:cNvSpPr>
             <a:spLocks noGrp="1"/>
           </p:cNvSpPr>
           <p:nvPr>
             <p:ph type="title"/>
+          </p:nvPr>
+        </p:nvSpPr>
+        <p:spPr/>
+        <p:txBody>
+          <a:bodyPr/>
+          <a:lstStyle>
+            <a:lvl1pPr>
+              <a:defRPr/>
+            </a:lvl1pPr>
+          </a:lstStyle>
+          <a:p>
+            <a:r>
+              <a:rPr lang="fr-FR"/>
+              <a:t>Modifiez le style du titre</a:t>
+            </a:r>
+            <a:endParaRPr lang="en-US" dirty="0"/>
+          </a:p>
+        </p:txBody>
+      </p:sp>
+      <p:sp>
+        <p:nvSpPr>
+          <p:cNvPr id="3" name="Text Placeholder 2"/>
+          <p:cNvSpPr>
+            <a:spLocks noGrp="1"/>
+          </p:cNvSpPr>
+          <p:nvPr>
+            <p:ph type="body" idx="1"/>
           </p:nvPr>
         </p:nvSpPr>
         <p:spPr>
           <a:xfrm>
-            <a:off x="839788" y="365125"/>
-            <a:ext cx="10515600" cy="1325563"/>
+            <a:off x="675745" y="2160983"/>
+            <a:ext cx="4185623" cy="576262"/>
           </a:xfrm>
         </p:spPr>
         <p:txBody>
-          <a:bodyPr/>
-          <a:lstStyle/>
-          <a:p>
-            <a:r>
-              <a:rPr lang="fr-FR"/>
-              <a:t>Modifiez le style du titre</a:t>
-            </a:r>
-          </a:p>
-        </p:txBody>
-      </p:sp>
-      <p:sp>
-        <p:nvSpPr>
-          <p:cNvPr id="3" name="Espace réservé du texte 2">
-            <a:extLst>
-              <a:ext uri="{FF2B5EF4-FFF2-40B4-BE49-F238E27FC236}">
-                <a16:creationId xmlns:a16="http://schemas.microsoft.com/office/drawing/2014/main" id="{49F34442-D619-41C2-80DF-9729BA68DB5A}"/>
-              </a:ext>
-            </a:extLst>
-          </p:cNvPr>
-          <p:cNvSpPr>
-            <a:spLocks noGrp="1"/>
-          </p:cNvSpPr>
-          <p:nvPr>
-            <p:ph type="body" idx="1"/>
-          </p:nvPr>
-        </p:nvSpPr>
-        <p:spPr>
-          <a:xfrm>
-            <a:off x="839788" y="1681163"/>
-            <a:ext cx="5157787" cy="823912"/>
-          </a:xfrm>
-        </p:spPr>
-        <p:txBody>
-          <a:bodyPr anchor="b"/>
+          <a:bodyPr anchor="b">
+            <a:noAutofit/>
+          </a:bodyPr>
           <a:lstStyle>
             <a:lvl1pPr marL="0" indent="0">
               <a:buNone/>
-              <a:defRPr sz="2400" b="1"/>
+              <a:defRPr sz="2400" b="0"/>
             </a:lvl1pPr>
             <a:lvl2pPr marL="457200" indent="0">
               <a:buNone/>
@@ -1598,13 +3569,7 @@
       </p:sp>
       <p:sp>
         <p:nvSpPr>
-          <p:cNvPr id="4" name="Espace réservé du contenu 3">
-            <a:extLst>
-              <a:ext uri="{FF2B5EF4-FFF2-40B4-BE49-F238E27FC236}">
-                <a16:creationId xmlns:a16="http://schemas.microsoft.com/office/drawing/2014/main" id="{33BB2756-FAF2-4BC4-9718-82A5F401BD71}"/>
-              </a:ext>
-            </a:extLst>
-          </p:cNvPr>
+          <p:cNvPr id="4" name="Content Placeholder 3"/>
           <p:cNvSpPr>
             <a:spLocks noGrp="1"/>
           </p:cNvSpPr>
@@ -1614,12 +3579,14 @@
         </p:nvSpPr>
         <p:spPr>
           <a:xfrm>
-            <a:off x="839788" y="2505075"/>
-            <a:ext cx="5157787" cy="3684588"/>
+            <a:off x="675745" y="2737245"/>
+            <a:ext cx="4185623" cy="3304117"/>
           </a:xfrm>
         </p:spPr>
         <p:txBody>
-          <a:bodyPr/>
+          <a:bodyPr>
+            <a:normAutofit/>
+          </a:bodyPr>
           <a:lstStyle/>
           <a:p>
             <a:pPr lvl="0"/>
@@ -1655,18 +3622,13 @@
               <a:rPr lang="fr-FR"/>
               <a:t>Cinquième niveau</a:t>
             </a:r>
-          </a:p>
-        </p:txBody>
-      </p:sp>
-      <p:sp>
-        <p:nvSpPr>
-          <p:cNvPr id="5" name="Espace réservé du texte 4">
-            <a:extLst>
-              <a:ext uri="{FF2B5EF4-FFF2-40B4-BE49-F238E27FC236}">
-                <a16:creationId xmlns:a16="http://schemas.microsoft.com/office/drawing/2014/main" id="{E1A646E1-B107-4F0F-A053-9AA3443F4093}"/>
-              </a:ext>
-            </a:extLst>
-          </p:cNvPr>
+            <a:endParaRPr lang="en-US" dirty="0"/>
+          </a:p>
+        </p:txBody>
+      </p:sp>
+      <p:sp>
+        <p:nvSpPr>
+          <p:cNvPr id="5" name="Text Placeholder 4"/>
           <p:cNvSpPr>
             <a:spLocks noGrp="1"/>
           </p:cNvSpPr>
@@ -1676,16 +3638,18 @@
         </p:nvSpPr>
         <p:spPr>
           <a:xfrm>
-            <a:off x="6172200" y="1681163"/>
-            <a:ext cx="5183188" cy="823912"/>
+            <a:off x="5088383" y="2160983"/>
+            <a:ext cx="4185618" cy="576262"/>
           </a:xfrm>
         </p:spPr>
         <p:txBody>
-          <a:bodyPr anchor="b"/>
+          <a:bodyPr anchor="b">
+            <a:noAutofit/>
+          </a:bodyPr>
           <a:lstStyle>
             <a:lvl1pPr marL="0" indent="0">
               <a:buNone/>
-              <a:defRPr sz="2400" b="1"/>
+              <a:defRPr sz="2400" b="0"/>
             </a:lvl1pPr>
             <a:lvl2pPr marL="457200" indent="0">
               <a:buNone/>
@@ -1731,13 +3695,7 @@
       </p:sp>
       <p:sp>
         <p:nvSpPr>
-          <p:cNvPr id="6" name="Espace réservé du contenu 5">
-            <a:extLst>
-              <a:ext uri="{FF2B5EF4-FFF2-40B4-BE49-F238E27FC236}">
-                <a16:creationId xmlns:a16="http://schemas.microsoft.com/office/drawing/2014/main" id="{D2278D40-B1AD-4736-BDF0-DF1E6ABC4013}"/>
-              </a:ext>
-            </a:extLst>
-          </p:cNvPr>
+          <p:cNvPr id="6" name="Content Placeholder 5"/>
           <p:cNvSpPr>
             <a:spLocks noGrp="1"/>
           </p:cNvSpPr>
@@ -1747,64 +3705,85 @@
         </p:nvSpPr>
         <p:spPr>
           <a:xfrm>
-            <a:off x="6172200" y="2505075"/>
-            <a:ext cx="5183188" cy="3684588"/>
+            <a:off x="5088384" y="2737245"/>
+            <a:ext cx="4185617" cy="3304117"/>
           </a:xfrm>
         </p:spPr>
         <p:txBody>
+          <a:bodyPr>
+            <a:normAutofit/>
+          </a:bodyPr>
+          <a:lstStyle/>
+          <a:p>
+            <a:pPr lvl="0"/>
+            <a:r>
+              <a:rPr lang="fr-FR"/>
+              <a:t>Cliquez pour modifier les styles du texte du masque</a:t>
+            </a:r>
+          </a:p>
+          <a:p>
+            <a:pPr lvl="1"/>
+            <a:r>
+              <a:rPr lang="fr-FR"/>
+              <a:t>Deuxième niveau</a:t>
+            </a:r>
+          </a:p>
+          <a:p>
+            <a:pPr lvl="2"/>
+            <a:r>
+              <a:rPr lang="fr-FR"/>
+              <a:t>Troisième niveau</a:t>
+            </a:r>
+          </a:p>
+          <a:p>
+            <a:pPr lvl="3"/>
+            <a:r>
+              <a:rPr lang="fr-FR"/>
+              <a:t>Quatrième niveau</a:t>
+            </a:r>
+          </a:p>
+          <a:p>
+            <a:pPr lvl="4"/>
+            <a:r>
+              <a:rPr lang="fr-FR"/>
+              <a:t>Cinquième niveau</a:t>
+            </a:r>
+            <a:endParaRPr lang="en-US" dirty="0"/>
+          </a:p>
+        </p:txBody>
+      </p:sp>
+      <p:sp>
+        <p:nvSpPr>
+          <p:cNvPr id="7" name="Date Placeholder 6"/>
+          <p:cNvSpPr>
+            <a:spLocks noGrp="1"/>
+          </p:cNvSpPr>
+          <p:nvPr>
+            <p:ph type="dt" sz="half" idx="10"/>
+          </p:nvPr>
+        </p:nvSpPr>
+        <p:spPr/>
+        <p:txBody>
           <a:bodyPr/>
           <a:lstStyle/>
           <a:p>
-            <a:pPr lvl="0"/>
-            <a:r>
-              <a:rPr lang="fr-FR"/>
-              <a:t>Cliquez pour modifier les styles du texte du masque</a:t>
-            </a:r>
-          </a:p>
-          <a:p>
-            <a:pPr lvl="1"/>
-            <a:r>
-              <a:rPr lang="fr-FR"/>
-              <a:t>Deuxième niveau</a:t>
-            </a:r>
-          </a:p>
-          <a:p>
-            <a:pPr lvl="2"/>
-            <a:r>
-              <a:rPr lang="fr-FR"/>
-              <a:t>Troisième niveau</a:t>
-            </a:r>
-          </a:p>
-          <a:p>
-            <a:pPr lvl="3"/>
-            <a:r>
-              <a:rPr lang="fr-FR"/>
-              <a:t>Quatrième niveau</a:t>
-            </a:r>
-          </a:p>
-          <a:p>
-            <a:pPr lvl="4"/>
-            <a:r>
-              <a:rPr lang="fr-FR"/>
-              <a:t>Cinquième niveau</a:t>
-            </a:r>
-          </a:p>
-        </p:txBody>
-      </p:sp>
-      <p:sp>
-        <p:nvSpPr>
-          <p:cNvPr id="7" name="Espace réservé de la date 6">
-            <a:extLst>
-              <a:ext uri="{FF2B5EF4-FFF2-40B4-BE49-F238E27FC236}">
-                <a16:creationId xmlns:a16="http://schemas.microsoft.com/office/drawing/2014/main" id="{817B054C-FAE2-480E-9D11-3615B27F7FCF}"/>
-              </a:ext>
-            </a:extLst>
-          </p:cNvPr>
-          <p:cNvSpPr>
-            <a:spLocks noGrp="1"/>
-          </p:cNvSpPr>
-          <p:nvPr>
-            <p:ph type="dt" sz="half" idx="10"/>
+            <a:fld id="{B61BEF0D-F0BB-DE4B-95CE-6DB70DBA9567}" type="datetimeFigureOut">
+              <a:rPr lang="en-US" dirty="0"/>
+              <a:pPr/>
+              <a:t>1/28/2021</a:t>
+            </a:fld>
+            <a:endParaRPr lang="en-US" dirty="0"/>
+          </a:p>
+        </p:txBody>
+      </p:sp>
+      <p:sp>
+        <p:nvSpPr>
+          <p:cNvPr id="8" name="Footer Placeholder 7"/>
+          <p:cNvSpPr>
+            <a:spLocks noGrp="1"/>
+          </p:cNvSpPr>
+          <p:nvPr>
+            <p:ph type="ftr" sz="quarter" idx="11"/>
           </p:nvPr>
         </p:nvSpPr>
         <p:spPr/>
@@ -1812,28 +3791,18 @@
           <a:bodyPr/>
           <a:lstStyle/>
           <a:p>
-            <a:fld id="{F5C50AB6-A0D8-4207-8B93-D23DF95458BE}" type="datetimeFigureOut">
-              <a:rPr lang="fr-FR" smtClean="0"/>
-              <a:t>07/01/2021</a:t>
-            </a:fld>
-            <a:endParaRPr lang="fr-FR"/>
-          </a:p>
-        </p:txBody>
-      </p:sp>
-      <p:sp>
-        <p:nvSpPr>
-          <p:cNvPr id="8" name="Espace réservé du pied de page 7">
-            <a:extLst>
-              <a:ext uri="{FF2B5EF4-FFF2-40B4-BE49-F238E27FC236}">
-                <a16:creationId xmlns:a16="http://schemas.microsoft.com/office/drawing/2014/main" id="{1A049A0A-C89A-4D64-812C-63EDBAD044A4}"/>
-              </a:ext>
-            </a:extLst>
-          </p:cNvPr>
-          <p:cNvSpPr>
-            <a:spLocks noGrp="1"/>
-          </p:cNvSpPr>
-          <p:nvPr>
-            <p:ph type="ftr" sz="quarter" idx="11"/>
+            <a:endParaRPr lang="en-US" dirty="0"/>
+          </a:p>
+        </p:txBody>
+      </p:sp>
+      <p:sp>
+        <p:nvSpPr>
+          <p:cNvPr id="9" name="Slide Number Placeholder 8"/>
+          <p:cNvSpPr>
+            <a:spLocks noGrp="1"/>
+          </p:cNvSpPr>
+          <p:nvPr>
+            <p:ph type="sldNum" sz="quarter" idx="12"/>
           </p:nvPr>
         </p:nvSpPr>
         <p:spPr/>
@@ -1841,45 +3810,16 @@
           <a:bodyPr/>
           <a:lstStyle/>
           <a:p>
-            <a:endParaRPr lang="fr-FR"/>
-          </a:p>
-        </p:txBody>
-      </p:sp>
-      <p:sp>
-        <p:nvSpPr>
-          <p:cNvPr id="9" name="Espace réservé du numéro de diapositive 8">
-            <a:extLst>
-              <a:ext uri="{FF2B5EF4-FFF2-40B4-BE49-F238E27FC236}">
-                <a16:creationId xmlns:a16="http://schemas.microsoft.com/office/drawing/2014/main" id="{458CC68D-6957-4B12-9F3C-7FD4B5FB67DF}"/>
-              </a:ext>
-            </a:extLst>
-          </p:cNvPr>
-          <p:cNvSpPr>
-            <a:spLocks noGrp="1"/>
-          </p:cNvSpPr>
-          <p:nvPr>
-            <p:ph type="sldNum" sz="quarter" idx="12"/>
-          </p:nvPr>
-        </p:nvSpPr>
-        <p:spPr/>
-        <p:txBody>
-          <a:bodyPr/>
-          <a:lstStyle/>
-          <a:p>
-            <a:fld id="{91C05D8E-2257-4187-9F34-FDADC0F4CE20}" type="slidenum">
-              <a:rPr lang="fr-FR" smtClean="0"/>
+            <a:fld id="{D57F1E4F-1CFF-5643-939E-217C01CDF565}" type="slidenum">
+              <a:rPr lang="en-US" dirty="0"/>
+              <a:pPr/>
               <a:t>‹N°›</a:t>
             </a:fld>
-            <a:endParaRPr lang="fr-FR"/>
+            <a:endParaRPr lang="en-US" dirty="0"/>
           </a:p>
         </p:txBody>
       </p:sp>
     </p:spTree>
-    <p:extLst>
-      <p:ext uri="{BB962C8B-B14F-4D97-AF65-F5344CB8AC3E}">
-        <p14:creationId xmlns:p14="http://schemas.microsoft.com/office/powerpoint/2010/main" val="1194483644"/>
-      </p:ext>
-    </p:extLst>
   </p:cSld>
   <p:clrMapOvr>
     <a:masterClrMapping/>
@@ -1906,13 +3846,7 @@
       </p:grpSpPr>
       <p:sp>
         <p:nvSpPr>
-          <p:cNvPr id="2" name="Titre 1">
-            <a:extLst>
-              <a:ext uri="{FF2B5EF4-FFF2-40B4-BE49-F238E27FC236}">
-                <a16:creationId xmlns:a16="http://schemas.microsoft.com/office/drawing/2014/main" id="{84F111BF-B5F3-4A95-A2E2-EAE59473E2B7}"/>
-              </a:ext>
-            </a:extLst>
-          </p:cNvPr>
+          <p:cNvPr id="2" name="Title 1"/>
           <p:cNvSpPr>
             <a:spLocks noGrp="1"/>
           </p:cNvSpPr>
@@ -1920,32 +3854,56 @@
             <p:ph type="title"/>
           </p:nvPr>
         </p:nvSpPr>
+        <p:spPr>
+          <a:xfrm>
+            <a:off x="677334" y="609600"/>
+            <a:ext cx="8596668" cy="1320800"/>
+          </a:xfrm>
+        </p:spPr>
+        <p:txBody>
+          <a:bodyPr/>
+          <a:lstStyle/>
+          <a:p>
+            <a:r>
+              <a:rPr lang="fr-FR"/>
+              <a:t>Modifiez le style du titre</a:t>
+            </a:r>
+            <a:endParaRPr lang="en-US" dirty="0"/>
+          </a:p>
+        </p:txBody>
+      </p:sp>
+      <p:sp>
+        <p:nvSpPr>
+          <p:cNvPr id="3" name="Date Placeholder 2"/>
+          <p:cNvSpPr>
+            <a:spLocks noGrp="1"/>
+          </p:cNvSpPr>
+          <p:nvPr>
+            <p:ph type="dt" sz="half" idx="10"/>
+          </p:nvPr>
+        </p:nvSpPr>
         <p:spPr/>
         <p:txBody>
           <a:bodyPr/>
           <a:lstStyle/>
           <a:p>
-            <a:r>
-              <a:rPr lang="fr-FR"/>
-              <a:t>Modifiez le style du titre</a:t>
-            </a:r>
-          </a:p>
-        </p:txBody>
-      </p:sp>
-      <p:sp>
-        <p:nvSpPr>
-          <p:cNvPr id="3" name="Espace réservé de la date 2">
-            <a:extLst>
-              <a:ext uri="{FF2B5EF4-FFF2-40B4-BE49-F238E27FC236}">
-                <a16:creationId xmlns:a16="http://schemas.microsoft.com/office/drawing/2014/main" id="{32152650-656F-4603-A222-D7A94AB9BABF}"/>
-              </a:ext>
-            </a:extLst>
-          </p:cNvPr>
-          <p:cNvSpPr>
-            <a:spLocks noGrp="1"/>
-          </p:cNvSpPr>
-          <p:nvPr>
-            <p:ph type="dt" sz="half" idx="10"/>
+            <a:fld id="{B61BEF0D-F0BB-DE4B-95CE-6DB70DBA9567}" type="datetimeFigureOut">
+              <a:rPr lang="en-US" dirty="0"/>
+              <a:pPr/>
+              <a:t>1/28/2021</a:t>
+            </a:fld>
+            <a:endParaRPr lang="en-US" dirty="0"/>
+          </a:p>
+        </p:txBody>
+      </p:sp>
+      <p:sp>
+        <p:nvSpPr>
+          <p:cNvPr id="4" name="Footer Placeholder 3"/>
+          <p:cNvSpPr>
+            <a:spLocks noGrp="1"/>
+          </p:cNvSpPr>
+          <p:nvPr>
+            <p:ph type="ftr" sz="quarter" idx="11"/>
           </p:nvPr>
         </p:nvSpPr>
         <p:spPr/>
@@ -1953,28 +3911,18 @@
           <a:bodyPr/>
           <a:lstStyle/>
           <a:p>
-            <a:fld id="{F5C50AB6-A0D8-4207-8B93-D23DF95458BE}" type="datetimeFigureOut">
-              <a:rPr lang="fr-FR" smtClean="0"/>
-              <a:t>07/01/2021</a:t>
-            </a:fld>
-            <a:endParaRPr lang="fr-FR"/>
-          </a:p>
-        </p:txBody>
-      </p:sp>
-      <p:sp>
-        <p:nvSpPr>
-          <p:cNvPr id="4" name="Espace réservé du pied de page 3">
-            <a:extLst>
-              <a:ext uri="{FF2B5EF4-FFF2-40B4-BE49-F238E27FC236}">
-                <a16:creationId xmlns:a16="http://schemas.microsoft.com/office/drawing/2014/main" id="{77F0C9E8-34BF-4488-89B0-43F4EE3F587C}"/>
-              </a:ext>
-            </a:extLst>
-          </p:cNvPr>
-          <p:cNvSpPr>
-            <a:spLocks noGrp="1"/>
-          </p:cNvSpPr>
-          <p:nvPr>
-            <p:ph type="ftr" sz="quarter" idx="11"/>
+            <a:endParaRPr lang="en-US" dirty="0"/>
+          </a:p>
+        </p:txBody>
+      </p:sp>
+      <p:sp>
+        <p:nvSpPr>
+          <p:cNvPr id="5" name="Slide Number Placeholder 4"/>
+          <p:cNvSpPr>
+            <a:spLocks noGrp="1"/>
+          </p:cNvSpPr>
+          <p:nvPr>
+            <p:ph type="sldNum" sz="quarter" idx="12"/>
           </p:nvPr>
         </p:nvSpPr>
         <p:spPr/>
@@ -1982,45 +3930,16 @@
           <a:bodyPr/>
           <a:lstStyle/>
           <a:p>
-            <a:endParaRPr lang="fr-FR"/>
-          </a:p>
-        </p:txBody>
-      </p:sp>
-      <p:sp>
-        <p:nvSpPr>
-          <p:cNvPr id="5" name="Espace réservé du numéro de diapositive 4">
-            <a:extLst>
-              <a:ext uri="{FF2B5EF4-FFF2-40B4-BE49-F238E27FC236}">
-                <a16:creationId xmlns:a16="http://schemas.microsoft.com/office/drawing/2014/main" id="{114BD35E-F4AA-4990-A6BA-FF498116172F}"/>
-              </a:ext>
-            </a:extLst>
-          </p:cNvPr>
-          <p:cNvSpPr>
-            <a:spLocks noGrp="1"/>
-          </p:cNvSpPr>
-          <p:nvPr>
-            <p:ph type="sldNum" sz="quarter" idx="12"/>
-          </p:nvPr>
-        </p:nvSpPr>
-        <p:spPr/>
-        <p:txBody>
-          <a:bodyPr/>
-          <a:lstStyle/>
-          <a:p>
-            <a:fld id="{91C05D8E-2257-4187-9F34-FDADC0F4CE20}" type="slidenum">
-              <a:rPr lang="fr-FR" smtClean="0"/>
+            <a:fld id="{D57F1E4F-1CFF-5643-939E-217C01CDF565}" type="slidenum">
+              <a:rPr lang="en-US" dirty="0"/>
+              <a:pPr/>
               <a:t>‹N°›</a:t>
             </a:fld>
-            <a:endParaRPr lang="fr-FR"/>
+            <a:endParaRPr lang="en-US" dirty="0"/>
           </a:p>
         </p:txBody>
       </p:sp>
     </p:spTree>
-    <p:extLst>
-      <p:ext uri="{BB962C8B-B14F-4D97-AF65-F5344CB8AC3E}">
-        <p14:creationId xmlns:p14="http://schemas.microsoft.com/office/powerpoint/2010/main" val="1708508824"/>
-      </p:ext>
-    </p:extLst>
   </p:cSld>
   <p:clrMapOvr>
     <a:masterClrMapping/>
@@ -2047,13 +3966,7 @@
       </p:grpSpPr>
       <p:sp>
         <p:nvSpPr>
-          <p:cNvPr id="2" name="Espace réservé de la date 1">
-            <a:extLst>
-              <a:ext uri="{FF2B5EF4-FFF2-40B4-BE49-F238E27FC236}">
-                <a16:creationId xmlns:a16="http://schemas.microsoft.com/office/drawing/2014/main" id="{DB6604C7-486C-490E-97CA-BF4A40194D5D}"/>
-              </a:ext>
-            </a:extLst>
-          </p:cNvPr>
+          <p:cNvPr id="2" name="Date Placeholder 1"/>
           <p:cNvSpPr>
             <a:spLocks noGrp="1"/>
           </p:cNvSpPr>
@@ -2066,23 +3979,18 @@
           <a:bodyPr/>
           <a:lstStyle/>
           <a:p>
-            <a:fld id="{F5C50AB6-A0D8-4207-8B93-D23DF95458BE}" type="datetimeFigureOut">
-              <a:rPr lang="fr-FR" smtClean="0"/>
-              <a:t>07/01/2021</a:t>
+            <a:fld id="{B61BEF0D-F0BB-DE4B-95CE-6DB70DBA9567}" type="datetimeFigureOut">
+              <a:rPr lang="en-US" dirty="0"/>
+              <a:pPr/>
+              <a:t>1/28/2021</a:t>
             </a:fld>
-            <a:endParaRPr lang="fr-FR"/>
-          </a:p>
-        </p:txBody>
-      </p:sp>
-      <p:sp>
-        <p:nvSpPr>
-          <p:cNvPr id="3" name="Espace réservé du pied de page 2">
-            <a:extLst>
-              <a:ext uri="{FF2B5EF4-FFF2-40B4-BE49-F238E27FC236}">
-                <a16:creationId xmlns:a16="http://schemas.microsoft.com/office/drawing/2014/main" id="{B28CDC6F-F1E9-4317-94B2-8D650AC93638}"/>
-              </a:ext>
-            </a:extLst>
-          </p:cNvPr>
+            <a:endParaRPr lang="en-US" dirty="0"/>
+          </a:p>
+        </p:txBody>
+      </p:sp>
+      <p:sp>
+        <p:nvSpPr>
+          <p:cNvPr id="3" name="Footer Placeholder 2"/>
           <p:cNvSpPr>
             <a:spLocks noGrp="1"/>
           </p:cNvSpPr>
@@ -2095,19 +4003,13 @@
           <a:bodyPr/>
           <a:lstStyle/>
           <a:p>
-            <a:endParaRPr lang="fr-FR"/>
-          </a:p>
-        </p:txBody>
-      </p:sp>
-      <p:sp>
-        <p:nvSpPr>
-          <p:cNvPr id="4" name="Espace réservé du numéro de diapositive 3">
-            <a:extLst>
-              <a:ext uri="{FF2B5EF4-FFF2-40B4-BE49-F238E27FC236}">
-                <a16:creationId xmlns:a16="http://schemas.microsoft.com/office/drawing/2014/main" id="{7F4846BB-DD3D-4D69-BE0F-0DA64236AAB4}"/>
-              </a:ext>
-            </a:extLst>
-          </p:cNvPr>
+            <a:endParaRPr lang="en-US" dirty="0"/>
+          </a:p>
+        </p:txBody>
+      </p:sp>
+      <p:sp>
+        <p:nvSpPr>
+          <p:cNvPr id="4" name="Slide Number Placeholder 3"/>
           <p:cNvSpPr>
             <a:spLocks noGrp="1"/>
           </p:cNvSpPr>
@@ -2120,20 +4022,16 @@
           <a:bodyPr/>
           <a:lstStyle/>
           <a:p>
-            <a:fld id="{91C05D8E-2257-4187-9F34-FDADC0F4CE20}" type="slidenum">
-              <a:rPr lang="fr-FR" smtClean="0"/>
+            <a:fld id="{D57F1E4F-1CFF-5643-939E-217C01CDF565}" type="slidenum">
+              <a:rPr lang="en-US" dirty="0"/>
+              <a:pPr/>
               <a:t>‹N°›</a:t>
             </a:fld>
-            <a:endParaRPr lang="fr-FR"/>
+            <a:endParaRPr lang="en-US" dirty="0"/>
           </a:p>
         </p:txBody>
       </p:sp>
     </p:spTree>
-    <p:extLst>
-      <p:ext uri="{BB962C8B-B14F-4D97-AF65-F5344CB8AC3E}">
-        <p14:creationId xmlns:p14="http://schemas.microsoft.com/office/powerpoint/2010/main" val="410714342"/>
-      </p:ext>
-    </p:extLst>
   </p:cSld>
   <p:clrMapOvr>
     <a:masterClrMapping/>
@@ -2160,13 +4058,7 @@
       </p:grpSpPr>
       <p:sp>
         <p:nvSpPr>
-          <p:cNvPr id="2" name="Titre 1">
-            <a:extLst>
-              <a:ext uri="{FF2B5EF4-FFF2-40B4-BE49-F238E27FC236}">
-                <a16:creationId xmlns:a16="http://schemas.microsoft.com/office/drawing/2014/main" id="{DCC635B0-487F-4337-9D1E-E1B60E6B96DF}"/>
-              </a:ext>
-            </a:extLst>
-          </p:cNvPr>
+          <p:cNvPr id="2" name="Title 1"/>
           <p:cNvSpPr>
             <a:spLocks noGrp="1"/>
           </p:cNvSpPr>
@@ -2176,15 +4068,17 @@
         </p:nvSpPr>
         <p:spPr>
           <a:xfrm>
-            <a:off x="839788" y="457200"/>
-            <a:ext cx="3932237" cy="1600200"/>
+            <a:off x="677334" y="1498604"/>
+            <a:ext cx="3854528" cy="1278466"/>
           </a:xfrm>
         </p:spPr>
         <p:txBody>
-          <a:bodyPr anchor="b"/>
+          <a:bodyPr anchor="b">
+            <a:normAutofit/>
+          </a:bodyPr>
           <a:lstStyle>
             <a:lvl1pPr>
-              <a:defRPr sz="3200"/>
+              <a:defRPr sz="2000"/>
             </a:lvl1pPr>
           </a:lstStyle>
           <a:p>
@@ -2192,18 +4086,13 @@
               <a:rPr lang="fr-FR"/>
               <a:t>Modifiez le style du titre</a:t>
             </a:r>
-          </a:p>
-        </p:txBody>
-      </p:sp>
-      <p:sp>
-        <p:nvSpPr>
-          <p:cNvPr id="3" name="Espace réservé du contenu 2">
-            <a:extLst>
-              <a:ext uri="{FF2B5EF4-FFF2-40B4-BE49-F238E27FC236}">
-                <a16:creationId xmlns:a16="http://schemas.microsoft.com/office/drawing/2014/main" id="{878B29CA-E399-4A33-9326-90713B7E7557}"/>
-              </a:ext>
-            </a:extLst>
-          </p:cNvPr>
+            <a:endParaRPr lang="en-US" dirty="0"/>
+          </a:p>
+        </p:txBody>
+      </p:sp>
+      <p:sp>
+        <p:nvSpPr>
+          <p:cNvPr id="3" name="Content Placeholder 2"/>
           <p:cNvSpPr>
             <a:spLocks noGrp="1"/>
           </p:cNvSpPr>
@@ -2213,41 +4102,15 @@
         </p:nvSpPr>
         <p:spPr>
           <a:xfrm>
-            <a:off x="5183188" y="987425"/>
-            <a:ext cx="6172200" cy="4873625"/>
+            <a:off x="4760461" y="514924"/>
+            <a:ext cx="4513541" cy="5526437"/>
           </a:xfrm>
         </p:spPr>
         <p:txBody>
-          <a:bodyPr/>
-          <a:lstStyle>
-            <a:lvl1pPr>
-              <a:defRPr sz="3200"/>
-            </a:lvl1pPr>
-            <a:lvl2pPr>
-              <a:defRPr sz="2800"/>
-            </a:lvl2pPr>
-            <a:lvl3pPr>
-              <a:defRPr sz="2400"/>
-            </a:lvl3pPr>
-            <a:lvl4pPr>
-              <a:defRPr sz="2000"/>
-            </a:lvl4pPr>
-            <a:lvl5pPr>
-              <a:defRPr sz="2000"/>
-            </a:lvl5pPr>
-            <a:lvl6pPr>
-              <a:defRPr sz="2000"/>
-            </a:lvl6pPr>
-            <a:lvl7pPr>
-              <a:defRPr sz="2000"/>
-            </a:lvl7pPr>
-            <a:lvl8pPr>
-              <a:defRPr sz="2000"/>
-            </a:lvl8pPr>
-            <a:lvl9pPr>
-              <a:defRPr sz="2000"/>
-            </a:lvl9pPr>
-          </a:lstStyle>
+          <a:bodyPr>
+            <a:normAutofit/>
+          </a:bodyPr>
+          <a:lstStyle/>
           <a:p>
             <a:pPr lvl="0"/>
             <a:r>
@@ -2282,18 +4145,13 @@
               <a:rPr lang="fr-FR"/>
               <a:t>Cinquième niveau</a:t>
             </a:r>
-          </a:p>
-        </p:txBody>
-      </p:sp>
-      <p:sp>
-        <p:nvSpPr>
-          <p:cNvPr id="4" name="Espace réservé du texte 3">
-            <a:extLst>
-              <a:ext uri="{FF2B5EF4-FFF2-40B4-BE49-F238E27FC236}">
-                <a16:creationId xmlns:a16="http://schemas.microsoft.com/office/drawing/2014/main" id="{11320BC5-5C01-4925-8F00-A8BCDAC36D01}"/>
-              </a:ext>
-            </a:extLst>
-          </p:cNvPr>
+            <a:endParaRPr lang="en-US" dirty="0"/>
+          </a:p>
+        </p:txBody>
+      </p:sp>
+      <p:sp>
+        <p:nvSpPr>
+          <p:cNvPr id="4" name="Text Placeholder 3"/>
           <p:cNvSpPr>
             <a:spLocks noGrp="1"/>
           </p:cNvSpPr>
@@ -2303,46 +4161,48 @@
         </p:nvSpPr>
         <p:spPr>
           <a:xfrm>
-            <a:off x="839788" y="2057400"/>
-            <a:ext cx="3932237" cy="3811588"/>
+            <a:off x="677334" y="2777069"/>
+            <a:ext cx="3854528" cy="2584449"/>
           </a:xfrm>
         </p:spPr>
         <p:txBody>
-          <a:bodyPr/>
+          <a:bodyPr>
+            <a:normAutofit/>
+          </a:bodyPr>
           <a:lstStyle>
             <a:lvl1pPr marL="0" indent="0">
               <a:buNone/>
-              <a:defRPr sz="1600"/>
+              <a:defRPr sz="1400"/>
             </a:lvl1pPr>
-            <a:lvl2pPr marL="457200" indent="0">
+            <a:lvl2pPr marL="457063" indent="0">
               <a:buNone/>
               <a:defRPr sz="1400"/>
             </a:lvl2pPr>
-            <a:lvl3pPr marL="914400" indent="0">
+            <a:lvl3pPr marL="914126" indent="0">
               <a:buNone/>
               <a:defRPr sz="1200"/>
             </a:lvl3pPr>
-            <a:lvl4pPr marL="1371600" indent="0">
+            <a:lvl4pPr marL="1371189" indent="0">
               <a:buNone/>
               <a:defRPr sz="1000"/>
             </a:lvl4pPr>
-            <a:lvl5pPr marL="1828800" indent="0">
+            <a:lvl5pPr marL="1828251" indent="0">
               <a:buNone/>
               <a:defRPr sz="1000"/>
             </a:lvl5pPr>
-            <a:lvl6pPr marL="2286000" indent="0">
+            <a:lvl6pPr marL="2285314" indent="0">
               <a:buNone/>
               <a:defRPr sz="1000"/>
             </a:lvl6pPr>
-            <a:lvl7pPr marL="2743200" indent="0">
+            <a:lvl7pPr marL="2742377" indent="0">
               <a:buNone/>
               <a:defRPr sz="1000"/>
             </a:lvl7pPr>
-            <a:lvl8pPr marL="3200400" indent="0">
+            <a:lvl8pPr marL="3199440" indent="0">
               <a:buNone/>
               <a:defRPr sz="1000"/>
             </a:lvl8pPr>
-            <a:lvl9pPr marL="3657600" indent="0">
+            <a:lvl9pPr marL="3656503" indent="0">
               <a:buNone/>
               <a:defRPr sz="1000"/>
             </a:lvl9pPr>
@@ -2358,13 +4218,7 @@
       </p:sp>
       <p:sp>
         <p:nvSpPr>
-          <p:cNvPr id="5" name="Espace réservé de la date 4">
-            <a:extLst>
-              <a:ext uri="{FF2B5EF4-FFF2-40B4-BE49-F238E27FC236}">
-                <a16:creationId xmlns:a16="http://schemas.microsoft.com/office/drawing/2014/main" id="{C1A30193-2D48-4949-910D-9CC9859A3AE4}"/>
-              </a:ext>
-            </a:extLst>
-          </p:cNvPr>
+          <p:cNvPr id="5" name="Date Placeholder 4"/>
           <p:cNvSpPr>
             <a:spLocks noGrp="1"/>
           </p:cNvSpPr>
@@ -2377,23 +4231,17 @@
           <a:bodyPr/>
           <a:lstStyle/>
           <a:p>
-            <a:fld id="{F5C50AB6-A0D8-4207-8B93-D23DF95458BE}" type="datetimeFigureOut">
-              <a:rPr lang="fr-FR" smtClean="0"/>
-              <a:t>07/01/2021</a:t>
+            <a:fld id="{42A54C80-263E-416B-A8E0-580EDEADCBDC}" type="datetimeFigureOut">
+              <a:rPr lang="en-US" dirty="0"/>
+              <a:t>1/28/2021</a:t>
             </a:fld>
-            <a:endParaRPr lang="fr-FR"/>
-          </a:p>
-        </p:txBody>
-      </p:sp>
-      <p:sp>
-        <p:nvSpPr>
-          <p:cNvPr id="6" name="Espace réservé du pied de page 5">
-            <a:extLst>
-              <a:ext uri="{FF2B5EF4-FFF2-40B4-BE49-F238E27FC236}">
-                <a16:creationId xmlns:a16="http://schemas.microsoft.com/office/drawing/2014/main" id="{19481512-E897-4954-8C69-AD52F71D6716}"/>
-              </a:ext>
-            </a:extLst>
-          </p:cNvPr>
+            <a:endParaRPr lang="en-US" dirty="0"/>
+          </a:p>
+        </p:txBody>
+      </p:sp>
+      <p:sp>
+        <p:nvSpPr>
+          <p:cNvPr id="6" name="Footer Placeholder 5"/>
           <p:cNvSpPr>
             <a:spLocks noGrp="1"/>
           </p:cNvSpPr>
@@ -2406,19 +4254,13 @@
           <a:bodyPr/>
           <a:lstStyle/>
           <a:p>
-            <a:endParaRPr lang="fr-FR"/>
-          </a:p>
-        </p:txBody>
-      </p:sp>
-      <p:sp>
-        <p:nvSpPr>
-          <p:cNvPr id="7" name="Espace réservé du numéro de diapositive 6">
-            <a:extLst>
-              <a:ext uri="{FF2B5EF4-FFF2-40B4-BE49-F238E27FC236}">
-                <a16:creationId xmlns:a16="http://schemas.microsoft.com/office/drawing/2014/main" id="{C93B06EE-2035-4F79-8DA3-B898AD6FE564}"/>
-              </a:ext>
-            </a:extLst>
-          </p:cNvPr>
+            <a:endParaRPr lang="en-US" dirty="0"/>
+          </a:p>
+        </p:txBody>
+      </p:sp>
+      <p:sp>
+        <p:nvSpPr>
+          <p:cNvPr id="7" name="Slide Number Placeholder 6"/>
           <p:cNvSpPr>
             <a:spLocks noGrp="1"/>
           </p:cNvSpPr>
@@ -2431,20 +4273,15 @@
           <a:bodyPr/>
           <a:lstStyle/>
           <a:p>
-            <a:fld id="{91C05D8E-2257-4187-9F34-FDADC0F4CE20}" type="slidenum">
-              <a:rPr lang="fr-FR" smtClean="0"/>
+            <a:fld id="{519954A3-9DFD-4C44-94BA-B95130A3BA1C}" type="slidenum">
+              <a:rPr lang="en-US" dirty="0"/>
               <a:t>‹N°›</a:t>
             </a:fld>
-            <a:endParaRPr lang="fr-FR"/>
+            <a:endParaRPr lang="en-US" dirty="0"/>
           </a:p>
         </p:txBody>
       </p:sp>
     </p:spTree>
-    <p:extLst>
-      <p:ext uri="{BB962C8B-B14F-4D97-AF65-F5344CB8AC3E}">
-        <p14:creationId xmlns:p14="http://schemas.microsoft.com/office/powerpoint/2010/main" val="3671319944"/>
-      </p:ext>
-    </p:extLst>
   </p:cSld>
   <p:clrMapOvr>
     <a:masterClrMapping/>
@@ -2471,13 +4308,7 @@
       </p:grpSpPr>
       <p:sp>
         <p:nvSpPr>
-          <p:cNvPr id="2" name="Titre 1">
-            <a:extLst>
-              <a:ext uri="{FF2B5EF4-FFF2-40B4-BE49-F238E27FC236}">
-                <a16:creationId xmlns:a16="http://schemas.microsoft.com/office/drawing/2014/main" id="{8125949B-14B5-4E46-8045-014CE8B82067}"/>
-              </a:ext>
-            </a:extLst>
-          </p:cNvPr>
+          <p:cNvPr id="2" name="Title 1"/>
           <p:cNvSpPr>
             <a:spLocks noGrp="1"/>
           </p:cNvSpPr>
@@ -2487,15 +4318,17 @@
         </p:nvSpPr>
         <p:spPr>
           <a:xfrm>
-            <a:off x="839788" y="457200"/>
-            <a:ext cx="3932237" cy="1600200"/>
+            <a:off x="677334" y="4800600"/>
+            <a:ext cx="8596667" cy="566738"/>
           </a:xfrm>
         </p:spPr>
         <p:txBody>
-          <a:bodyPr anchor="b"/>
+          <a:bodyPr anchor="b">
+            <a:normAutofit/>
+          </a:bodyPr>
           <a:lstStyle>
-            <a:lvl1pPr>
-              <a:defRPr sz="3200"/>
+            <a:lvl1pPr algn="l">
+              <a:defRPr sz="2400" b="0"/>
             </a:lvl1pPr>
           </a:lstStyle>
           <a:p>
@@ -2503,20 +4336,15 @@
               <a:rPr lang="fr-FR"/>
               <a:t>Modifiez le style du titre</a:t>
             </a:r>
-          </a:p>
-        </p:txBody>
-      </p:sp>
-      <p:sp>
-        <p:nvSpPr>
-          <p:cNvPr id="3" name="Espace réservé pour une image  2">
-            <a:extLst>
-              <a:ext uri="{FF2B5EF4-FFF2-40B4-BE49-F238E27FC236}">
-                <a16:creationId xmlns:a16="http://schemas.microsoft.com/office/drawing/2014/main" id="{2469CE0A-8BC2-4A90-9AE6-099AB7483ACB}"/>
-              </a:ext>
-            </a:extLst>
-          </p:cNvPr>
-          <p:cNvSpPr>
-            <a:spLocks noGrp="1"/>
+            <a:endParaRPr lang="en-US" dirty="0"/>
+          </a:p>
+        </p:txBody>
+      </p:sp>
+      <p:sp>
+        <p:nvSpPr>
+          <p:cNvPr id="3" name="Picture Placeholder 2"/>
+          <p:cNvSpPr>
+            <a:spLocks noGrp="1" noChangeAspect="1"/>
           </p:cNvSpPr>
           <p:nvPr>
             <p:ph type="pic" idx="1"/>
@@ -2524,118 +4352,120 @@
         </p:nvSpPr>
         <p:spPr>
           <a:xfrm>
-            <a:off x="5183188" y="987425"/>
-            <a:ext cx="6172200" cy="4873625"/>
+            <a:off x="677334" y="609600"/>
+            <a:ext cx="8596668" cy="3845718"/>
           </a:xfrm>
         </p:spPr>
         <p:txBody>
-          <a:bodyPr/>
+          <a:bodyPr anchor="t">
+            <a:normAutofit/>
+          </a:bodyPr>
           <a:lstStyle>
-            <a:lvl1pPr marL="0" indent="0">
-              <a:buNone/>
-              <a:defRPr sz="3200"/>
-            </a:lvl1pPr>
-            <a:lvl2pPr marL="457200" indent="0">
-              <a:buNone/>
-              <a:defRPr sz="2800"/>
-            </a:lvl2pPr>
-            <a:lvl3pPr marL="914400" indent="0">
-              <a:buNone/>
-              <a:defRPr sz="2400"/>
-            </a:lvl3pPr>
-            <a:lvl4pPr marL="1371600" indent="0">
-              <a:buNone/>
-              <a:defRPr sz="2000"/>
-            </a:lvl4pPr>
-            <a:lvl5pPr marL="1828800" indent="0">
-              <a:buNone/>
-              <a:defRPr sz="2000"/>
-            </a:lvl5pPr>
-            <a:lvl6pPr marL="2286000" indent="0">
-              <a:buNone/>
-              <a:defRPr sz="2000"/>
-            </a:lvl6pPr>
-            <a:lvl7pPr marL="2743200" indent="0">
-              <a:buNone/>
-              <a:defRPr sz="2000"/>
-            </a:lvl7pPr>
-            <a:lvl8pPr marL="3200400" indent="0">
-              <a:buNone/>
-              <a:defRPr sz="2000"/>
-            </a:lvl8pPr>
-            <a:lvl9pPr marL="3657600" indent="0">
-              <a:buNone/>
-              <a:defRPr sz="2000"/>
-            </a:lvl9pPr>
-          </a:lstStyle>
-          <a:p>
-            <a:endParaRPr lang="fr-FR"/>
-          </a:p>
-        </p:txBody>
-      </p:sp>
-      <p:sp>
-        <p:nvSpPr>
-          <p:cNvPr id="4" name="Espace réservé du texte 3">
-            <a:extLst>
-              <a:ext uri="{FF2B5EF4-FFF2-40B4-BE49-F238E27FC236}">
-                <a16:creationId xmlns:a16="http://schemas.microsoft.com/office/drawing/2014/main" id="{81AB3261-5856-46A5-9495-FC5F062C5F4E}"/>
-              </a:ext>
-            </a:extLst>
-          </p:cNvPr>
-          <p:cNvSpPr>
-            <a:spLocks noGrp="1"/>
-          </p:cNvSpPr>
-          <p:nvPr>
-            <p:ph type="body" sz="half" idx="2"/>
-          </p:nvPr>
-        </p:nvSpPr>
-        <p:spPr>
-          <a:xfrm>
-            <a:off x="839788" y="2057400"/>
-            <a:ext cx="3932237" cy="3811588"/>
-          </a:xfrm>
-        </p:spPr>
-        <p:txBody>
-          <a:bodyPr/>
-          <a:lstStyle>
-            <a:lvl1pPr marL="0" indent="0">
+            <a:lvl1pPr marL="0" indent="0" algn="ctr">
               <a:buNone/>
               <a:defRPr sz="1600"/>
             </a:lvl1pPr>
             <a:lvl2pPr marL="457200" indent="0">
               <a:buNone/>
-              <a:defRPr sz="1400"/>
+              <a:defRPr sz="1600"/>
             </a:lvl2pPr>
             <a:lvl3pPr marL="914400" indent="0">
               <a:buNone/>
-              <a:defRPr sz="1200"/>
+              <a:defRPr sz="1600"/>
             </a:lvl3pPr>
             <a:lvl4pPr marL="1371600" indent="0">
               <a:buNone/>
-              <a:defRPr sz="1000"/>
+              <a:defRPr sz="1600"/>
             </a:lvl4pPr>
             <a:lvl5pPr marL="1828800" indent="0">
               <a:buNone/>
-              <a:defRPr sz="1000"/>
+              <a:defRPr sz="1600"/>
             </a:lvl5pPr>
             <a:lvl6pPr marL="2286000" indent="0">
               <a:buNone/>
-              <a:defRPr sz="1000"/>
+              <a:defRPr sz="1600"/>
             </a:lvl6pPr>
             <a:lvl7pPr marL="2743200" indent="0">
               <a:buNone/>
-              <a:defRPr sz="1000"/>
+              <a:defRPr sz="1600"/>
             </a:lvl7pPr>
             <a:lvl8pPr marL="3200400" indent="0">
               <a:buNone/>
-              <a:defRPr sz="1000"/>
+              <a:defRPr sz="1600"/>
             </a:lvl8pPr>
             <a:lvl9pPr marL="3657600" indent="0">
               <a:buNone/>
-              <a:defRPr sz="1000"/>
+              <a:defRPr sz="1600"/>
             </a:lvl9pPr>
           </a:lstStyle>
           <a:p>
+            <a:r>
+              <a:rPr lang="fr-FR"/>
+              <a:t>Cliquez sur l'icône pour ajouter une image</a:t>
+            </a:r>
+            <a:endParaRPr lang="en-US" dirty="0"/>
+          </a:p>
+        </p:txBody>
+      </p:sp>
+      <p:sp>
+        <p:nvSpPr>
+          <p:cNvPr id="4" name="Text Placeholder 3"/>
+          <p:cNvSpPr>
+            <a:spLocks noGrp="1"/>
+          </p:cNvSpPr>
+          <p:nvPr>
+            <p:ph type="body" sz="half" idx="2"/>
+          </p:nvPr>
+        </p:nvSpPr>
+        <p:spPr>
+          <a:xfrm>
+            <a:off x="677334" y="5367338"/>
+            <a:ext cx="8596667" cy="674024"/>
+          </a:xfrm>
+        </p:spPr>
+        <p:txBody>
+          <a:bodyPr>
+            <a:normAutofit/>
+          </a:bodyPr>
+          <a:lstStyle>
+            <a:lvl1pPr marL="0" indent="0">
+              <a:buNone/>
+              <a:defRPr sz="1200"/>
+            </a:lvl1pPr>
+            <a:lvl2pPr marL="457200" indent="0">
+              <a:buNone/>
+              <a:defRPr sz="1200"/>
+            </a:lvl2pPr>
+            <a:lvl3pPr marL="914400" indent="0">
+              <a:buNone/>
+              <a:defRPr sz="1000"/>
+            </a:lvl3pPr>
+            <a:lvl4pPr marL="1371600" indent="0">
+              <a:buNone/>
+              <a:defRPr sz="900"/>
+            </a:lvl4pPr>
+            <a:lvl5pPr marL="1828800" indent="0">
+              <a:buNone/>
+              <a:defRPr sz="900"/>
+            </a:lvl5pPr>
+            <a:lvl6pPr marL="2286000" indent="0">
+              <a:buNone/>
+              <a:defRPr sz="900"/>
+            </a:lvl6pPr>
+            <a:lvl7pPr marL="2743200" indent="0">
+              <a:buNone/>
+              <a:defRPr sz="900"/>
+            </a:lvl7pPr>
+            <a:lvl8pPr marL="3200400" indent="0">
+              <a:buNone/>
+              <a:defRPr sz="900"/>
+            </a:lvl8pPr>
+            <a:lvl9pPr marL="3657600" indent="0">
+              <a:buNone/>
+              <a:defRPr sz="900"/>
+            </a:lvl9pPr>
+          </a:lstStyle>
+          <a:p>
             <a:pPr lvl="0"/>
             <a:r>
               <a:rPr lang="fr-FR"/>
@@ -2646,13 +4476,7 @@
       </p:sp>
       <p:sp>
         <p:nvSpPr>
-          <p:cNvPr id="5" name="Espace réservé de la date 4">
-            <a:extLst>
-              <a:ext uri="{FF2B5EF4-FFF2-40B4-BE49-F238E27FC236}">
-                <a16:creationId xmlns:a16="http://schemas.microsoft.com/office/drawing/2014/main" id="{19E2FD9C-B7FA-401D-AEBE-75A47DF5499C}"/>
-              </a:ext>
-            </a:extLst>
-          </p:cNvPr>
+          <p:cNvPr id="5" name="Date Placeholder 4"/>
           <p:cNvSpPr>
             <a:spLocks noGrp="1"/>
           </p:cNvSpPr>
@@ -2665,23 +4489,18 @@
           <a:bodyPr/>
           <a:lstStyle/>
           <a:p>
-            <a:fld id="{F5C50AB6-A0D8-4207-8B93-D23DF95458BE}" type="datetimeFigureOut">
-              <a:rPr lang="fr-FR" smtClean="0"/>
-              <a:t>07/01/2021</a:t>
+            <a:fld id="{B61BEF0D-F0BB-DE4B-95CE-6DB70DBA9567}" type="datetimeFigureOut">
+              <a:rPr lang="en-US" dirty="0"/>
+              <a:pPr/>
+              <a:t>1/28/2021</a:t>
             </a:fld>
-            <a:endParaRPr lang="fr-FR"/>
-          </a:p>
-        </p:txBody>
-      </p:sp>
-      <p:sp>
-        <p:nvSpPr>
-          <p:cNvPr id="6" name="Espace réservé du pied de page 5">
-            <a:extLst>
-              <a:ext uri="{FF2B5EF4-FFF2-40B4-BE49-F238E27FC236}">
-                <a16:creationId xmlns:a16="http://schemas.microsoft.com/office/drawing/2014/main" id="{C4F99E91-18C2-4D08-8105-8C902FA29AA7}"/>
-              </a:ext>
-            </a:extLst>
-          </p:cNvPr>
+            <a:endParaRPr lang="en-US" dirty="0"/>
+          </a:p>
+        </p:txBody>
+      </p:sp>
+      <p:sp>
+        <p:nvSpPr>
+          <p:cNvPr id="6" name="Footer Placeholder 5"/>
           <p:cNvSpPr>
             <a:spLocks noGrp="1"/>
           </p:cNvSpPr>
@@ -2694,19 +4513,13 @@
           <a:bodyPr/>
           <a:lstStyle/>
           <a:p>
-            <a:endParaRPr lang="fr-FR"/>
-          </a:p>
-        </p:txBody>
-      </p:sp>
-      <p:sp>
-        <p:nvSpPr>
-          <p:cNvPr id="7" name="Espace réservé du numéro de diapositive 6">
-            <a:extLst>
-              <a:ext uri="{FF2B5EF4-FFF2-40B4-BE49-F238E27FC236}">
-                <a16:creationId xmlns:a16="http://schemas.microsoft.com/office/drawing/2014/main" id="{82CC0630-DA74-4120-8ECD-EA44DAD583EA}"/>
-              </a:ext>
-            </a:extLst>
-          </p:cNvPr>
+            <a:endParaRPr lang="en-US" dirty="0"/>
+          </a:p>
+        </p:txBody>
+      </p:sp>
+      <p:sp>
+        <p:nvSpPr>
+          <p:cNvPr id="7" name="Slide Number Placeholder 6"/>
           <p:cNvSpPr>
             <a:spLocks noGrp="1"/>
           </p:cNvSpPr>
@@ -2719,20 +4532,16 @@
           <a:bodyPr/>
           <a:lstStyle/>
           <a:p>
-            <a:fld id="{91C05D8E-2257-4187-9F34-FDADC0F4CE20}" type="slidenum">
-              <a:rPr lang="fr-FR" smtClean="0"/>
+            <a:fld id="{D57F1E4F-1CFF-5643-939E-217C01CDF565}" type="slidenum">
+              <a:rPr lang="en-US" dirty="0"/>
+              <a:pPr/>
               <a:t>‹N°›</a:t>
             </a:fld>
-            <a:endParaRPr lang="fr-FR"/>
+            <a:endParaRPr lang="en-US" dirty="0"/>
           </a:p>
         </p:txBody>
       </p:sp>
     </p:spTree>
-    <p:extLst>
-      <p:ext uri="{BB962C8B-B14F-4D97-AF65-F5344CB8AC3E}">
-        <p14:creationId xmlns:p14="http://schemas.microsoft.com/office/powerpoint/2010/main" val="3760614690"/>
-      </p:ext>
-    </p:extLst>
   </p:cSld>
   <p:clrMapOvr>
     <a:masterClrMapping/>
@@ -2745,7 +4554,7 @@
   <p:cSld>
     <p:bg>
       <p:bgRef idx="1001">
-        <a:schemeClr val="bg1"/>
+        <a:schemeClr val="bg2"/>
       </p:bgRef>
     </p:bg>
     <p:spTree>
@@ -2762,15 +4571,541 @@
           <a:chExt cx="0" cy="0"/>
         </a:xfrm>
       </p:grpSpPr>
-      <p:sp>
-        <p:nvSpPr>
-          <p:cNvPr id="2" name="Espace réservé du titre 1">
-            <a:extLst>
-              <a:ext uri="{FF2B5EF4-FFF2-40B4-BE49-F238E27FC236}">
-                <a16:creationId xmlns:a16="http://schemas.microsoft.com/office/drawing/2014/main" id="{74C03BB8-CF9A-497E-ACD5-158F1903E85D}"/>
-              </a:ext>
-            </a:extLst>
-          </p:cNvPr>
+      <p:grpSp>
+        <p:nvGrpSpPr>
+          <p:cNvPr id="8" name="Group 7"/>
+          <p:cNvGrpSpPr/>
+          <p:nvPr/>
+        </p:nvGrpSpPr>
+        <p:grpSpPr>
+          <a:xfrm>
+            <a:off x="0" y="-8467"/>
+            <a:ext cx="12192000" cy="6866467"/>
+            <a:chOff x="0" y="-8467"/>
+            <a:chExt cx="12192000" cy="6866467"/>
+          </a:xfrm>
+        </p:grpSpPr>
+        <p:cxnSp>
+          <p:nvCxnSpPr>
+            <p:cNvPr id="20" name="Straight Connector 19"/>
+            <p:cNvCxnSpPr/>
+            <p:nvPr/>
+          </p:nvCxnSpPr>
+          <p:spPr>
+            <a:xfrm>
+              <a:off x="9371012" y="0"/>
+              <a:ext cx="1219200" cy="6858000"/>
+            </a:xfrm>
+            <a:prstGeom prst="line">
+              <a:avLst/>
+            </a:prstGeom>
+            <a:ln w="9525">
+              <a:solidFill>
+                <a:schemeClr val="bg1">
+                  <a:lumMod val="85000"/>
+                  <a:lumOff val="15000"/>
+                </a:schemeClr>
+              </a:solidFill>
+            </a:ln>
+          </p:spPr>
+          <p:style>
+            <a:lnRef idx="2">
+              <a:schemeClr val="accent1"/>
+            </a:lnRef>
+            <a:fillRef idx="0">
+              <a:schemeClr val="accent1"/>
+            </a:fillRef>
+            <a:effectRef idx="1">
+              <a:schemeClr val="accent1"/>
+            </a:effectRef>
+            <a:fontRef idx="minor">
+              <a:schemeClr val="tx1"/>
+            </a:fontRef>
+          </p:style>
+        </p:cxnSp>
+        <p:cxnSp>
+          <p:nvCxnSpPr>
+            <p:cNvPr id="21" name="Straight Connector 20"/>
+            <p:cNvCxnSpPr/>
+            <p:nvPr/>
+          </p:nvCxnSpPr>
+          <p:spPr>
+            <a:xfrm flipH="1">
+              <a:off x="7425267" y="3681413"/>
+              <a:ext cx="4763558" cy="3176587"/>
+            </a:xfrm>
+            <a:prstGeom prst="line">
+              <a:avLst/>
+            </a:prstGeom>
+            <a:ln w="9525">
+              <a:solidFill>
+                <a:schemeClr val="bg1">
+                  <a:lumMod val="85000"/>
+                  <a:lumOff val="15000"/>
+                </a:schemeClr>
+              </a:solidFill>
+            </a:ln>
+          </p:spPr>
+          <p:style>
+            <a:lnRef idx="2">
+              <a:schemeClr val="accent1"/>
+            </a:lnRef>
+            <a:fillRef idx="0">
+              <a:schemeClr val="accent1"/>
+            </a:fillRef>
+            <a:effectRef idx="1">
+              <a:schemeClr val="accent1"/>
+            </a:effectRef>
+            <a:fontRef idx="minor">
+              <a:schemeClr val="tx1"/>
+            </a:fontRef>
+          </p:style>
+        </p:cxnSp>
+        <p:sp>
+          <p:nvSpPr>
+            <p:cNvPr id="22" name="Rectangle 23"/>
+            <p:cNvSpPr/>
+            <p:nvPr/>
+          </p:nvSpPr>
+          <p:spPr>
+            <a:xfrm>
+              <a:off x="9181476" y="-8467"/>
+              <a:ext cx="3007349" cy="6866467"/>
+            </a:xfrm>
+            <a:custGeom>
+              <a:avLst/>
+              <a:gdLst/>
+              <a:ahLst/>
+              <a:cxnLst/>
+              <a:rect l="l" t="t" r="r" b="b"/>
+              <a:pathLst>
+                <a:path w="3007349" h="6866467">
+                  <a:moveTo>
+                    <a:pt x="2045532" y="0"/>
+                  </a:moveTo>
+                  <a:lnTo>
+                    <a:pt x="3007349" y="0"/>
+                  </a:lnTo>
+                  <a:lnTo>
+                    <a:pt x="3007349" y="6866467"/>
+                  </a:lnTo>
+                  <a:lnTo>
+                    <a:pt x="0" y="6866467"/>
+                  </a:lnTo>
+                  <a:lnTo>
+                    <a:pt x="2045532" y="0"/>
+                  </a:lnTo>
+                  <a:close/>
+                </a:path>
+              </a:pathLst>
+            </a:custGeom>
+            <a:solidFill>
+              <a:schemeClr val="accent1">
+                <a:alpha val="30000"/>
+              </a:schemeClr>
+            </a:solidFill>
+            <a:ln>
+              <a:noFill/>
+            </a:ln>
+            <a:effectLst/>
+          </p:spPr>
+          <p:style>
+            <a:lnRef idx="1">
+              <a:schemeClr val="accent1"/>
+            </a:lnRef>
+            <a:fillRef idx="3">
+              <a:schemeClr val="accent1"/>
+            </a:fillRef>
+            <a:effectRef idx="2">
+              <a:schemeClr val="accent1"/>
+            </a:effectRef>
+            <a:fontRef idx="minor">
+              <a:schemeClr val="lt1"/>
+            </a:fontRef>
+          </p:style>
+        </p:sp>
+        <p:sp>
+          <p:nvSpPr>
+            <p:cNvPr id="23" name="Rectangle 25"/>
+            <p:cNvSpPr/>
+            <p:nvPr/>
+          </p:nvSpPr>
+          <p:spPr>
+            <a:xfrm>
+              <a:off x="9603442" y="-8467"/>
+              <a:ext cx="2588558" cy="6866467"/>
+            </a:xfrm>
+            <a:custGeom>
+              <a:avLst/>
+              <a:gdLst/>
+              <a:ahLst/>
+              <a:cxnLst/>
+              <a:rect l="l" t="t" r="r" b="b"/>
+              <a:pathLst>
+                <a:path w="2573311" h="6866467">
+                  <a:moveTo>
+                    <a:pt x="0" y="0"/>
+                  </a:moveTo>
+                  <a:lnTo>
+                    <a:pt x="2573311" y="0"/>
+                  </a:lnTo>
+                  <a:lnTo>
+                    <a:pt x="2573311" y="6866467"/>
+                  </a:lnTo>
+                  <a:lnTo>
+                    <a:pt x="1202336" y="6866467"/>
+                  </a:lnTo>
+                  <a:lnTo>
+                    <a:pt x="0" y="0"/>
+                  </a:lnTo>
+                  <a:close/>
+                </a:path>
+              </a:pathLst>
+            </a:custGeom>
+            <a:solidFill>
+              <a:schemeClr val="accent1">
+                <a:alpha val="20000"/>
+              </a:schemeClr>
+            </a:solidFill>
+            <a:ln>
+              <a:noFill/>
+            </a:ln>
+            <a:effectLst/>
+          </p:spPr>
+          <p:style>
+            <a:lnRef idx="1">
+              <a:schemeClr val="accent1"/>
+            </a:lnRef>
+            <a:fillRef idx="3">
+              <a:schemeClr val="accent1"/>
+            </a:fillRef>
+            <a:effectRef idx="2">
+              <a:schemeClr val="accent1"/>
+            </a:effectRef>
+            <a:fontRef idx="minor">
+              <a:schemeClr val="lt1"/>
+            </a:fontRef>
+          </p:style>
+        </p:sp>
+        <p:sp>
+          <p:nvSpPr>
+            <p:cNvPr id="24" name="Isosceles Triangle 23"/>
+            <p:cNvSpPr/>
+            <p:nvPr/>
+          </p:nvSpPr>
+          <p:spPr>
+            <a:xfrm>
+              <a:off x="8932333" y="3048000"/>
+              <a:ext cx="3259667" cy="3810000"/>
+            </a:xfrm>
+            <a:prstGeom prst="triangle">
+              <a:avLst>
+                <a:gd name="adj" fmla="val 100000"/>
+              </a:avLst>
+            </a:prstGeom>
+            <a:solidFill>
+              <a:schemeClr val="accent2">
+                <a:alpha val="72000"/>
+              </a:schemeClr>
+            </a:solidFill>
+            <a:ln>
+              <a:noFill/>
+            </a:ln>
+            <a:effectLst/>
+          </p:spPr>
+          <p:style>
+            <a:lnRef idx="1">
+              <a:schemeClr val="accent1"/>
+            </a:lnRef>
+            <a:fillRef idx="3">
+              <a:schemeClr val="accent1"/>
+            </a:fillRef>
+            <a:effectRef idx="2">
+              <a:schemeClr val="accent1"/>
+            </a:effectRef>
+            <a:fontRef idx="minor">
+              <a:schemeClr val="lt1"/>
+            </a:fontRef>
+          </p:style>
+        </p:sp>
+        <p:sp>
+          <p:nvSpPr>
+            <p:cNvPr id="25" name="Rectangle 27"/>
+            <p:cNvSpPr/>
+            <p:nvPr/>
+          </p:nvSpPr>
+          <p:spPr>
+            <a:xfrm>
+              <a:off x="9334500" y="-8467"/>
+              <a:ext cx="2854326" cy="6866467"/>
+            </a:xfrm>
+            <a:custGeom>
+              <a:avLst/>
+              <a:gdLst/>
+              <a:ahLst/>
+              <a:cxnLst/>
+              <a:rect l="l" t="t" r="r" b="b"/>
+              <a:pathLst>
+                <a:path w="2858013" h="6866467">
+                  <a:moveTo>
+                    <a:pt x="0" y="0"/>
+                  </a:moveTo>
+                  <a:lnTo>
+                    <a:pt x="2858013" y="0"/>
+                  </a:lnTo>
+                  <a:lnTo>
+                    <a:pt x="2858013" y="6866467"/>
+                  </a:lnTo>
+                  <a:lnTo>
+                    <a:pt x="2473942" y="6866467"/>
+                  </a:lnTo>
+                  <a:lnTo>
+                    <a:pt x="0" y="0"/>
+                  </a:lnTo>
+                  <a:close/>
+                </a:path>
+              </a:pathLst>
+            </a:custGeom>
+            <a:solidFill>
+              <a:schemeClr val="accent2">
+                <a:lumMod val="75000"/>
+                <a:alpha val="70000"/>
+              </a:schemeClr>
+            </a:solidFill>
+            <a:ln>
+              <a:noFill/>
+            </a:ln>
+            <a:effectLst/>
+          </p:spPr>
+          <p:style>
+            <a:lnRef idx="1">
+              <a:schemeClr val="accent1"/>
+            </a:lnRef>
+            <a:fillRef idx="3">
+              <a:schemeClr val="accent1"/>
+            </a:fillRef>
+            <a:effectRef idx="2">
+              <a:schemeClr val="accent1"/>
+            </a:effectRef>
+            <a:fontRef idx="minor">
+              <a:schemeClr val="lt1"/>
+            </a:fontRef>
+          </p:style>
+        </p:sp>
+        <p:sp>
+          <p:nvSpPr>
+            <p:cNvPr id="26" name="Rectangle 28"/>
+            <p:cNvSpPr/>
+            <p:nvPr/>
+          </p:nvSpPr>
+          <p:spPr>
+            <a:xfrm>
+              <a:off x="10898730" y="-8467"/>
+              <a:ext cx="1290094" cy="6866467"/>
+            </a:xfrm>
+            <a:custGeom>
+              <a:avLst/>
+              <a:gdLst/>
+              <a:ahLst/>
+              <a:cxnLst/>
+              <a:rect l="l" t="t" r="r" b="b"/>
+              <a:pathLst>
+                <a:path w="1290094" h="6858000">
+                  <a:moveTo>
+                    <a:pt x="1019735" y="0"/>
+                  </a:moveTo>
+                  <a:lnTo>
+                    <a:pt x="1290094" y="0"/>
+                  </a:lnTo>
+                  <a:lnTo>
+                    <a:pt x="1290094" y="6858000"/>
+                  </a:lnTo>
+                  <a:lnTo>
+                    <a:pt x="0" y="6858000"/>
+                  </a:lnTo>
+                  <a:lnTo>
+                    <a:pt x="1019735" y="0"/>
+                  </a:lnTo>
+                  <a:close/>
+                </a:path>
+              </a:pathLst>
+            </a:custGeom>
+            <a:solidFill>
+              <a:schemeClr val="accent1">
+                <a:lumMod val="60000"/>
+                <a:lumOff val="40000"/>
+                <a:alpha val="70000"/>
+              </a:schemeClr>
+            </a:solidFill>
+            <a:ln>
+              <a:noFill/>
+            </a:ln>
+            <a:effectLst/>
+          </p:spPr>
+          <p:style>
+            <a:lnRef idx="1">
+              <a:schemeClr val="accent1"/>
+            </a:lnRef>
+            <a:fillRef idx="3">
+              <a:schemeClr val="accent1"/>
+            </a:fillRef>
+            <a:effectRef idx="2">
+              <a:schemeClr val="accent1"/>
+            </a:effectRef>
+            <a:fontRef idx="minor">
+              <a:schemeClr val="lt1"/>
+            </a:fontRef>
+          </p:style>
+        </p:sp>
+        <p:sp>
+          <p:nvSpPr>
+            <p:cNvPr id="27" name="Rectangle 29"/>
+            <p:cNvSpPr/>
+            <p:nvPr/>
+          </p:nvSpPr>
+          <p:spPr>
+            <a:xfrm>
+              <a:off x="10938999" y="-8467"/>
+              <a:ext cx="1249825" cy="6866467"/>
+            </a:xfrm>
+            <a:custGeom>
+              <a:avLst/>
+              <a:gdLst/>
+              <a:ahLst/>
+              <a:cxnLst/>
+              <a:rect l="l" t="t" r="r" b="b"/>
+              <a:pathLst>
+                <a:path w="1249825" h="6858000">
+                  <a:moveTo>
+                    <a:pt x="0" y="0"/>
+                  </a:moveTo>
+                  <a:lnTo>
+                    <a:pt x="1249825" y="0"/>
+                  </a:lnTo>
+                  <a:lnTo>
+                    <a:pt x="1249825" y="6858000"/>
+                  </a:lnTo>
+                  <a:lnTo>
+                    <a:pt x="1109382" y="6858000"/>
+                  </a:lnTo>
+                  <a:lnTo>
+                    <a:pt x="0" y="0"/>
+                  </a:lnTo>
+                  <a:close/>
+                </a:path>
+              </a:pathLst>
+            </a:custGeom>
+            <a:solidFill>
+              <a:schemeClr val="accent1">
+                <a:alpha val="65000"/>
+              </a:schemeClr>
+            </a:solidFill>
+            <a:ln>
+              <a:noFill/>
+            </a:ln>
+            <a:effectLst/>
+          </p:spPr>
+          <p:style>
+            <a:lnRef idx="1">
+              <a:schemeClr val="accent1"/>
+            </a:lnRef>
+            <a:fillRef idx="3">
+              <a:schemeClr val="accent1"/>
+            </a:fillRef>
+            <a:effectRef idx="2">
+              <a:schemeClr val="accent1"/>
+            </a:effectRef>
+            <a:fontRef idx="minor">
+              <a:schemeClr val="lt1"/>
+            </a:fontRef>
+          </p:style>
+        </p:sp>
+        <p:sp>
+          <p:nvSpPr>
+            <p:cNvPr id="28" name="Isosceles Triangle 27"/>
+            <p:cNvSpPr/>
+            <p:nvPr/>
+          </p:nvSpPr>
+          <p:spPr>
+            <a:xfrm>
+              <a:off x="10371666" y="3589867"/>
+              <a:ext cx="1817159" cy="3268133"/>
+            </a:xfrm>
+            <a:prstGeom prst="triangle">
+              <a:avLst>
+                <a:gd name="adj" fmla="val 100000"/>
+              </a:avLst>
+            </a:prstGeom>
+            <a:solidFill>
+              <a:schemeClr val="accent1">
+                <a:alpha val="80000"/>
+              </a:schemeClr>
+            </a:solidFill>
+            <a:ln>
+              <a:noFill/>
+            </a:ln>
+            <a:effectLst/>
+          </p:spPr>
+          <p:style>
+            <a:lnRef idx="1">
+              <a:schemeClr val="accent1"/>
+            </a:lnRef>
+            <a:fillRef idx="3">
+              <a:schemeClr val="accent1"/>
+            </a:fillRef>
+            <a:effectRef idx="2">
+              <a:schemeClr val="accent1"/>
+            </a:effectRef>
+            <a:fontRef idx="minor">
+              <a:schemeClr val="lt1"/>
+            </a:fontRef>
+          </p:style>
+        </p:sp>
+        <p:sp>
+          <p:nvSpPr>
+            <p:cNvPr id="29" name="Isosceles Triangle 28"/>
+            <p:cNvSpPr/>
+            <p:nvPr/>
+          </p:nvSpPr>
+          <p:spPr>
+            <a:xfrm>
+              <a:off x="0" y="4013200"/>
+              <a:ext cx="448733" cy="2844800"/>
+            </a:xfrm>
+            <a:prstGeom prst="triangle">
+              <a:avLst>
+                <a:gd name="adj" fmla="val 0"/>
+              </a:avLst>
+            </a:prstGeom>
+            <a:solidFill>
+              <a:schemeClr val="accent1">
+                <a:alpha val="85000"/>
+              </a:schemeClr>
+            </a:solidFill>
+            <a:ln>
+              <a:noFill/>
+            </a:ln>
+            <a:effectLst/>
+          </p:spPr>
+          <p:style>
+            <a:lnRef idx="1">
+              <a:schemeClr val="accent1"/>
+            </a:lnRef>
+            <a:fillRef idx="3">
+              <a:schemeClr val="accent1"/>
+            </a:fillRef>
+            <a:effectRef idx="2">
+              <a:schemeClr val="accent1"/>
+            </a:effectRef>
+            <a:fontRef idx="minor">
+              <a:schemeClr val="lt1"/>
+            </a:fontRef>
+          </p:style>
+        </p:sp>
+      </p:grpSp>
+      <p:sp>
+        <p:nvSpPr>
+          <p:cNvPr id="2" name="Title Placeholder 1"/>
           <p:cNvSpPr>
             <a:spLocks noGrp="1"/>
           </p:cNvSpPr>
@@ -2780,15 +5115,15 @@
         </p:nvSpPr>
         <p:spPr>
           <a:xfrm>
-            <a:off x="838200" y="365125"/>
-            <a:ext cx="10515600" cy="1325563"/>
+            <a:off x="677334" y="609600"/>
+            <a:ext cx="8596668" cy="1320800"/>
           </a:xfrm>
           <a:prstGeom prst="rect">
             <a:avLst/>
           </a:prstGeom>
         </p:spPr>
         <p:txBody>
-          <a:bodyPr vert="horz" lIns="91440" tIns="45720" rIns="91440" bIns="45720" rtlCol="0" anchor="ctr">
+          <a:bodyPr vert="horz" lIns="91440" tIns="45720" rIns="91440" bIns="45720" rtlCol="0" anchor="t">
             <a:normAutofit/>
           </a:bodyPr>
           <a:lstStyle/>
@@ -2797,18 +5132,13 @@
               <a:rPr lang="fr-FR"/>
               <a:t>Modifiez le style du titre</a:t>
             </a:r>
-          </a:p>
-        </p:txBody>
-      </p:sp>
-      <p:sp>
-        <p:nvSpPr>
-          <p:cNvPr id="3" name="Espace réservé du texte 2">
-            <a:extLst>
-              <a:ext uri="{FF2B5EF4-FFF2-40B4-BE49-F238E27FC236}">
-                <a16:creationId xmlns:a16="http://schemas.microsoft.com/office/drawing/2014/main" id="{4B946F03-F7C7-41EB-9CCC-6349062F9939}"/>
-              </a:ext>
-            </a:extLst>
-          </p:cNvPr>
+            <a:endParaRPr lang="en-US" dirty="0"/>
+          </a:p>
+        </p:txBody>
+      </p:sp>
+      <p:sp>
+        <p:nvSpPr>
+          <p:cNvPr id="3" name="Text Placeholder 2"/>
           <p:cNvSpPr>
             <a:spLocks noGrp="1"/>
           </p:cNvSpPr>
@@ -2818,8 +5148,8 @@
         </p:nvSpPr>
         <p:spPr>
           <a:xfrm>
-            <a:off x="838200" y="1825625"/>
-            <a:ext cx="10515600" cy="4351338"/>
+            <a:off x="677334" y="2160589"/>
+            <a:ext cx="8596668" cy="3880773"/>
           </a:xfrm>
           <a:prstGeom prst="rect">
             <a:avLst/>
@@ -2864,18 +5194,13 @@
               <a:rPr lang="fr-FR"/>
               <a:t>Cinquième niveau</a:t>
             </a:r>
-          </a:p>
-        </p:txBody>
-      </p:sp>
-      <p:sp>
-        <p:nvSpPr>
-          <p:cNvPr id="4" name="Espace réservé de la date 3">
-            <a:extLst>
-              <a:ext uri="{FF2B5EF4-FFF2-40B4-BE49-F238E27FC236}">
-                <a16:creationId xmlns:a16="http://schemas.microsoft.com/office/drawing/2014/main" id="{0ED868FA-F4D5-4A9F-95D0-CFB0901807E1}"/>
-              </a:ext>
-            </a:extLst>
-          </p:cNvPr>
+            <a:endParaRPr lang="en-US" dirty="0"/>
+          </a:p>
+        </p:txBody>
+      </p:sp>
+      <p:sp>
+        <p:nvSpPr>
+          <p:cNvPr id="4" name="Date Placeholder 3"/>
           <p:cNvSpPr>
             <a:spLocks noGrp="1"/>
           </p:cNvSpPr>
@@ -2885,8 +5210,8 @@
         </p:nvSpPr>
         <p:spPr>
           <a:xfrm>
-            <a:off x="838200" y="6356350"/>
-            <a:ext cx="2743200" cy="365125"/>
+            <a:off x="7205133" y="6041362"/>
+            <a:ext cx="911939" cy="365125"/>
           </a:xfrm>
           <a:prstGeom prst="rect">
             <a:avLst/>
@@ -2895,8 +5220,8 @@
         <p:txBody>
           <a:bodyPr vert="horz" lIns="91440" tIns="45720" rIns="91440" bIns="45720" rtlCol="0" anchor="ctr"/>
           <a:lstStyle>
-            <a:lvl1pPr algn="l">
-              <a:defRPr sz="1200">
+            <a:lvl1pPr algn="r">
+              <a:defRPr sz="900">
                 <a:solidFill>
                   <a:schemeClr val="tx1">
                     <a:tint val="75000"/>
@@ -2906,23 +5231,18 @@
             </a:lvl1pPr>
           </a:lstStyle>
           <a:p>
-            <a:fld id="{F5C50AB6-A0D8-4207-8B93-D23DF95458BE}" type="datetimeFigureOut">
-              <a:rPr lang="fr-FR" smtClean="0"/>
-              <a:t>07/01/2021</a:t>
+            <a:fld id="{B61BEF0D-F0BB-DE4B-95CE-6DB70DBA9567}" type="datetimeFigureOut">
+              <a:rPr lang="en-US" dirty="0"/>
+              <a:pPr/>
+              <a:t>1/28/2021</a:t>
             </a:fld>
-            <a:endParaRPr lang="fr-FR"/>
-          </a:p>
-        </p:txBody>
-      </p:sp>
-      <p:sp>
-        <p:nvSpPr>
-          <p:cNvPr id="5" name="Espace réservé du pied de page 4">
-            <a:extLst>
-              <a:ext uri="{FF2B5EF4-FFF2-40B4-BE49-F238E27FC236}">
-                <a16:creationId xmlns:a16="http://schemas.microsoft.com/office/drawing/2014/main" id="{4818B8C1-4A52-45FD-9BA8-2A5583C1C1A6}"/>
-              </a:ext>
-            </a:extLst>
-          </p:cNvPr>
+            <a:endParaRPr lang="en-US" dirty="0"/>
+          </a:p>
+        </p:txBody>
+      </p:sp>
+      <p:sp>
+        <p:nvSpPr>
+          <p:cNvPr id="5" name="Footer Placeholder 4"/>
           <p:cNvSpPr>
             <a:spLocks noGrp="1"/>
           </p:cNvSpPr>
@@ -2932,8 +5252,8 @@
         </p:nvSpPr>
         <p:spPr>
           <a:xfrm>
-            <a:off x="4038600" y="6356350"/>
-            <a:ext cx="4114800" cy="365125"/>
+            <a:off x="677334" y="6041362"/>
+            <a:ext cx="6297612" cy="365125"/>
           </a:xfrm>
           <a:prstGeom prst="rect">
             <a:avLst/>
@@ -2942,8 +5262,8 @@
         <p:txBody>
           <a:bodyPr vert="horz" lIns="91440" tIns="45720" rIns="91440" bIns="45720" rtlCol="0" anchor="ctr"/>
           <a:lstStyle>
-            <a:lvl1pPr algn="ctr">
-              <a:defRPr sz="1200">
+            <a:lvl1pPr algn="l">
+              <a:defRPr sz="900">
                 <a:solidFill>
                   <a:schemeClr val="tx1">
                     <a:tint val="75000"/>
@@ -2953,19 +5273,13 @@
             </a:lvl1pPr>
           </a:lstStyle>
           <a:p>
-            <a:endParaRPr lang="fr-FR"/>
-          </a:p>
-        </p:txBody>
-      </p:sp>
-      <p:sp>
-        <p:nvSpPr>
-          <p:cNvPr id="6" name="Espace réservé du numéro de diapositive 5">
-            <a:extLst>
-              <a:ext uri="{FF2B5EF4-FFF2-40B4-BE49-F238E27FC236}">
-                <a16:creationId xmlns:a16="http://schemas.microsoft.com/office/drawing/2014/main" id="{C7A6147E-6435-4F20-97C1-51F411385442}"/>
-              </a:ext>
-            </a:extLst>
-          </p:cNvPr>
+            <a:endParaRPr lang="en-US" dirty="0"/>
+          </a:p>
+        </p:txBody>
+      </p:sp>
+      <p:sp>
+        <p:nvSpPr>
+          <p:cNvPr id="6" name="Slide Number Placeholder 5"/>
           <p:cNvSpPr>
             <a:spLocks noGrp="1"/>
           </p:cNvSpPr>
@@ -2975,8 +5289,8 @@
         </p:nvSpPr>
         <p:spPr>
           <a:xfrm>
-            <a:off x="8610600" y="6356350"/>
-            <a:ext cx="2743200" cy="365125"/>
+            <a:off x="8590663" y="6041362"/>
+            <a:ext cx="683339" cy="365125"/>
           </a:xfrm>
           <a:prstGeom prst="rect">
             <a:avLst/>
@@ -2986,76 +5300,350 @@
           <a:bodyPr vert="horz" lIns="91440" tIns="45720" rIns="91440" bIns="45720" rtlCol="0" anchor="ctr"/>
           <a:lstStyle>
             <a:lvl1pPr algn="r">
-              <a:defRPr sz="1200">
-                <a:solidFill>
-                  <a:schemeClr val="tx1">
-                    <a:tint val="75000"/>
-                  </a:schemeClr>
+              <a:defRPr sz="900">
+                <a:solidFill>
+                  <a:schemeClr val="accent1"/>
                 </a:solidFill>
               </a:defRPr>
             </a:lvl1pPr>
           </a:lstStyle>
           <a:p>
-            <a:fld id="{91C05D8E-2257-4187-9F34-FDADC0F4CE20}" type="slidenum">
-              <a:rPr lang="fr-FR" smtClean="0"/>
+            <a:fld id="{D57F1E4F-1CFF-5643-939E-217C01CDF565}" type="slidenum">
+              <a:rPr lang="en-US" dirty="0"/>
+              <a:pPr/>
               <a:t>‹N°›</a:t>
             </a:fld>
-            <a:endParaRPr lang="fr-FR"/>
+            <a:endParaRPr lang="en-US" dirty="0"/>
           </a:p>
         </p:txBody>
       </p:sp>
     </p:spTree>
-    <p:extLst>
-      <p:ext uri="{BB962C8B-B14F-4D97-AF65-F5344CB8AC3E}">
-        <p14:creationId xmlns:p14="http://schemas.microsoft.com/office/powerpoint/2010/main" val="3190507589"/>
-      </p:ext>
-    </p:extLst>
   </p:cSld>
-  <p:clrMap bg1="lt1" tx1="dk1" bg2="lt2" tx2="dk2" accent1="accent1" accent2="accent2" accent3="accent3" accent4="accent4" accent5="accent5" accent6="accent6" hlink="hlink" folHlink="folHlink"/>
+  <p:clrMap bg1="dk1" tx1="lt1" bg2="dk2" tx2="lt2" accent1="accent1" accent2="accent2" accent3="accent3" accent4="accent4" accent5="accent5" accent6="accent6" hlink="hlink" folHlink="folHlink"/>
   <p:sldLayoutIdLst>
     <p:sldLayoutId id="2147483649" r:id="rId1"/>
     <p:sldLayoutId id="2147483650" r:id="rId2"/>
     <p:sldLayoutId id="2147483651" r:id="rId3"/>
-    <p:sldLayoutId id="2147483652" r:id="rId4"/>
+    <p:sldLayoutId id="2147483665" r:id="rId4"/>
     <p:sldLayoutId id="2147483653" r:id="rId5"/>
     <p:sldLayoutId id="2147483654" r:id="rId6"/>
     <p:sldLayoutId id="2147483655" r:id="rId7"/>
-    <p:sldLayoutId id="2147483656" r:id="rId8"/>
+    <p:sldLayoutId id="2147483666" r:id="rId8"/>
     <p:sldLayoutId id="2147483657" r:id="rId9"/>
-    <p:sldLayoutId id="2147483658" r:id="rId10"/>
-    <p:sldLayoutId id="2147483659" r:id="rId11"/>
+    <p:sldLayoutId id="2147483660" r:id="rId10"/>
+    <p:sldLayoutId id="2147483661" r:id="rId11"/>
+    <p:sldLayoutId id="2147483662" r:id="rId12"/>
+    <p:sldLayoutId id="2147483663" r:id="rId13"/>
+    <p:sldLayoutId id="2147483664" r:id="rId14"/>
+    <p:sldLayoutId id="2147483667" r:id="rId15"/>
+    <p:sldLayoutId id="2147483659" r:id="rId16"/>
   </p:sldLayoutIdLst>
   <p:txStyles>
     <p:titleStyle>
-      <a:lvl1pPr algn="l" defTabSz="914400" rtl="0" eaLnBrk="1" latinLnBrk="0" hangingPunct="1">
-        <a:lnSpc>
-          <a:spcPct val="90000"/>
-        </a:lnSpc>
+      <a:lvl1pPr algn="l" defTabSz="457200" rtl="0" eaLnBrk="1" latinLnBrk="0" hangingPunct="1">
         <a:spcBef>
           <a:spcPct val="0"/>
         </a:spcBef>
         <a:buNone/>
-        <a:defRPr sz="4400" kern="1200">
+        <a:defRPr sz="3600" kern="1200">
           <a:solidFill>
-            <a:schemeClr val="tx1"/>
+            <a:schemeClr val="accent1"/>
           </a:solidFill>
           <a:latin typeface="+mj-lt"/>
           <a:ea typeface="+mj-ea"/>
           <a:cs typeface="+mj-cs"/>
         </a:defRPr>
       </a:lvl1pPr>
+      <a:lvl2pPr eaLnBrk="1" hangingPunct="1">
+        <a:defRPr>
+          <a:solidFill>
+            <a:schemeClr val="tx2"/>
+          </a:solidFill>
+        </a:defRPr>
+      </a:lvl2pPr>
+      <a:lvl3pPr eaLnBrk="1" hangingPunct="1">
+        <a:defRPr>
+          <a:solidFill>
+            <a:schemeClr val="tx2"/>
+          </a:solidFill>
+        </a:defRPr>
+      </a:lvl3pPr>
+      <a:lvl4pPr eaLnBrk="1" hangingPunct="1">
+        <a:defRPr>
+          <a:solidFill>
+            <a:schemeClr val="tx2"/>
+          </a:solidFill>
+        </a:defRPr>
+      </a:lvl4pPr>
+      <a:lvl5pPr eaLnBrk="1" hangingPunct="1">
+        <a:defRPr>
+          <a:solidFill>
+            <a:schemeClr val="tx2"/>
+          </a:solidFill>
+        </a:defRPr>
+      </a:lvl5pPr>
+      <a:lvl6pPr eaLnBrk="1" hangingPunct="1">
+        <a:defRPr>
+          <a:solidFill>
+            <a:schemeClr val="tx2"/>
+          </a:solidFill>
+        </a:defRPr>
+      </a:lvl6pPr>
+      <a:lvl7pPr eaLnBrk="1" hangingPunct="1">
+        <a:defRPr>
+          <a:solidFill>
+            <a:schemeClr val="tx2"/>
+          </a:solidFill>
+        </a:defRPr>
+      </a:lvl7pPr>
+      <a:lvl8pPr eaLnBrk="1" hangingPunct="1">
+        <a:defRPr>
+          <a:solidFill>
+            <a:schemeClr val="tx2"/>
+          </a:solidFill>
+        </a:defRPr>
+      </a:lvl8pPr>
+      <a:lvl9pPr eaLnBrk="1" hangingPunct="1">
+        <a:defRPr>
+          <a:solidFill>
+            <a:schemeClr val="tx2"/>
+          </a:solidFill>
+        </a:defRPr>
+      </a:lvl9pPr>
     </p:titleStyle>
     <p:bodyStyle>
-      <a:lvl1pPr marL="228600" indent="-228600" algn="l" defTabSz="914400" rtl="0" eaLnBrk="1" latinLnBrk="0" hangingPunct="1">
-        <a:lnSpc>
-          <a:spcPct val="90000"/>
-        </a:lnSpc>
+      <a:lvl1pPr marL="342900" indent="-342900" algn="l" defTabSz="457200" rtl="0" eaLnBrk="1" latinLnBrk="0" hangingPunct="1">
         <a:spcBef>
           <a:spcPts val="1000"/>
         </a:spcBef>
-        <a:buFont typeface="Arial" panose="020B0604020202020204" pitchFamily="34" charset="0"/>
-        <a:buChar char="•"/>
-        <a:defRPr sz="2800" kern="1200">
+        <a:spcAft>
+          <a:spcPts val="0"/>
+        </a:spcAft>
+        <a:buClr>
+          <a:schemeClr val="accent1"/>
+        </a:buClr>
+        <a:buSzPct val="80000"/>
+        <a:buFont typeface="Wingdings 3" charset="2"/>
+        <a:buChar char=""/>
+        <a:defRPr sz="1800" kern="1200">
+          <a:solidFill>
+            <a:schemeClr val="tx1">
+              <a:lumMod val="75000"/>
+              <a:lumOff val="25000"/>
+            </a:schemeClr>
+          </a:solidFill>
+          <a:latin typeface="+mn-lt"/>
+          <a:ea typeface="+mn-ea"/>
+          <a:cs typeface="+mn-cs"/>
+        </a:defRPr>
+      </a:lvl1pPr>
+      <a:lvl2pPr marL="742950" indent="-285750" algn="l" defTabSz="457200" rtl="0" eaLnBrk="1" latinLnBrk="0" hangingPunct="1">
+        <a:spcBef>
+          <a:spcPts val="1000"/>
+        </a:spcBef>
+        <a:spcAft>
+          <a:spcPts val="0"/>
+        </a:spcAft>
+        <a:buClr>
+          <a:schemeClr val="accent1"/>
+        </a:buClr>
+        <a:buSzPct val="80000"/>
+        <a:buFont typeface="Wingdings 3" charset="2"/>
+        <a:buChar char=""/>
+        <a:defRPr sz="1600" kern="1200">
+          <a:solidFill>
+            <a:schemeClr val="tx1">
+              <a:lumMod val="75000"/>
+              <a:lumOff val="25000"/>
+            </a:schemeClr>
+          </a:solidFill>
+          <a:latin typeface="+mn-lt"/>
+          <a:ea typeface="+mn-ea"/>
+          <a:cs typeface="+mn-cs"/>
+        </a:defRPr>
+      </a:lvl2pPr>
+      <a:lvl3pPr marL="1143000" indent="-228600" algn="l" defTabSz="457200" rtl="0" eaLnBrk="1" latinLnBrk="0" hangingPunct="1">
+        <a:spcBef>
+          <a:spcPts val="1000"/>
+        </a:spcBef>
+        <a:spcAft>
+          <a:spcPts val="0"/>
+        </a:spcAft>
+        <a:buClr>
+          <a:schemeClr val="accent1"/>
+        </a:buClr>
+        <a:buSzPct val="80000"/>
+        <a:buFont typeface="Wingdings 3" charset="2"/>
+        <a:buChar char=""/>
+        <a:defRPr sz="1400" kern="1200">
+          <a:solidFill>
+            <a:schemeClr val="tx1">
+              <a:lumMod val="75000"/>
+              <a:lumOff val="25000"/>
+            </a:schemeClr>
+          </a:solidFill>
+          <a:latin typeface="+mn-lt"/>
+          <a:ea typeface="+mn-ea"/>
+          <a:cs typeface="+mn-cs"/>
+        </a:defRPr>
+      </a:lvl3pPr>
+      <a:lvl4pPr marL="1600200" indent="-228600" algn="l" defTabSz="457200" rtl="0" eaLnBrk="1" latinLnBrk="0" hangingPunct="1">
+        <a:spcBef>
+          <a:spcPts val="1000"/>
+        </a:spcBef>
+        <a:spcAft>
+          <a:spcPts val="0"/>
+        </a:spcAft>
+        <a:buClr>
+          <a:schemeClr val="accent1"/>
+        </a:buClr>
+        <a:buSzPct val="80000"/>
+        <a:buFont typeface="Wingdings 3" charset="2"/>
+        <a:buChar char=""/>
+        <a:defRPr sz="1200" kern="1200">
+          <a:solidFill>
+            <a:schemeClr val="tx1">
+              <a:lumMod val="75000"/>
+              <a:lumOff val="25000"/>
+            </a:schemeClr>
+          </a:solidFill>
+          <a:latin typeface="+mn-lt"/>
+          <a:ea typeface="+mn-ea"/>
+          <a:cs typeface="+mn-cs"/>
+        </a:defRPr>
+      </a:lvl4pPr>
+      <a:lvl5pPr marL="2057400" indent="-228600" algn="l" defTabSz="457200" rtl="0" eaLnBrk="1" latinLnBrk="0" hangingPunct="1">
+        <a:spcBef>
+          <a:spcPts val="1000"/>
+        </a:spcBef>
+        <a:spcAft>
+          <a:spcPts val="0"/>
+        </a:spcAft>
+        <a:buClr>
+          <a:schemeClr val="accent1"/>
+        </a:buClr>
+        <a:buSzPct val="80000"/>
+        <a:buFont typeface="Wingdings 3" charset="2"/>
+        <a:buChar char=""/>
+        <a:defRPr sz="1200" kern="1200">
+          <a:solidFill>
+            <a:schemeClr val="tx1">
+              <a:lumMod val="75000"/>
+              <a:lumOff val="25000"/>
+            </a:schemeClr>
+          </a:solidFill>
+          <a:latin typeface="+mn-lt"/>
+          <a:ea typeface="+mn-ea"/>
+          <a:cs typeface="+mn-cs"/>
+        </a:defRPr>
+      </a:lvl5pPr>
+      <a:lvl6pPr marL="2514600" indent="-228600" algn="l" defTabSz="457200" rtl="0" eaLnBrk="1" latinLnBrk="0" hangingPunct="1">
+        <a:spcBef>
+          <a:spcPts val="1000"/>
+        </a:spcBef>
+        <a:spcAft>
+          <a:spcPts val="0"/>
+        </a:spcAft>
+        <a:buClr>
+          <a:schemeClr val="accent1"/>
+        </a:buClr>
+        <a:buSzPct val="80000"/>
+        <a:buFont typeface="Wingdings 3" charset="2"/>
+        <a:buChar char=""/>
+        <a:defRPr sz="1200" kern="1200">
+          <a:solidFill>
+            <a:schemeClr val="tx1">
+              <a:lumMod val="75000"/>
+              <a:lumOff val="25000"/>
+            </a:schemeClr>
+          </a:solidFill>
+          <a:latin typeface="+mn-lt"/>
+          <a:ea typeface="+mn-ea"/>
+          <a:cs typeface="+mn-cs"/>
+        </a:defRPr>
+      </a:lvl6pPr>
+      <a:lvl7pPr marL="2971800" indent="-228600" algn="l" defTabSz="457200" rtl="0" eaLnBrk="1" latinLnBrk="0" hangingPunct="1">
+        <a:spcBef>
+          <a:spcPts val="1000"/>
+        </a:spcBef>
+        <a:spcAft>
+          <a:spcPts val="0"/>
+        </a:spcAft>
+        <a:buClr>
+          <a:schemeClr val="accent1"/>
+        </a:buClr>
+        <a:buSzPct val="80000"/>
+        <a:buFont typeface="Wingdings 3" charset="2"/>
+        <a:buChar char=""/>
+        <a:defRPr sz="1200" kern="1200">
+          <a:solidFill>
+            <a:schemeClr val="tx1">
+              <a:lumMod val="75000"/>
+              <a:lumOff val="25000"/>
+            </a:schemeClr>
+          </a:solidFill>
+          <a:latin typeface="+mn-lt"/>
+          <a:ea typeface="+mn-ea"/>
+          <a:cs typeface="+mn-cs"/>
+        </a:defRPr>
+      </a:lvl7pPr>
+      <a:lvl8pPr marL="3429000" indent="-228600" algn="l" defTabSz="457200" rtl="0" eaLnBrk="1" latinLnBrk="0" hangingPunct="1">
+        <a:spcBef>
+          <a:spcPts val="1000"/>
+        </a:spcBef>
+        <a:spcAft>
+          <a:spcPts val="0"/>
+        </a:spcAft>
+        <a:buClr>
+          <a:schemeClr val="accent1"/>
+        </a:buClr>
+        <a:buSzPct val="80000"/>
+        <a:buFont typeface="Wingdings 3" charset="2"/>
+        <a:buChar char=""/>
+        <a:defRPr sz="1200" kern="1200">
+          <a:solidFill>
+            <a:schemeClr val="tx1">
+              <a:lumMod val="75000"/>
+              <a:lumOff val="25000"/>
+            </a:schemeClr>
+          </a:solidFill>
+          <a:latin typeface="+mn-lt"/>
+          <a:ea typeface="+mn-ea"/>
+          <a:cs typeface="+mn-cs"/>
+        </a:defRPr>
+      </a:lvl8pPr>
+      <a:lvl9pPr marL="3886200" indent="-228600" algn="l" defTabSz="457200" rtl="0" eaLnBrk="1" latinLnBrk="0" hangingPunct="1">
+        <a:spcBef>
+          <a:spcPts val="1000"/>
+        </a:spcBef>
+        <a:spcAft>
+          <a:spcPts val="0"/>
+        </a:spcAft>
+        <a:buClr>
+          <a:schemeClr val="accent1"/>
+        </a:buClr>
+        <a:buSzPct val="80000"/>
+        <a:buFont typeface="Wingdings 3" charset="2"/>
+        <a:buChar char=""/>
+        <a:defRPr sz="1200" kern="1200">
+          <a:solidFill>
+            <a:schemeClr val="tx1">
+              <a:lumMod val="75000"/>
+              <a:lumOff val="25000"/>
+            </a:schemeClr>
+          </a:solidFill>
+          <a:latin typeface="+mn-lt"/>
+          <a:ea typeface="+mn-ea"/>
+          <a:cs typeface="+mn-cs"/>
+        </a:defRPr>
+      </a:lvl9pPr>
+    </p:bodyStyle>
+    <p:otherStyle>
+      <a:defPPr>
+        <a:defRPr lang="en-US"/>
+      </a:defPPr>
+      <a:lvl1pPr marL="0" algn="l" defTabSz="457200" rtl="0" eaLnBrk="1" latinLnBrk="0" hangingPunct="1">
+        <a:defRPr sz="1800" kern="1200">
           <a:solidFill>
             <a:schemeClr val="tx1"/>
           </a:solidFill>
@@ -3064,16 +5652,8 @@
           <a:cs typeface="+mn-cs"/>
         </a:defRPr>
       </a:lvl1pPr>
-      <a:lvl2pPr marL="685800" indent="-228600" algn="l" defTabSz="914400" rtl="0" eaLnBrk="1" latinLnBrk="0" hangingPunct="1">
-        <a:lnSpc>
-          <a:spcPct val="90000"/>
-        </a:lnSpc>
-        <a:spcBef>
-          <a:spcPts val="500"/>
-        </a:spcBef>
-        <a:buFont typeface="Arial" panose="020B0604020202020204" pitchFamily="34" charset="0"/>
-        <a:buChar char="•"/>
-        <a:defRPr sz="2400" kern="1200">
+      <a:lvl2pPr marL="457200" algn="l" defTabSz="457200" rtl="0" eaLnBrk="1" latinLnBrk="0" hangingPunct="1">
+        <a:defRPr sz="1800" kern="1200">
           <a:solidFill>
             <a:schemeClr val="tx1"/>
           </a:solidFill>
@@ -3082,16 +5662,8 @@
           <a:cs typeface="+mn-cs"/>
         </a:defRPr>
       </a:lvl2pPr>
-      <a:lvl3pPr marL="1143000" indent="-228600" algn="l" defTabSz="914400" rtl="0" eaLnBrk="1" latinLnBrk="0" hangingPunct="1">
-        <a:lnSpc>
-          <a:spcPct val="90000"/>
-        </a:lnSpc>
-        <a:spcBef>
-          <a:spcPts val="500"/>
-        </a:spcBef>
-        <a:buFont typeface="Arial" panose="020B0604020202020204" pitchFamily="34" charset="0"/>
-        <a:buChar char="•"/>
-        <a:defRPr sz="2000" kern="1200">
+      <a:lvl3pPr marL="914400" algn="l" defTabSz="457200" rtl="0" eaLnBrk="1" latinLnBrk="0" hangingPunct="1">
+        <a:defRPr sz="1800" kern="1200">
           <a:solidFill>
             <a:schemeClr val="tx1"/>
           </a:solidFill>
@@ -3100,15 +5672,7 @@
           <a:cs typeface="+mn-cs"/>
         </a:defRPr>
       </a:lvl3pPr>
-      <a:lvl4pPr marL="1600200" indent="-228600" algn="l" defTabSz="914400" rtl="0" eaLnBrk="1" latinLnBrk="0" hangingPunct="1">
-        <a:lnSpc>
-          <a:spcPct val="90000"/>
-        </a:lnSpc>
-        <a:spcBef>
-          <a:spcPts val="500"/>
-        </a:spcBef>
-        <a:buFont typeface="Arial" panose="020B0604020202020204" pitchFamily="34" charset="0"/>
-        <a:buChar char="•"/>
+      <a:lvl4pPr marL="1371600" algn="l" defTabSz="457200" rtl="0" eaLnBrk="1" latinLnBrk="0" hangingPunct="1">
         <a:defRPr sz="1800" kern="1200">
           <a:solidFill>
             <a:schemeClr val="tx1"/>
@@ -3118,15 +5682,7 @@
           <a:cs typeface="+mn-cs"/>
         </a:defRPr>
       </a:lvl4pPr>
-      <a:lvl5pPr marL="2057400" indent="-228600" algn="l" defTabSz="914400" rtl="0" eaLnBrk="1" latinLnBrk="0" hangingPunct="1">
-        <a:lnSpc>
-          <a:spcPct val="90000"/>
-        </a:lnSpc>
-        <a:spcBef>
-          <a:spcPts val="500"/>
-        </a:spcBef>
-        <a:buFont typeface="Arial" panose="020B0604020202020204" pitchFamily="34" charset="0"/>
-        <a:buChar char="•"/>
+      <a:lvl5pPr marL="1828800" algn="l" defTabSz="457200" rtl="0" eaLnBrk="1" latinLnBrk="0" hangingPunct="1">
         <a:defRPr sz="1800" kern="1200">
           <a:solidFill>
             <a:schemeClr val="tx1"/>
@@ -3136,15 +5692,7 @@
           <a:cs typeface="+mn-cs"/>
         </a:defRPr>
       </a:lvl5pPr>
-      <a:lvl6pPr marL="2514600" indent="-228600" algn="l" defTabSz="914400" rtl="0" eaLnBrk="1" latinLnBrk="0" hangingPunct="1">
-        <a:lnSpc>
-          <a:spcPct val="90000"/>
-        </a:lnSpc>
-        <a:spcBef>
-          <a:spcPts val="500"/>
-        </a:spcBef>
-        <a:buFont typeface="Arial" panose="020B0604020202020204" pitchFamily="34" charset="0"/>
-        <a:buChar char="•"/>
+      <a:lvl6pPr marL="2286000" algn="l" defTabSz="457200" rtl="0" eaLnBrk="1" latinLnBrk="0" hangingPunct="1">
         <a:defRPr sz="1800" kern="1200">
           <a:solidFill>
             <a:schemeClr val="tx1"/>
@@ -3154,15 +5702,7 @@
           <a:cs typeface="+mn-cs"/>
         </a:defRPr>
       </a:lvl6pPr>
-      <a:lvl7pPr marL="2971800" indent="-228600" algn="l" defTabSz="914400" rtl="0" eaLnBrk="1" latinLnBrk="0" hangingPunct="1">
-        <a:lnSpc>
-          <a:spcPct val="90000"/>
-        </a:lnSpc>
-        <a:spcBef>
-          <a:spcPts val="500"/>
-        </a:spcBef>
-        <a:buFont typeface="Arial" panose="020B0604020202020204" pitchFamily="34" charset="0"/>
-        <a:buChar char="•"/>
+      <a:lvl7pPr marL="2743200" algn="l" defTabSz="457200" rtl="0" eaLnBrk="1" latinLnBrk="0" hangingPunct="1">
         <a:defRPr sz="1800" kern="1200">
           <a:solidFill>
             <a:schemeClr val="tx1"/>
@@ -3172,15 +5712,7 @@
           <a:cs typeface="+mn-cs"/>
         </a:defRPr>
       </a:lvl7pPr>
-      <a:lvl8pPr marL="3429000" indent="-228600" algn="l" defTabSz="914400" rtl="0" eaLnBrk="1" latinLnBrk="0" hangingPunct="1">
-        <a:lnSpc>
-          <a:spcPct val="90000"/>
-        </a:lnSpc>
-        <a:spcBef>
-          <a:spcPts val="500"/>
-        </a:spcBef>
-        <a:buFont typeface="Arial" panose="020B0604020202020204" pitchFamily="34" charset="0"/>
-        <a:buChar char="•"/>
+      <a:lvl8pPr marL="3200400" algn="l" defTabSz="457200" rtl="0" eaLnBrk="1" latinLnBrk="0" hangingPunct="1">
         <a:defRPr sz="1800" kern="1200">
           <a:solidFill>
             <a:schemeClr val="tx1"/>
@@ -3190,110 +5722,7 @@
           <a:cs typeface="+mn-cs"/>
         </a:defRPr>
       </a:lvl8pPr>
-      <a:lvl9pPr marL="3886200" indent="-228600" algn="l" defTabSz="914400" rtl="0" eaLnBrk="1" latinLnBrk="0" hangingPunct="1">
-        <a:lnSpc>
-          <a:spcPct val="90000"/>
-        </a:lnSpc>
-        <a:spcBef>
-          <a:spcPts val="500"/>
-        </a:spcBef>
-        <a:buFont typeface="Arial" panose="020B0604020202020204" pitchFamily="34" charset="0"/>
-        <a:buChar char="•"/>
-        <a:defRPr sz="1800" kern="1200">
-          <a:solidFill>
-            <a:schemeClr val="tx1"/>
-          </a:solidFill>
-          <a:latin typeface="+mn-lt"/>
-          <a:ea typeface="+mn-ea"/>
-          <a:cs typeface="+mn-cs"/>
-        </a:defRPr>
-      </a:lvl9pPr>
-    </p:bodyStyle>
-    <p:otherStyle>
-      <a:defPPr>
-        <a:defRPr lang="fr-FR"/>
-      </a:defPPr>
-      <a:lvl1pPr marL="0" algn="l" defTabSz="914400" rtl="0" eaLnBrk="1" latinLnBrk="0" hangingPunct="1">
-        <a:defRPr sz="1800" kern="1200">
-          <a:solidFill>
-            <a:schemeClr val="tx1"/>
-          </a:solidFill>
-          <a:latin typeface="+mn-lt"/>
-          <a:ea typeface="+mn-ea"/>
-          <a:cs typeface="+mn-cs"/>
-        </a:defRPr>
-      </a:lvl1pPr>
-      <a:lvl2pPr marL="457200" algn="l" defTabSz="914400" rtl="0" eaLnBrk="1" latinLnBrk="0" hangingPunct="1">
-        <a:defRPr sz="1800" kern="1200">
-          <a:solidFill>
-            <a:schemeClr val="tx1"/>
-          </a:solidFill>
-          <a:latin typeface="+mn-lt"/>
-          <a:ea typeface="+mn-ea"/>
-          <a:cs typeface="+mn-cs"/>
-        </a:defRPr>
-      </a:lvl2pPr>
-      <a:lvl3pPr marL="914400" algn="l" defTabSz="914400" rtl="0" eaLnBrk="1" latinLnBrk="0" hangingPunct="1">
-        <a:defRPr sz="1800" kern="1200">
-          <a:solidFill>
-            <a:schemeClr val="tx1"/>
-          </a:solidFill>
-          <a:latin typeface="+mn-lt"/>
-          <a:ea typeface="+mn-ea"/>
-          <a:cs typeface="+mn-cs"/>
-        </a:defRPr>
-      </a:lvl3pPr>
-      <a:lvl4pPr marL="1371600" algn="l" defTabSz="914400" rtl="0" eaLnBrk="1" latinLnBrk="0" hangingPunct="1">
-        <a:defRPr sz="1800" kern="1200">
-          <a:solidFill>
-            <a:schemeClr val="tx1"/>
-          </a:solidFill>
-          <a:latin typeface="+mn-lt"/>
-          <a:ea typeface="+mn-ea"/>
-          <a:cs typeface="+mn-cs"/>
-        </a:defRPr>
-      </a:lvl4pPr>
-      <a:lvl5pPr marL="1828800" algn="l" defTabSz="914400" rtl="0" eaLnBrk="1" latinLnBrk="0" hangingPunct="1">
-        <a:defRPr sz="1800" kern="1200">
-          <a:solidFill>
-            <a:schemeClr val="tx1"/>
-          </a:solidFill>
-          <a:latin typeface="+mn-lt"/>
-          <a:ea typeface="+mn-ea"/>
-          <a:cs typeface="+mn-cs"/>
-        </a:defRPr>
-      </a:lvl5pPr>
-      <a:lvl6pPr marL="2286000" algn="l" defTabSz="914400" rtl="0" eaLnBrk="1" latinLnBrk="0" hangingPunct="1">
-        <a:defRPr sz="1800" kern="1200">
-          <a:solidFill>
-            <a:schemeClr val="tx1"/>
-          </a:solidFill>
-          <a:latin typeface="+mn-lt"/>
-          <a:ea typeface="+mn-ea"/>
-          <a:cs typeface="+mn-cs"/>
-        </a:defRPr>
-      </a:lvl6pPr>
-      <a:lvl7pPr marL="2743200" algn="l" defTabSz="914400" rtl="0" eaLnBrk="1" latinLnBrk="0" hangingPunct="1">
-        <a:defRPr sz="1800" kern="1200">
-          <a:solidFill>
-            <a:schemeClr val="tx1"/>
-          </a:solidFill>
-          <a:latin typeface="+mn-lt"/>
-          <a:ea typeface="+mn-ea"/>
-          <a:cs typeface="+mn-cs"/>
-        </a:defRPr>
-      </a:lvl7pPr>
-      <a:lvl8pPr marL="3200400" algn="l" defTabSz="914400" rtl="0" eaLnBrk="1" latinLnBrk="0" hangingPunct="1">
-        <a:defRPr sz="1800" kern="1200">
-          <a:solidFill>
-            <a:schemeClr val="tx1"/>
-          </a:solidFill>
-          <a:latin typeface="+mn-lt"/>
-          <a:ea typeface="+mn-ea"/>
-          <a:cs typeface="+mn-cs"/>
-        </a:defRPr>
-      </a:lvl8pPr>
-      <a:lvl9pPr marL="3657600" algn="l" defTabSz="914400" rtl="0" eaLnBrk="1" latinLnBrk="0" hangingPunct="1">
+      <a:lvl9pPr marL="3657600" algn="l" defTabSz="457200" rtl="0" eaLnBrk="1" latinLnBrk="0" hangingPunct="1">
         <a:defRPr sz="1800" kern="1200">
           <a:solidFill>
             <a:schemeClr val="tx1"/>
@@ -3330,7 +5759,7 @@
           <p:cNvPr id="2" name="Titre 1">
             <a:extLst>
               <a:ext uri="{FF2B5EF4-FFF2-40B4-BE49-F238E27FC236}">
-                <a16:creationId xmlns:a16="http://schemas.microsoft.com/office/drawing/2014/main" id="{4110C188-38F1-40ED-A01A-53831C785898}"/>
+                <a16:creationId xmlns:a16="http://schemas.microsoft.com/office/drawing/2014/main" id="{D1DAA40D-470C-415E-91EF-AE13461F8570}"/>
               </a:ext>
             </a:extLst>
           </p:cNvPr>
@@ -3347,14 +5776,9 @@
           <a:lstStyle/>
           <a:p>
             <a:r>
-              <a:rPr lang="en-US" dirty="0" err="1"/>
-              <a:t>Projet</a:t>
-            </a:r>
-            <a:r>
-              <a:rPr lang="en-US" dirty="0"/>
-              <a:t> Web</a:t>
-            </a:r>
-            <a:endParaRPr lang="fr-FR" dirty="0"/>
+              <a:rPr lang="fr-FR" dirty="0"/>
+              <a:t>Présentation de projet</a:t>
+            </a:r>
           </a:p>
         </p:txBody>
       </p:sp>
@@ -3363,7 +5787,7 @@
           <p:cNvPr id="3" name="Sous-titre 2">
             <a:extLst>
               <a:ext uri="{FF2B5EF4-FFF2-40B4-BE49-F238E27FC236}">
-                <a16:creationId xmlns:a16="http://schemas.microsoft.com/office/drawing/2014/main" id="{F2016BBD-7C0A-40D2-B0DF-B4CAC0CB65FD}"/>
+                <a16:creationId xmlns:a16="http://schemas.microsoft.com/office/drawing/2014/main" id="{6B91B25D-91A9-46CA-A4E3-2936979AECC8}"/>
               </a:ext>
             </a:extLst>
           </p:cNvPr>
@@ -3380,10 +5804,9 @@
           <a:lstStyle/>
           <a:p>
             <a:r>
-              <a:rPr lang="en-US" dirty="0"/>
-              <a:t>Baptiste BONNIN, Arthur LAFOREST </a:t>
-            </a:r>
-            <a:endParaRPr lang="fr-FR" dirty="0"/>
+              <a:rPr lang="fr-FR" dirty="0"/>
+              <a:t>Bonnin/Laforest</a:t>
+            </a:r>
           </a:p>
         </p:txBody>
       </p:sp>
@@ -3392,7 +5815,7 @@
           <p:cNvPr id="4" name="ZoneTexte 3">
             <a:extLst>
               <a:ext uri="{FF2B5EF4-FFF2-40B4-BE49-F238E27FC236}">
-                <a16:creationId xmlns:a16="http://schemas.microsoft.com/office/drawing/2014/main" id="{261880AC-E546-414C-B713-619F50E2521F}"/>
+                <a16:creationId xmlns:a16="http://schemas.microsoft.com/office/drawing/2014/main" id="{8A6D55C3-00AB-45CD-9C0E-F81730EA7293}"/>
               </a:ext>
             </a:extLst>
           </p:cNvPr>
@@ -3401,8 +5824,8 @@
         </p:nvSpPr>
         <p:spPr>
           <a:xfrm>
-            <a:off x="285226" y="5989739"/>
-            <a:ext cx="2642532" cy="523220"/>
+            <a:off x="0" y="6082018"/>
+            <a:ext cx="2583809" cy="646331"/>
           </a:xfrm>
           <a:prstGeom prst="rect">
             <a:avLst/>
@@ -3416,31 +5839,24 @@
           <a:lstStyle/>
           <a:p>
             <a:r>
-              <a:rPr lang="en-US" sz="1400" dirty="0"/>
+              <a:rPr lang="fr-FR" dirty="0"/>
               <a:t>Bordeaux </a:t>
             </a:r>
             <a:r>
-              <a:rPr lang="en-US" sz="1400" dirty="0" err="1"/>
+              <a:rPr lang="fr-FR" dirty="0" err="1"/>
               <a:t>Ynov</a:t>
             </a:r>
             <a:r>
-              <a:rPr lang="en-US" sz="1400" dirty="0"/>
-              <a:t> Campus</a:t>
-            </a:r>
-          </a:p>
-          <a:p>
-            <a:r>
-              <a:rPr lang="en-US" sz="1400" dirty="0"/>
-              <a:t>2020/2021</a:t>
-            </a:r>
-            <a:endParaRPr lang="fr-FR" sz="1400" dirty="0"/>
+              <a:rPr lang="fr-FR" dirty="0"/>
+              <a:t> Campus 2020/2021</a:t>
+            </a:r>
           </a:p>
         </p:txBody>
       </p:sp>
     </p:spTree>
     <p:extLst>
       <p:ext uri="{BB962C8B-B14F-4D97-AF65-F5344CB8AC3E}">
-        <p14:creationId xmlns:p14="http://schemas.microsoft.com/office/powerpoint/2010/main" val="4082464527"/>
+        <p14:creationId xmlns:p14="http://schemas.microsoft.com/office/powerpoint/2010/main" val="1301989439"/>
       </p:ext>
     </p:extLst>
   </p:cSld>
@@ -3472,7 +5888,7 @@
           <p:cNvPr id="2" name="Titre 1">
             <a:extLst>
               <a:ext uri="{FF2B5EF4-FFF2-40B4-BE49-F238E27FC236}">
-                <a16:creationId xmlns:a16="http://schemas.microsoft.com/office/drawing/2014/main" id="{8C33CF27-ADD2-4780-AF5E-F8740DBA56A5}"/>
+                <a16:creationId xmlns:a16="http://schemas.microsoft.com/office/drawing/2014/main" id="{A7621A74-A3EF-4B40-BFA0-6375FC10EEA1}"/>
               </a:ext>
             </a:extLst>
           </p:cNvPr>
@@ -3489,18 +5905,9 @@
           <a:lstStyle/>
           <a:p>
             <a:r>
-              <a:rPr lang="en-US" dirty="0"/>
-              <a:t>Presentation du </a:t>
-            </a:r>
-            <a:r>
-              <a:rPr lang="en-US" dirty="0" err="1"/>
-              <a:t>projet</a:t>
-            </a:r>
-            <a:r>
-              <a:rPr lang="en-US" dirty="0"/>
-              <a:t> </a:t>
-            </a:r>
-            <a:endParaRPr lang="fr-FR" dirty="0"/>
+              <a:rPr lang="fr-FR" dirty="0"/>
+              <a:t>Sujet de Projet </a:t>
+            </a:r>
           </a:p>
         </p:txBody>
       </p:sp>
@@ -3509,7 +5916,7 @@
           <p:cNvPr id="3" name="Espace réservé du contenu 2">
             <a:extLst>
               <a:ext uri="{FF2B5EF4-FFF2-40B4-BE49-F238E27FC236}">
-                <a16:creationId xmlns:a16="http://schemas.microsoft.com/office/drawing/2014/main" id="{3E69A1A0-D7E3-4E0E-A5D4-FC4A96ECC8B2}"/>
+                <a16:creationId xmlns:a16="http://schemas.microsoft.com/office/drawing/2014/main" id="{DA2BE9C2-AA40-40C9-844F-BB0057B93797}"/>
               </a:ext>
             </a:extLst>
           </p:cNvPr>
@@ -3525,14 +5932,17 @@
           <a:bodyPr/>
           <a:lstStyle/>
           <a:p>
-            <a:endParaRPr lang="fr-FR" dirty="0"/>
+            <a:r>
+              <a:rPr lang="fr-FR" dirty="0"/>
+              <a:t>Site web de mini jeux en REACT JS </a:t>
+            </a:r>
           </a:p>
         </p:txBody>
       </p:sp>
     </p:spTree>
     <p:extLst>
       <p:ext uri="{BB962C8B-B14F-4D97-AF65-F5344CB8AC3E}">
-        <p14:creationId xmlns:p14="http://schemas.microsoft.com/office/powerpoint/2010/main" val="3242771670"/>
+        <p14:creationId xmlns:p14="http://schemas.microsoft.com/office/powerpoint/2010/main" val="381343511"/>
       </p:ext>
     </p:extLst>
   </p:cSld>
@@ -3545,6 +5955,14 @@
 <file path=ppt/slides/slide3.xml><?xml version="1.0" encoding="utf-8"?>
 <p:sld xmlns:a="http://schemas.openxmlformats.org/drawingml/2006/main" xmlns:r="http://schemas.openxmlformats.org/officeDocument/2006/relationships" xmlns:p="http://schemas.openxmlformats.org/presentationml/2006/main">
   <p:cSld>
+    <p:bg>
+      <p:bgPr>
+        <a:solidFill>
+          <a:schemeClr val="bg2"/>
+        </a:solidFill>
+        <a:effectLst/>
+      </p:bgPr>
+    </p:bg>
     <p:spTree>
       <p:nvGrpSpPr>
         <p:cNvPr id="1" name=""/>
@@ -3559,12 +5977,711 @@
           <a:chExt cx="0" cy="0"/>
         </a:xfrm>
       </p:grpSpPr>
+      <p:grpSp>
+        <p:nvGrpSpPr>
+          <p:cNvPr id="1028" name="Group 70">
+            <a:extLst>
+              <a:ext uri="{FF2B5EF4-FFF2-40B4-BE49-F238E27FC236}">
+                <a16:creationId xmlns:a16="http://schemas.microsoft.com/office/drawing/2014/main" id="{E0BF35CA-8AA0-428F-ABED-5B77A6C39154}"/>
+              </a:ext>
+              <a:ext uri="{C183D7F6-B498-43B3-948B-1728B52AA6E4}">
+                <adec:decorative xmlns:adec="http://schemas.microsoft.com/office/drawing/2017/decorative" val="1"/>
+              </a:ext>
+            </a:extLst>
+          </p:cNvPr>
+          <p:cNvGrpSpPr>
+            <a:grpSpLocks noGrp="1" noUngrp="1" noRot="1" noChangeAspect="1" noMove="1" noResize="1"/>
+          </p:cNvGrpSpPr>
+          <p:nvPr>
+            <p:extLst>
+              <p:ext uri="{386F3935-93C4-4BCD-93E2-E3B085C9AB24}">
+                <p16:designElem xmlns:p16="http://schemas.microsoft.com/office/powerpoint/2015/main" val="1"/>
+              </p:ext>
+            </p:extLst>
+          </p:nvPr>
+        </p:nvGrpSpPr>
+        <p:grpSpPr>
+          <a:xfrm>
+            <a:off x="0" y="-8467"/>
+            <a:ext cx="12192000" cy="6866467"/>
+            <a:chOff x="0" y="-8467"/>
+            <a:chExt cx="12192000" cy="6866467"/>
+          </a:xfrm>
+        </p:grpSpPr>
+        <p:cxnSp>
+          <p:nvCxnSpPr>
+            <p:cNvPr id="72" name="Straight Connector 71">
+              <a:extLst>
+                <a:ext uri="{FF2B5EF4-FFF2-40B4-BE49-F238E27FC236}">
+                  <a16:creationId xmlns:a16="http://schemas.microsoft.com/office/drawing/2014/main" id="{FA4A156A-791B-4BD9-8452-A798A15D22C1}"/>
+                </a:ext>
+                <a:ext uri="{C183D7F6-B498-43B3-948B-1728B52AA6E4}">
+                  <adec:decorative xmlns:adec="http://schemas.microsoft.com/office/drawing/2017/decorative" val="1"/>
+                </a:ext>
+              </a:extLst>
+            </p:cNvPr>
+            <p:cNvCxnSpPr/>
+            <p:nvPr>
+              <p:extLst>
+                <p:ext uri="{386F3935-93C4-4BCD-93E2-E3B085C9AB24}">
+                  <p16:designElem xmlns:p16="http://schemas.microsoft.com/office/powerpoint/2015/main" val="1"/>
+                </p:ext>
+              </p:extLst>
+            </p:nvPr>
+          </p:nvCxnSpPr>
+          <p:spPr>
+            <a:xfrm>
+              <a:off x="9371012" y="0"/>
+              <a:ext cx="1219200" cy="6858000"/>
+            </a:xfrm>
+            <a:prstGeom prst="line">
+              <a:avLst/>
+            </a:prstGeom>
+            <a:ln w="9525">
+              <a:solidFill>
+                <a:schemeClr val="bg1">
+                  <a:lumMod val="85000"/>
+                  <a:lumOff val="15000"/>
+                </a:schemeClr>
+              </a:solidFill>
+            </a:ln>
+          </p:spPr>
+          <p:style>
+            <a:lnRef idx="2">
+              <a:schemeClr val="accent1"/>
+            </a:lnRef>
+            <a:fillRef idx="0">
+              <a:schemeClr val="accent1"/>
+            </a:fillRef>
+            <a:effectRef idx="1">
+              <a:schemeClr val="accent1"/>
+            </a:effectRef>
+            <a:fontRef idx="minor">
+              <a:schemeClr val="tx1"/>
+            </a:fontRef>
+          </p:style>
+        </p:cxnSp>
+        <p:cxnSp>
+          <p:nvCxnSpPr>
+            <p:cNvPr id="1029" name="Straight Connector 72">
+              <a:extLst>
+                <a:ext uri="{FF2B5EF4-FFF2-40B4-BE49-F238E27FC236}">
+                  <a16:creationId xmlns:a16="http://schemas.microsoft.com/office/drawing/2014/main" id="{27652CB1-59D3-4DAB-AD45-8DFB738958E1}"/>
+                </a:ext>
+                <a:ext uri="{C183D7F6-B498-43B3-948B-1728B52AA6E4}">
+                  <adec:decorative xmlns:adec="http://schemas.microsoft.com/office/drawing/2017/decorative" val="1"/>
+                </a:ext>
+              </a:extLst>
+            </p:cNvPr>
+            <p:cNvCxnSpPr/>
+            <p:nvPr>
+              <p:extLst>
+                <p:ext uri="{386F3935-93C4-4BCD-93E2-E3B085C9AB24}">
+                  <p16:designElem xmlns:p16="http://schemas.microsoft.com/office/powerpoint/2015/main" val="1"/>
+                </p:ext>
+              </p:extLst>
+            </p:nvPr>
+          </p:nvCxnSpPr>
+          <p:spPr>
+            <a:xfrm flipH="1">
+              <a:off x="7425267" y="3681413"/>
+              <a:ext cx="4763558" cy="3176587"/>
+            </a:xfrm>
+            <a:prstGeom prst="line">
+              <a:avLst/>
+            </a:prstGeom>
+            <a:ln w="9525">
+              <a:solidFill>
+                <a:schemeClr val="bg1">
+                  <a:lumMod val="85000"/>
+                  <a:lumOff val="15000"/>
+                </a:schemeClr>
+              </a:solidFill>
+            </a:ln>
+          </p:spPr>
+          <p:style>
+            <a:lnRef idx="2">
+              <a:schemeClr val="accent1"/>
+            </a:lnRef>
+            <a:fillRef idx="0">
+              <a:schemeClr val="accent1"/>
+            </a:fillRef>
+            <a:effectRef idx="1">
+              <a:schemeClr val="accent1"/>
+            </a:effectRef>
+            <a:fontRef idx="minor">
+              <a:schemeClr val="tx1"/>
+            </a:fontRef>
+          </p:style>
+        </p:cxnSp>
+        <p:sp>
+          <p:nvSpPr>
+            <p:cNvPr id="74" name="Rectangle 23">
+              <a:extLst>
+                <a:ext uri="{FF2B5EF4-FFF2-40B4-BE49-F238E27FC236}">
+                  <a16:creationId xmlns:a16="http://schemas.microsoft.com/office/drawing/2014/main" id="{83539C1B-883E-4130-95FA-2A6FD3E49A6A}"/>
+                </a:ext>
+                <a:ext uri="{C183D7F6-B498-43B3-948B-1728B52AA6E4}">
+                  <adec:decorative xmlns:adec="http://schemas.microsoft.com/office/drawing/2017/decorative" val="1"/>
+                </a:ext>
+              </a:extLst>
+            </p:cNvPr>
+            <p:cNvSpPr/>
+            <p:nvPr>
+              <p:extLst>
+                <p:ext uri="{386F3935-93C4-4BCD-93E2-E3B085C9AB24}">
+                  <p16:designElem xmlns:p16="http://schemas.microsoft.com/office/powerpoint/2015/main" val="1"/>
+                </p:ext>
+              </p:extLst>
+            </p:nvPr>
+          </p:nvSpPr>
+          <p:spPr>
+            <a:xfrm>
+              <a:off x="9181476" y="-8467"/>
+              <a:ext cx="3007349" cy="6866467"/>
+            </a:xfrm>
+            <a:custGeom>
+              <a:avLst/>
+              <a:gdLst/>
+              <a:ahLst/>
+              <a:cxnLst/>
+              <a:rect l="l" t="t" r="r" b="b"/>
+              <a:pathLst>
+                <a:path w="3007349" h="6866467">
+                  <a:moveTo>
+                    <a:pt x="2045532" y="0"/>
+                  </a:moveTo>
+                  <a:lnTo>
+                    <a:pt x="3007349" y="0"/>
+                  </a:lnTo>
+                  <a:lnTo>
+                    <a:pt x="3007349" y="6866467"/>
+                  </a:lnTo>
+                  <a:lnTo>
+                    <a:pt x="0" y="6866467"/>
+                  </a:lnTo>
+                  <a:lnTo>
+                    <a:pt x="2045532" y="0"/>
+                  </a:lnTo>
+                  <a:close/>
+                </a:path>
+              </a:pathLst>
+            </a:custGeom>
+            <a:solidFill>
+              <a:schemeClr val="accent1">
+                <a:alpha val="30000"/>
+              </a:schemeClr>
+            </a:solidFill>
+            <a:ln>
+              <a:noFill/>
+            </a:ln>
+            <a:effectLst/>
+          </p:spPr>
+          <p:style>
+            <a:lnRef idx="1">
+              <a:schemeClr val="accent1"/>
+            </a:lnRef>
+            <a:fillRef idx="3">
+              <a:schemeClr val="accent1"/>
+            </a:fillRef>
+            <a:effectRef idx="2">
+              <a:schemeClr val="accent1"/>
+            </a:effectRef>
+            <a:fontRef idx="minor">
+              <a:schemeClr val="lt1"/>
+            </a:fontRef>
+          </p:style>
+        </p:sp>
+        <p:sp>
+          <p:nvSpPr>
+            <p:cNvPr id="1030" name="Rectangle 25">
+              <a:extLst>
+                <a:ext uri="{FF2B5EF4-FFF2-40B4-BE49-F238E27FC236}">
+                  <a16:creationId xmlns:a16="http://schemas.microsoft.com/office/drawing/2014/main" id="{244CEE5F-144C-437F-9472-22EE3E3D1C9A}"/>
+                </a:ext>
+                <a:ext uri="{C183D7F6-B498-43B3-948B-1728B52AA6E4}">
+                  <adec:decorative xmlns:adec="http://schemas.microsoft.com/office/drawing/2017/decorative" val="1"/>
+                </a:ext>
+              </a:extLst>
+            </p:cNvPr>
+            <p:cNvSpPr/>
+            <p:nvPr>
+              <p:extLst>
+                <p:ext uri="{386F3935-93C4-4BCD-93E2-E3B085C9AB24}">
+                  <p16:designElem xmlns:p16="http://schemas.microsoft.com/office/powerpoint/2015/main" val="1"/>
+                </p:ext>
+              </p:extLst>
+            </p:nvPr>
+          </p:nvSpPr>
+          <p:spPr>
+            <a:xfrm>
+              <a:off x="9603442" y="-8467"/>
+              <a:ext cx="2588558" cy="6866467"/>
+            </a:xfrm>
+            <a:custGeom>
+              <a:avLst/>
+              <a:gdLst/>
+              <a:ahLst/>
+              <a:cxnLst/>
+              <a:rect l="l" t="t" r="r" b="b"/>
+              <a:pathLst>
+                <a:path w="2573311" h="6866467">
+                  <a:moveTo>
+                    <a:pt x="0" y="0"/>
+                  </a:moveTo>
+                  <a:lnTo>
+                    <a:pt x="2573311" y="0"/>
+                  </a:lnTo>
+                  <a:lnTo>
+                    <a:pt x="2573311" y="6866467"/>
+                  </a:lnTo>
+                  <a:lnTo>
+                    <a:pt x="1202336" y="6866467"/>
+                  </a:lnTo>
+                  <a:lnTo>
+                    <a:pt x="0" y="0"/>
+                  </a:lnTo>
+                  <a:close/>
+                </a:path>
+              </a:pathLst>
+            </a:custGeom>
+            <a:solidFill>
+              <a:schemeClr val="accent1">
+                <a:alpha val="20000"/>
+              </a:schemeClr>
+            </a:solidFill>
+            <a:ln>
+              <a:noFill/>
+            </a:ln>
+            <a:effectLst/>
+          </p:spPr>
+          <p:style>
+            <a:lnRef idx="1">
+              <a:schemeClr val="accent1"/>
+            </a:lnRef>
+            <a:fillRef idx="3">
+              <a:schemeClr val="accent1"/>
+            </a:fillRef>
+            <a:effectRef idx="2">
+              <a:schemeClr val="accent1"/>
+            </a:effectRef>
+            <a:fontRef idx="minor">
+              <a:schemeClr val="lt1"/>
+            </a:fontRef>
+          </p:style>
+        </p:sp>
+        <p:sp>
+          <p:nvSpPr>
+            <p:cNvPr id="76" name="Isosceles Triangle 75">
+              <a:extLst>
+                <a:ext uri="{FF2B5EF4-FFF2-40B4-BE49-F238E27FC236}">
+                  <a16:creationId xmlns:a16="http://schemas.microsoft.com/office/drawing/2014/main" id="{0621BB31-AA71-4E9B-8854-3C62F162FE19}"/>
+                </a:ext>
+                <a:ext uri="{C183D7F6-B498-43B3-948B-1728B52AA6E4}">
+                  <adec:decorative xmlns:adec="http://schemas.microsoft.com/office/drawing/2017/decorative" val="1"/>
+                </a:ext>
+              </a:extLst>
+            </p:cNvPr>
+            <p:cNvSpPr/>
+            <p:nvPr>
+              <p:extLst>
+                <p:ext uri="{386F3935-93C4-4BCD-93E2-E3B085C9AB24}">
+                  <p16:designElem xmlns:p16="http://schemas.microsoft.com/office/powerpoint/2015/main" val="1"/>
+                </p:ext>
+              </p:extLst>
+            </p:nvPr>
+          </p:nvSpPr>
+          <p:spPr>
+            <a:xfrm>
+              <a:off x="8932333" y="3048000"/>
+              <a:ext cx="3259667" cy="3810000"/>
+            </a:xfrm>
+            <a:prstGeom prst="triangle">
+              <a:avLst>
+                <a:gd name="adj" fmla="val 100000"/>
+              </a:avLst>
+            </a:prstGeom>
+            <a:solidFill>
+              <a:schemeClr val="accent2">
+                <a:alpha val="72000"/>
+              </a:schemeClr>
+            </a:solidFill>
+            <a:ln>
+              <a:noFill/>
+            </a:ln>
+            <a:effectLst/>
+          </p:spPr>
+          <p:style>
+            <a:lnRef idx="1">
+              <a:schemeClr val="accent1"/>
+            </a:lnRef>
+            <a:fillRef idx="3">
+              <a:schemeClr val="accent1"/>
+            </a:fillRef>
+            <a:effectRef idx="2">
+              <a:schemeClr val="accent1"/>
+            </a:effectRef>
+            <a:fontRef idx="minor">
+              <a:schemeClr val="lt1"/>
+            </a:fontRef>
+          </p:style>
+        </p:sp>
+        <p:sp>
+          <p:nvSpPr>
+            <p:cNvPr id="1031" name="Rectangle 27">
+              <a:extLst>
+                <a:ext uri="{FF2B5EF4-FFF2-40B4-BE49-F238E27FC236}">
+                  <a16:creationId xmlns:a16="http://schemas.microsoft.com/office/drawing/2014/main" id="{5336141D-E3C6-4E7B-8923-B31C3E16F017}"/>
+                </a:ext>
+                <a:ext uri="{C183D7F6-B498-43B3-948B-1728B52AA6E4}">
+                  <adec:decorative xmlns:adec="http://schemas.microsoft.com/office/drawing/2017/decorative" val="1"/>
+                </a:ext>
+              </a:extLst>
+            </p:cNvPr>
+            <p:cNvSpPr/>
+            <p:nvPr>
+              <p:extLst>
+                <p:ext uri="{386F3935-93C4-4BCD-93E2-E3B085C9AB24}">
+                  <p16:designElem xmlns:p16="http://schemas.microsoft.com/office/powerpoint/2015/main" val="1"/>
+                </p:ext>
+              </p:extLst>
+            </p:nvPr>
+          </p:nvSpPr>
+          <p:spPr>
+            <a:xfrm>
+              <a:off x="9334500" y="-8467"/>
+              <a:ext cx="2854326" cy="6866467"/>
+            </a:xfrm>
+            <a:custGeom>
+              <a:avLst/>
+              <a:gdLst/>
+              <a:ahLst/>
+              <a:cxnLst/>
+              <a:rect l="l" t="t" r="r" b="b"/>
+              <a:pathLst>
+                <a:path w="2858013" h="6866467">
+                  <a:moveTo>
+                    <a:pt x="0" y="0"/>
+                  </a:moveTo>
+                  <a:lnTo>
+                    <a:pt x="2858013" y="0"/>
+                  </a:lnTo>
+                  <a:lnTo>
+                    <a:pt x="2858013" y="6866467"/>
+                  </a:lnTo>
+                  <a:lnTo>
+                    <a:pt x="2473942" y="6866467"/>
+                  </a:lnTo>
+                  <a:lnTo>
+                    <a:pt x="0" y="0"/>
+                  </a:lnTo>
+                  <a:close/>
+                </a:path>
+              </a:pathLst>
+            </a:custGeom>
+            <a:solidFill>
+              <a:schemeClr val="accent2">
+                <a:lumMod val="75000"/>
+                <a:alpha val="70000"/>
+              </a:schemeClr>
+            </a:solidFill>
+            <a:ln>
+              <a:noFill/>
+            </a:ln>
+            <a:effectLst/>
+          </p:spPr>
+          <p:style>
+            <a:lnRef idx="1">
+              <a:schemeClr val="accent1"/>
+            </a:lnRef>
+            <a:fillRef idx="3">
+              <a:schemeClr val="accent1"/>
+            </a:fillRef>
+            <a:effectRef idx="2">
+              <a:schemeClr val="accent1"/>
+            </a:effectRef>
+            <a:fontRef idx="minor">
+              <a:schemeClr val="lt1"/>
+            </a:fontRef>
+          </p:style>
+        </p:sp>
+        <p:sp>
+          <p:nvSpPr>
+            <p:cNvPr id="78" name="Rectangle 28">
+              <a:extLst>
+                <a:ext uri="{FF2B5EF4-FFF2-40B4-BE49-F238E27FC236}">
+                  <a16:creationId xmlns:a16="http://schemas.microsoft.com/office/drawing/2014/main" id="{F113BE6F-9D13-4E70-B7AB-C8CC2546ADB7}"/>
+                </a:ext>
+                <a:ext uri="{C183D7F6-B498-43B3-948B-1728B52AA6E4}">
+                  <adec:decorative xmlns:adec="http://schemas.microsoft.com/office/drawing/2017/decorative" val="1"/>
+                </a:ext>
+              </a:extLst>
+            </p:cNvPr>
+            <p:cNvSpPr/>
+            <p:nvPr>
+              <p:extLst>
+                <p:ext uri="{386F3935-93C4-4BCD-93E2-E3B085C9AB24}">
+                  <p16:designElem xmlns:p16="http://schemas.microsoft.com/office/powerpoint/2015/main" val="1"/>
+                </p:ext>
+              </p:extLst>
+            </p:nvPr>
+          </p:nvSpPr>
+          <p:spPr>
+            <a:xfrm>
+              <a:off x="10898730" y="-8467"/>
+              <a:ext cx="1290094" cy="6866467"/>
+            </a:xfrm>
+            <a:custGeom>
+              <a:avLst/>
+              <a:gdLst/>
+              <a:ahLst/>
+              <a:cxnLst/>
+              <a:rect l="l" t="t" r="r" b="b"/>
+              <a:pathLst>
+                <a:path w="1290094" h="6858000">
+                  <a:moveTo>
+                    <a:pt x="1019735" y="0"/>
+                  </a:moveTo>
+                  <a:lnTo>
+                    <a:pt x="1290094" y="0"/>
+                  </a:lnTo>
+                  <a:lnTo>
+                    <a:pt x="1290094" y="6858000"/>
+                  </a:lnTo>
+                  <a:lnTo>
+                    <a:pt x="0" y="6858000"/>
+                  </a:lnTo>
+                  <a:lnTo>
+                    <a:pt x="1019735" y="0"/>
+                  </a:lnTo>
+                  <a:close/>
+                </a:path>
+              </a:pathLst>
+            </a:custGeom>
+            <a:solidFill>
+              <a:schemeClr val="accent1">
+                <a:lumMod val="60000"/>
+                <a:lumOff val="40000"/>
+                <a:alpha val="70000"/>
+              </a:schemeClr>
+            </a:solidFill>
+            <a:ln>
+              <a:noFill/>
+            </a:ln>
+            <a:effectLst/>
+          </p:spPr>
+          <p:style>
+            <a:lnRef idx="1">
+              <a:schemeClr val="accent1"/>
+            </a:lnRef>
+            <a:fillRef idx="3">
+              <a:schemeClr val="accent1"/>
+            </a:fillRef>
+            <a:effectRef idx="2">
+              <a:schemeClr val="accent1"/>
+            </a:effectRef>
+            <a:fontRef idx="minor">
+              <a:schemeClr val="lt1"/>
+            </a:fontRef>
+          </p:style>
+        </p:sp>
+        <p:sp>
+          <p:nvSpPr>
+            <p:cNvPr id="79" name="Rectangle 29">
+              <a:extLst>
+                <a:ext uri="{FF2B5EF4-FFF2-40B4-BE49-F238E27FC236}">
+                  <a16:creationId xmlns:a16="http://schemas.microsoft.com/office/drawing/2014/main" id="{FBEB82C3-C636-4A90-B9A5-905EC38E01B3}"/>
+                </a:ext>
+                <a:ext uri="{C183D7F6-B498-43B3-948B-1728B52AA6E4}">
+                  <adec:decorative xmlns:adec="http://schemas.microsoft.com/office/drawing/2017/decorative" val="1"/>
+                </a:ext>
+              </a:extLst>
+            </p:cNvPr>
+            <p:cNvSpPr/>
+            <p:nvPr>
+              <p:extLst>
+                <p:ext uri="{386F3935-93C4-4BCD-93E2-E3B085C9AB24}">
+                  <p16:designElem xmlns:p16="http://schemas.microsoft.com/office/powerpoint/2015/main" val="1"/>
+                </p:ext>
+              </p:extLst>
+            </p:nvPr>
+          </p:nvSpPr>
+          <p:spPr>
+            <a:xfrm>
+              <a:off x="10938999" y="-8467"/>
+              <a:ext cx="1249825" cy="6866467"/>
+            </a:xfrm>
+            <a:custGeom>
+              <a:avLst/>
+              <a:gdLst/>
+              <a:ahLst/>
+              <a:cxnLst/>
+              <a:rect l="l" t="t" r="r" b="b"/>
+              <a:pathLst>
+                <a:path w="1249825" h="6858000">
+                  <a:moveTo>
+                    <a:pt x="0" y="0"/>
+                  </a:moveTo>
+                  <a:lnTo>
+                    <a:pt x="1249825" y="0"/>
+                  </a:lnTo>
+                  <a:lnTo>
+                    <a:pt x="1249825" y="6858000"/>
+                  </a:lnTo>
+                  <a:lnTo>
+                    <a:pt x="1109382" y="6858000"/>
+                  </a:lnTo>
+                  <a:lnTo>
+                    <a:pt x="0" y="0"/>
+                  </a:lnTo>
+                  <a:close/>
+                </a:path>
+              </a:pathLst>
+            </a:custGeom>
+            <a:solidFill>
+              <a:schemeClr val="accent1">
+                <a:alpha val="65000"/>
+              </a:schemeClr>
+            </a:solidFill>
+            <a:ln>
+              <a:noFill/>
+            </a:ln>
+            <a:effectLst/>
+          </p:spPr>
+          <p:style>
+            <a:lnRef idx="1">
+              <a:schemeClr val="accent1"/>
+            </a:lnRef>
+            <a:fillRef idx="3">
+              <a:schemeClr val="accent1"/>
+            </a:fillRef>
+            <a:effectRef idx="2">
+              <a:schemeClr val="accent1"/>
+            </a:effectRef>
+            <a:fontRef idx="minor">
+              <a:schemeClr val="lt1"/>
+            </a:fontRef>
+          </p:style>
+        </p:sp>
+        <p:sp>
+          <p:nvSpPr>
+            <p:cNvPr id="80" name="Isosceles Triangle 79">
+              <a:extLst>
+                <a:ext uri="{FF2B5EF4-FFF2-40B4-BE49-F238E27FC236}">
+                  <a16:creationId xmlns:a16="http://schemas.microsoft.com/office/drawing/2014/main" id="{646B4C4A-5A81-43CF-93ED-5FA59D5BE763}"/>
+                </a:ext>
+                <a:ext uri="{C183D7F6-B498-43B3-948B-1728B52AA6E4}">
+                  <adec:decorative xmlns:adec="http://schemas.microsoft.com/office/drawing/2017/decorative" val="1"/>
+                </a:ext>
+              </a:extLst>
+            </p:cNvPr>
+            <p:cNvSpPr/>
+            <p:nvPr>
+              <p:extLst>
+                <p:ext uri="{386F3935-93C4-4BCD-93E2-E3B085C9AB24}">
+                  <p16:designElem xmlns:p16="http://schemas.microsoft.com/office/powerpoint/2015/main" val="1"/>
+                </p:ext>
+              </p:extLst>
+            </p:nvPr>
+          </p:nvSpPr>
+          <p:spPr>
+            <a:xfrm>
+              <a:off x="10371666" y="3589867"/>
+              <a:ext cx="1817159" cy="3268133"/>
+            </a:xfrm>
+            <a:prstGeom prst="triangle">
+              <a:avLst>
+                <a:gd name="adj" fmla="val 100000"/>
+              </a:avLst>
+            </a:prstGeom>
+            <a:solidFill>
+              <a:schemeClr val="accent1">
+                <a:alpha val="80000"/>
+              </a:schemeClr>
+            </a:solidFill>
+            <a:ln>
+              <a:noFill/>
+            </a:ln>
+            <a:effectLst/>
+          </p:spPr>
+          <p:style>
+            <a:lnRef idx="1">
+              <a:schemeClr val="accent1"/>
+            </a:lnRef>
+            <a:fillRef idx="3">
+              <a:schemeClr val="accent1"/>
+            </a:fillRef>
+            <a:effectRef idx="2">
+              <a:schemeClr val="accent1"/>
+            </a:effectRef>
+            <a:fontRef idx="minor">
+              <a:schemeClr val="lt1"/>
+            </a:fontRef>
+          </p:style>
+        </p:sp>
+        <p:sp>
+          <p:nvSpPr>
+            <p:cNvPr id="81" name="Isosceles Triangle 80">
+              <a:extLst>
+                <a:ext uri="{FF2B5EF4-FFF2-40B4-BE49-F238E27FC236}">
+                  <a16:creationId xmlns:a16="http://schemas.microsoft.com/office/drawing/2014/main" id="{C3715C1A-EBA1-41A6-AC20-D6A7C48717B4}"/>
+                </a:ext>
+                <a:ext uri="{C183D7F6-B498-43B3-948B-1728B52AA6E4}">
+                  <adec:decorative xmlns:adec="http://schemas.microsoft.com/office/drawing/2017/decorative" val="1"/>
+                </a:ext>
+              </a:extLst>
+            </p:cNvPr>
+            <p:cNvSpPr/>
+            <p:nvPr>
+              <p:extLst>
+                <p:ext uri="{386F3935-93C4-4BCD-93E2-E3B085C9AB24}">
+                  <p16:designElem xmlns:p16="http://schemas.microsoft.com/office/powerpoint/2015/main" val="1"/>
+                </p:ext>
+              </p:extLst>
+            </p:nvPr>
+          </p:nvSpPr>
+          <p:spPr>
+            <a:xfrm rot="10800000">
+              <a:off x="0" y="0"/>
+              <a:ext cx="842596" cy="5666154"/>
+            </a:xfrm>
+            <a:prstGeom prst="triangle">
+              <a:avLst>
+                <a:gd name="adj" fmla="val 100000"/>
+              </a:avLst>
+            </a:prstGeom>
+            <a:solidFill>
+              <a:schemeClr val="accent1">
+                <a:alpha val="85000"/>
+              </a:schemeClr>
+            </a:solidFill>
+            <a:ln>
+              <a:noFill/>
+            </a:ln>
+            <a:effectLst/>
+          </p:spPr>
+          <p:style>
+            <a:lnRef idx="1">
+              <a:schemeClr val="accent1"/>
+            </a:lnRef>
+            <a:fillRef idx="3">
+              <a:schemeClr val="accent1"/>
+            </a:fillRef>
+            <a:effectRef idx="2">
+              <a:schemeClr val="accent1"/>
+            </a:effectRef>
+            <a:fontRef idx="minor">
+              <a:schemeClr val="lt1"/>
+            </a:fontRef>
+          </p:style>
+        </p:sp>
+      </p:grpSp>
       <p:sp>
         <p:nvSpPr>
           <p:cNvPr id="2" name="Titre 1">
             <a:extLst>
               <a:ext uri="{FF2B5EF4-FFF2-40B4-BE49-F238E27FC236}">
-                <a16:creationId xmlns:a16="http://schemas.microsoft.com/office/drawing/2014/main" id="{B2F91F37-C7C9-4514-BAB1-89A40AB0FFE7}"/>
+                <a16:creationId xmlns:a16="http://schemas.microsoft.com/office/drawing/2014/main" id="{66395000-45F3-416E-A198-CDDF95EF7036}"/>
               </a:ext>
             </a:extLst>
           </p:cNvPr>
@@ -3575,56 +6692,77 @@
             <p:ph type="title"/>
           </p:nvPr>
         </p:nvSpPr>
-        <p:spPr/>
-        <p:txBody>
-          <a:bodyPr/>
-          <a:lstStyle/>
-          <a:p>
-            <a:r>
-              <a:rPr lang="en-US" dirty="0"/>
-              <a:t>Maquette du </a:t>
-            </a:r>
-            <a:r>
-              <a:rPr lang="en-US" dirty="0" err="1"/>
-              <a:t>projet</a:t>
-            </a:r>
-            <a:r>
-              <a:rPr lang="en-US" dirty="0"/>
-              <a:t> </a:t>
-            </a:r>
-            <a:endParaRPr lang="fr-FR" dirty="0"/>
-          </a:p>
-        </p:txBody>
-      </p:sp>
-      <p:sp>
-        <p:nvSpPr>
-          <p:cNvPr id="3" name="Espace réservé du contenu 2">
+        <p:spPr>
+          <a:xfrm>
+            <a:off x="1600199" y="4571999"/>
+            <a:ext cx="7673801" cy="1087656"/>
+          </a:xfrm>
+        </p:spPr>
+        <p:txBody>
+          <a:bodyPr vert="horz" lIns="91440" tIns="45720" rIns="91440" bIns="45720" rtlCol="0" anchor="b">
+            <a:normAutofit/>
+          </a:bodyPr>
+          <a:lstStyle/>
+          <a:p>
+            <a:r>
+              <a:rPr lang="en-US" sz="4800"/>
+              <a:t>Conclusion</a:t>
+            </a:r>
+          </a:p>
+        </p:txBody>
+      </p:sp>
+      <p:pic>
+        <p:nvPicPr>
+          <p:cNvPr id="1026" name="Picture 2" descr="Comment faire une conclusion en dissertation ? – Ma dissertation de culture  générale">
             <a:extLst>
               <a:ext uri="{FF2B5EF4-FFF2-40B4-BE49-F238E27FC236}">
-                <a16:creationId xmlns:a16="http://schemas.microsoft.com/office/drawing/2014/main" id="{919A498E-32D1-4C5B-B3AA-BF7985E50473}"/>
+                <a16:creationId xmlns:a16="http://schemas.microsoft.com/office/drawing/2014/main" id="{4897DE24-A145-40E7-AF56-F8D1D7119F0A}"/>
               </a:ext>
             </a:extLst>
           </p:cNvPr>
-          <p:cNvSpPr>
-            <a:spLocks noGrp="1"/>
-          </p:cNvSpPr>
+          <p:cNvPicPr>
+            <a:picLocks noGrp="1" noChangeAspect="1" noChangeArrowheads="1"/>
+          </p:cNvPicPr>
           <p:nvPr>
             <p:ph idx="1"/>
           </p:nvPr>
-        </p:nvSpPr>
-        <p:spPr/>
-        <p:txBody>
-          <a:bodyPr/>
-          <a:lstStyle/>
-          <a:p>
-            <a:endParaRPr lang="fr-FR"/>
-          </a:p>
-        </p:txBody>
-      </p:sp>
+        </p:nvPicPr>
+        <p:blipFill>
+          <a:blip r:embed="rId2">
+            <a:extLst>
+              <a:ext uri="{28A0092B-C50C-407E-A947-70E740481C1C}">
+                <a14:useLocalDpi xmlns:a14="http://schemas.microsoft.com/office/drawing/2010/main" val="0"/>
+              </a:ext>
+            </a:extLst>
+          </a:blip>
+          <a:stretch>
+            <a:fillRect/>
+          </a:stretch>
+        </p:blipFill>
+        <p:spPr bwMode="auto">
+          <a:xfrm>
+            <a:off x="1600201" y="609600"/>
+            <a:ext cx="5898553" cy="3642357"/>
+          </a:xfrm>
+          <a:prstGeom prst="rect">
+            <a:avLst/>
+          </a:prstGeom>
+          <a:noFill/>
+          <a:extLst>
+            <a:ext uri="{909E8E84-426E-40DD-AFC4-6F175D3DCCD1}">
+              <a14:hiddenFill xmlns:a14="http://schemas.microsoft.com/office/drawing/2010/main">
+                <a:solidFill>
+                  <a:srgbClr val="FFFFFF"/>
+                </a:solidFill>
+              </a14:hiddenFill>
+            </a:ext>
+          </a:extLst>
+        </p:spPr>
+      </p:pic>
     </p:spTree>
     <p:extLst>
       <p:ext uri="{BB962C8B-B14F-4D97-AF65-F5344CB8AC3E}">
-        <p14:creationId xmlns:p14="http://schemas.microsoft.com/office/powerpoint/2010/main" val="2077041959"/>
+        <p14:creationId xmlns:p14="http://schemas.microsoft.com/office/powerpoint/2010/main" val="3270418436"/>
       </p:ext>
     </p:extLst>
   </p:cSld>
@@ -3656,7 +6794,7 @@
           <p:cNvPr id="2" name="Titre 1">
             <a:extLst>
               <a:ext uri="{FF2B5EF4-FFF2-40B4-BE49-F238E27FC236}">
-                <a16:creationId xmlns:a16="http://schemas.microsoft.com/office/drawing/2014/main" id="{9AB7B99E-6036-43E4-8B2D-25A7F9010872}"/>
+                <a16:creationId xmlns:a16="http://schemas.microsoft.com/office/drawing/2014/main" id="{AAD16EAA-D709-4261-8D2F-71FA196BA758}"/>
               </a:ext>
             </a:extLst>
           </p:cNvPr>
@@ -3672,7 +6810,10 @@
           <a:bodyPr/>
           <a:lstStyle/>
           <a:p>
-            <a:endParaRPr lang="fr-FR" dirty="0"/>
+            <a:r>
+              <a:rPr lang="fr-FR" dirty="0"/>
+              <a:t>Présentation du projet</a:t>
+            </a:r>
           </a:p>
         </p:txBody>
       </p:sp>
@@ -3681,7 +6822,7 @@
           <p:cNvPr id="3" name="Espace réservé du contenu 2">
             <a:extLst>
               <a:ext uri="{FF2B5EF4-FFF2-40B4-BE49-F238E27FC236}">
-                <a16:creationId xmlns:a16="http://schemas.microsoft.com/office/drawing/2014/main" id="{21DDDDBC-AFBB-4090-849F-A9D37B0D4AFC}"/>
+                <a16:creationId xmlns:a16="http://schemas.microsoft.com/office/drawing/2014/main" id="{78F6C167-250A-44DD-AAFE-0B5E97C42B0F}"/>
               </a:ext>
             </a:extLst>
           </p:cNvPr>
@@ -3704,139 +6845,7 @@
     </p:spTree>
     <p:extLst>
       <p:ext uri="{BB962C8B-B14F-4D97-AF65-F5344CB8AC3E}">
-        <p14:creationId xmlns:p14="http://schemas.microsoft.com/office/powerpoint/2010/main" val="491061821"/>
-      </p:ext>
-    </p:extLst>
-  </p:cSld>
-  <p:clrMapOvr>
-    <a:masterClrMapping/>
-  </p:clrMapOvr>
-</p:sld>
-</file>
-
-<file path=ppt/slides/slide5.xml><?xml version="1.0" encoding="utf-8"?>
-<p:sld xmlns:a="http://schemas.openxmlformats.org/drawingml/2006/main" xmlns:r="http://schemas.openxmlformats.org/officeDocument/2006/relationships" xmlns:p="http://schemas.openxmlformats.org/presentationml/2006/main">
-  <p:cSld>
-    <p:spTree>
-      <p:nvGrpSpPr>
-        <p:cNvPr id="1" name=""/>
-        <p:cNvGrpSpPr/>
-        <p:nvPr/>
-      </p:nvGrpSpPr>
-      <p:grpSpPr>
-        <a:xfrm>
-          <a:off x="0" y="0"/>
-          <a:ext cx="0" cy="0"/>
-          <a:chOff x="0" y="0"/>
-          <a:chExt cx="0" cy="0"/>
-        </a:xfrm>
-      </p:grpSpPr>
-      <p:sp>
-        <p:nvSpPr>
-          <p:cNvPr id="2" name="Titre 1">
-            <a:extLst>
-              <a:ext uri="{FF2B5EF4-FFF2-40B4-BE49-F238E27FC236}">
-                <a16:creationId xmlns:a16="http://schemas.microsoft.com/office/drawing/2014/main" id="{63113F53-D279-4BAF-BFBF-11179CA677A0}"/>
-              </a:ext>
-            </a:extLst>
-          </p:cNvPr>
-          <p:cNvSpPr>
-            <a:spLocks noGrp="1"/>
-          </p:cNvSpPr>
-          <p:nvPr>
-            <p:ph type="title"/>
-          </p:nvPr>
-        </p:nvSpPr>
-        <p:spPr/>
-        <p:txBody>
-          <a:bodyPr/>
-          <a:lstStyle/>
-          <a:p>
-            <a:pPr algn="ctr"/>
-            <a:r>
-              <a:rPr lang="en-US" dirty="0"/>
-              <a:t>Fin </a:t>
-            </a:r>
-            <a:endParaRPr lang="fr-FR" dirty="0"/>
-          </a:p>
-        </p:txBody>
-      </p:sp>
-      <p:sp>
-        <p:nvSpPr>
-          <p:cNvPr id="3" name="Espace réservé du contenu 2">
-            <a:extLst>
-              <a:ext uri="{FF2B5EF4-FFF2-40B4-BE49-F238E27FC236}">
-                <a16:creationId xmlns:a16="http://schemas.microsoft.com/office/drawing/2014/main" id="{AA64776A-062B-4DF1-9DD9-AC5E54976B01}"/>
-              </a:ext>
-            </a:extLst>
-          </p:cNvPr>
-          <p:cNvSpPr>
-            <a:spLocks noGrp="1"/>
-          </p:cNvSpPr>
-          <p:nvPr>
-            <p:ph idx="1"/>
-          </p:nvPr>
-        </p:nvSpPr>
-        <p:spPr/>
-        <p:txBody>
-          <a:bodyPr/>
-          <a:lstStyle/>
-          <a:p>
-            <a:endParaRPr lang="fr-FR" dirty="0"/>
-          </a:p>
-        </p:txBody>
-      </p:sp>
-      <p:pic>
-        <p:nvPicPr>
-          <p:cNvPr id="1026" name="Picture 2" descr="Comment faire une conclusion en dissertation ? – Ma dissertation de culture  générale">
-            <a:extLst>
-              <a:ext uri="{FF2B5EF4-FFF2-40B4-BE49-F238E27FC236}">
-                <a16:creationId xmlns:a16="http://schemas.microsoft.com/office/drawing/2014/main" id="{69CC87FB-C332-4512-BAFD-DB15B19C5C92}"/>
-              </a:ext>
-            </a:extLst>
-          </p:cNvPr>
-          <p:cNvPicPr>
-            <a:picLocks noChangeAspect="1" noChangeArrowheads="1"/>
-          </p:cNvPicPr>
-          <p:nvPr/>
-        </p:nvPicPr>
-        <p:blipFill>
-          <a:blip r:embed="rId2">
-            <a:extLst>
-              <a:ext uri="{28A0092B-C50C-407E-A947-70E740481C1C}">
-                <a14:useLocalDpi xmlns:a14="http://schemas.microsoft.com/office/drawing/2010/main" val="0"/>
-              </a:ext>
-            </a:extLst>
-          </a:blip>
-          <a:srcRect/>
-          <a:stretch>
-            <a:fillRect/>
-          </a:stretch>
-        </p:blipFill>
-        <p:spPr bwMode="auto">
-          <a:xfrm>
-            <a:off x="5505061" y="1591437"/>
-            <a:ext cx="6576994" cy="4062885"/>
-          </a:xfrm>
-          <a:prstGeom prst="rect">
-            <a:avLst/>
-          </a:prstGeom>
-          <a:noFill/>
-          <a:extLst>
-            <a:ext uri="{909E8E84-426E-40DD-AFC4-6F175D3DCCD1}">
-              <a14:hiddenFill xmlns:a14="http://schemas.microsoft.com/office/drawing/2010/main">
-                <a:solidFill>
-                  <a:srgbClr val="FFFFFF"/>
-                </a:solidFill>
-              </a14:hiddenFill>
-            </a:ext>
-          </a:extLst>
-        </p:spPr>
-      </p:pic>
-    </p:spTree>
-    <p:extLst>
-      <p:ext uri="{BB962C8B-B14F-4D97-AF65-F5344CB8AC3E}">
-        <p14:creationId xmlns:p14="http://schemas.microsoft.com/office/powerpoint/2010/main" val="3830912329"/>
+        <p14:creationId xmlns:p14="http://schemas.microsoft.com/office/powerpoint/2010/main" val="2541001542"/>
       </p:ext>
     </p:extLst>
   </p:cSld>
@@ -3847,9 +6856,9 @@
 </file>
 
 <file path=ppt/theme/theme1.xml><?xml version="1.0" encoding="utf-8"?>
-<a:theme xmlns:a="http://schemas.openxmlformats.org/drawingml/2006/main" name="Thème Office">
+<a:theme xmlns:a="http://schemas.openxmlformats.org/drawingml/2006/main" name="Facette">
   <a:themeElements>
-    <a:clrScheme name="Office">
+    <a:clrScheme name="Facet">
       <a:dk1>
         <a:sysClr val="windowText" lastClr="000000"/>
       </a:dk1>
@@ -3857,52 +6866,52 @@
         <a:sysClr val="window" lastClr="FFFFFF"/>
       </a:lt1>
       <a:dk2>
-        <a:srgbClr val="44546A"/>
+        <a:srgbClr val="2C3C43"/>
       </a:dk2>
       <a:lt2>
-        <a:srgbClr val="E7E6E6"/>
+        <a:srgbClr val="EBEBEB"/>
       </a:lt2>
       <a:accent1>
-        <a:srgbClr val="4472C4"/>
+        <a:srgbClr val="90C226"/>
       </a:accent1>
       <a:accent2>
-        <a:srgbClr val="ED7D31"/>
+        <a:srgbClr val="54A021"/>
       </a:accent2>
       <a:accent3>
-        <a:srgbClr val="A5A5A5"/>
+        <a:srgbClr val="E6B91E"/>
       </a:accent3>
       <a:accent4>
-        <a:srgbClr val="FFC000"/>
+        <a:srgbClr val="E76618"/>
       </a:accent4>
       <a:accent5>
-        <a:srgbClr val="5B9BD5"/>
+        <a:srgbClr val="C42F1A"/>
       </a:accent5>
       <a:accent6>
-        <a:srgbClr val="70AD47"/>
+        <a:srgbClr val="918655"/>
       </a:accent6>
       <a:hlink>
-        <a:srgbClr val="0563C1"/>
+        <a:srgbClr val="99CA3C"/>
       </a:hlink>
       <a:folHlink>
-        <a:srgbClr val="954F72"/>
+        <a:srgbClr val="B9D181"/>
       </a:folHlink>
     </a:clrScheme>
-    <a:fontScheme name="Office">
+    <a:fontScheme name="Facet">
       <a:majorFont>
-        <a:latin typeface="Calibri Light" panose="020F0302020204030204"/>
+        <a:latin typeface="Trebuchet MS" panose="020B0603020202020204"/>
         <a:ea typeface=""/>
         <a:cs typeface=""/>
-        <a:font script="Jpan" typeface="游ゴシック Light"/>
+        <a:font script="Jpan" typeface="メイリオ"/>
         <a:font script="Hang" typeface="맑은 고딕"/>
-        <a:font script="Hans" typeface="等线 Light"/>
-        <a:font script="Hant" typeface="新細明體"/>
-        <a:font script="Arab" typeface="Times New Roman"/>
-        <a:font script="Hebr" typeface="Times New Roman"/>
-        <a:font script="Thai" typeface="Angsana New"/>
+        <a:font script="Hans" typeface="方正姚体"/>
+        <a:font script="Hant" typeface="微軟正黑體"/>
+        <a:font script="Arab" typeface="Tahoma"/>
+        <a:font script="Hebr" typeface="Arial"/>
+        <a:font script="Thai" typeface="Cordia New"/>
         <a:font script="Ethi" typeface="Nyala"/>
         <a:font script="Beng" typeface="Vrinda"/>
         <a:font script="Gujr" typeface="Shruti"/>
-        <a:font script="Khmr" typeface="MoolBoran"/>
+        <a:font script="Khmr" typeface="DaunPenh"/>
         <a:font script="Knda" typeface="Tunga"/>
         <a:font script="Guru" typeface="Raavi"/>
         <a:font script="Cans" typeface="Euphemia"/>
@@ -3919,38 +6928,21 @@
         <a:font script="Laoo" typeface="DokChampa"/>
         <a:font script="Sinh" typeface="Iskoola Pota"/>
         <a:font script="Mong" typeface="Mongolian Baiti"/>
-        <a:font script="Viet" typeface="Times New Roman"/>
+        <a:font script="Viet" typeface="Tahoma"/>
         <a:font script="Uigh" typeface="Microsoft Uighur"/>
         <a:font script="Geor" typeface="Sylfaen"/>
-        <a:font script="Armn" typeface="Arial"/>
-        <a:font script="Bugi" typeface="Leelawadee UI"/>
-        <a:font script="Bopo" typeface="Microsoft JhengHei"/>
-        <a:font script="Java" typeface="Javanese Text"/>
-        <a:font script="Lisu" typeface="Segoe UI"/>
-        <a:font script="Mymr" typeface="Myanmar Text"/>
-        <a:font script="Nkoo" typeface="Ebrima"/>
-        <a:font script="Olck" typeface="Nirmala UI"/>
-        <a:font script="Osma" typeface="Ebrima"/>
-        <a:font script="Phag" typeface="Phagspa"/>
-        <a:font script="Syrn" typeface="Estrangelo Edessa"/>
-        <a:font script="Syrj" typeface="Estrangelo Edessa"/>
-        <a:font script="Syre" typeface="Estrangelo Edessa"/>
-        <a:font script="Sora" typeface="Nirmala UI"/>
-        <a:font script="Tale" typeface="Microsoft Tai Le"/>
-        <a:font script="Talu" typeface="Microsoft New Tai Lue"/>
-        <a:font script="Tfng" typeface="Ebrima"/>
       </a:majorFont>
       <a:minorFont>
-        <a:latin typeface="Calibri" panose="020F0502020204030204"/>
+        <a:latin typeface="Trebuchet MS" panose="020B0603020202020204"/>
         <a:ea typeface=""/>
         <a:cs typeface=""/>
-        <a:font script="Jpan" typeface="游ゴシック"/>
-        <a:font script="Hang" typeface="맑은 고딕"/>
-        <a:font script="Hans" typeface="等线"/>
-        <a:font script="Hant" typeface="新細明體"/>
-        <a:font script="Arab" typeface="Arial"/>
-        <a:font script="Hebr" typeface="Arial"/>
-        <a:font script="Thai" typeface="Cordia New"/>
+        <a:font script="Jpan" typeface="メイリオ"/>
+        <a:font script="Hang" typeface="HY그래픽M"/>
+        <a:font script="Hans" typeface="华文新魏"/>
+        <a:font script="Hant" typeface="微軟正黑體"/>
+        <a:font script="Arab" typeface="Tahoma"/>
+        <a:font script="Hebr" typeface="Gisha"/>
+        <a:font script="Thai" typeface="IrisUPC"/>
         <a:font script="Ethi" typeface="Nyala"/>
         <a:font script="Beng" typeface="Vrinda"/>
         <a:font script="Gujr" typeface="Shruti"/>
@@ -3974,26 +6966,9 @@
         <a:font script="Viet" typeface="Arial"/>
         <a:font script="Uigh" typeface="Microsoft Uighur"/>
         <a:font script="Geor" typeface="Sylfaen"/>
-        <a:font script="Armn" typeface="Arial"/>
-        <a:font script="Bugi" typeface="Leelawadee UI"/>
-        <a:font script="Bopo" typeface="Microsoft JhengHei"/>
-        <a:font script="Java" typeface="Javanese Text"/>
-        <a:font script="Lisu" typeface="Segoe UI"/>
-        <a:font script="Mymr" typeface="Myanmar Text"/>
-        <a:font script="Nkoo" typeface="Ebrima"/>
-        <a:font script="Olck" typeface="Nirmala UI"/>
-        <a:font script="Osma" typeface="Ebrima"/>
-        <a:font script="Phag" typeface="Phagspa"/>
-        <a:font script="Syrn" typeface="Estrangelo Edessa"/>
-        <a:font script="Syrj" typeface="Estrangelo Edessa"/>
-        <a:font script="Syre" typeface="Estrangelo Edessa"/>
-        <a:font script="Sora" typeface="Nirmala UI"/>
-        <a:font script="Tale" typeface="Microsoft Tai Le"/>
-        <a:font script="Talu" typeface="Microsoft New Tai Lue"/>
-        <a:font script="Tfng" typeface="Ebrima"/>
       </a:minorFont>
     </a:fontScheme>
-    <a:fmtScheme name="Office">
+    <a:fmtScheme name="Facet">
       <a:fillStyleLst>
         <a:solidFill>
           <a:schemeClr val="phClr"/>
@@ -4002,23 +6977,13 @@
           <a:gsLst>
             <a:gs pos="0">
               <a:schemeClr val="phClr">
+                <a:tint val="65000"/>
                 <a:lumMod val="110000"/>
-                <a:satMod val="105000"/>
-                <a:tint val="67000"/>
               </a:schemeClr>
             </a:gs>
-            <a:gs pos="50000">
+            <a:gs pos="88000">
               <a:schemeClr val="phClr">
-                <a:lumMod val="105000"/>
-                <a:satMod val="103000"/>
-                <a:tint val="73000"/>
-              </a:schemeClr>
-            </a:gs>
-            <a:gs pos="100000">
-              <a:schemeClr val="phClr">
-                <a:lumMod val="105000"/>
-                <a:satMod val="109000"/>
-                <a:tint val="81000"/>
+                <a:tint val="90000"/>
               </a:schemeClr>
             </a:gs>
           </a:gsLst>
@@ -4028,23 +6993,14 @@
           <a:gsLst>
             <a:gs pos="0">
               <a:schemeClr val="phClr">
-                <a:satMod val="103000"/>
-                <a:lumMod val="102000"/>
-                <a:tint val="94000"/>
+                <a:tint val="96000"/>
+                <a:lumMod val="100000"/>
               </a:schemeClr>
             </a:gs>
-            <a:gs pos="50000">
+            <a:gs pos="78000">
               <a:schemeClr val="phClr">
-                <a:satMod val="110000"/>
-                <a:lumMod val="100000"/>
-                <a:shade val="100000"/>
-              </a:schemeClr>
-            </a:gs>
-            <a:gs pos="100000">
-              <a:schemeClr val="phClr">
-                <a:lumMod val="99000"/>
-                <a:satMod val="120000"/>
-                <a:shade val="78000"/>
+                <a:shade val="94000"/>
+                <a:lumMod val="94000"/>
               </a:schemeClr>
             </a:gs>
           </a:gsLst>
@@ -4052,26 +7008,23 @@
         </a:gradFill>
       </a:fillStyleLst>
       <a:lnStyleLst>
-        <a:ln w="6350" cap="flat" cmpd="sng" algn="ctr">
+        <a:ln w="12700" cap="rnd" cmpd="sng" algn="ctr">
           <a:solidFill>
             <a:schemeClr val="phClr"/>
           </a:solidFill>
           <a:prstDash val="solid"/>
-          <a:miter lim="800000"/>
         </a:ln>
-        <a:ln w="12700" cap="flat" cmpd="sng" algn="ctr">
+        <a:ln w="19050" cap="rnd" cmpd="sng" algn="ctr">
           <a:solidFill>
             <a:schemeClr val="phClr"/>
           </a:solidFill>
           <a:prstDash val="solid"/>
-          <a:miter lim="800000"/>
         </a:ln>
-        <a:ln w="19050" cap="flat" cmpd="sng" algn="ctr">
+        <a:ln w="25400" cap="rnd" cmpd="sng" algn="ctr">
           <a:solidFill>
             <a:schemeClr val="phClr"/>
           </a:solidFill>
           <a:prstDash val="solid"/>
-          <a:miter lim="800000"/>
         </a:ln>
       </a:lnStyleLst>
       <a:effectStyleLst>
@@ -4079,54 +7032,72 @@
           <a:effectLst/>
         </a:effectStyle>
         <a:effectStyle>
-          <a:effectLst/>
+          <a:effectLst>
+            <a:outerShdw blurRad="38100" dist="25400" dir="5400000" rotWithShape="0">
+              <a:srgbClr val="000000">
+                <a:alpha val="35000"/>
+              </a:srgbClr>
+            </a:outerShdw>
+          </a:effectLst>
         </a:effectStyle>
         <a:effectStyle>
           <a:effectLst>
-            <a:outerShdw blurRad="57150" dist="19050" dir="5400000" algn="ctr" rotWithShape="0">
+            <a:outerShdw blurRad="50800" dist="38100" dir="5400000" rotWithShape="0">
               <a:srgbClr val="000000">
-                <a:alpha val="63000"/>
+                <a:alpha val="35000"/>
               </a:srgbClr>
             </a:outerShdw>
           </a:effectLst>
+          <a:scene3d>
+            <a:camera prst="orthographicFront">
+              <a:rot lat="0" lon="0" rev="0"/>
+            </a:camera>
+            <a:lightRig rig="threePt" dir="tl"/>
+          </a:scene3d>
+          <a:sp3d prstMaterial="plastic">
+            <a:bevelT w="0" h="0"/>
+          </a:sp3d>
         </a:effectStyle>
       </a:effectStyleLst>
       <a:bgFillStyleLst>
         <a:solidFill>
           <a:schemeClr val="phClr"/>
         </a:solidFill>
-        <a:solidFill>
-          <a:schemeClr val="phClr">
-            <a:tint val="95000"/>
-            <a:satMod val="170000"/>
-          </a:schemeClr>
-        </a:solidFill>
         <a:gradFill rotWithShape="1">
           <a:gsLst>
             <a:gs pos="0">
               <a:schemeClr val="phClr">
-                <a:tint val="93000"/>
-                <a:satMod val="150000"/>
-                <a:shade val="98000"/>
-                <a:lumMod val="102000"/>
+                <a:tint val="90000"/>
+                <a:lumMod val="104000"/>
               </a:schemeClr>
             </a:gs>
-            <a:gs pos="50000">
+            <a:gs pos="94000">
               <a:schemeClr val="phClr">
-                <a:tint val="98000"/>
-                <a:satMod val="130000"/>
-                <a:shade val="90000"/>
-                <a:lumMod val="103000"/>
+                <a:shade val="96000"/>
+                <a:lumMod val="82000"/>
+              </a:schemeClr>
+            </a:gs>
+          </a:gsLst>
+          <a:lin ang="5400000" scaled="0"/>
+        </a:gradFill>
+        <a:gradFill rotWithShape="1">
+          <a:gsLst>
+            <a:gs pos="0">
+              <a:schemeClr val="phClr">
+                <a:tint val="90000"/>
+                <a:lumMod val="110000"/>
               </a:schemeClr>
             </a:gs>
             <a:gs pos="100000">
               <a:schemeClr val="phClr">
-                <a:shade val="63000"/>
-                <a:satMod val="120000"/>
+                <a:shade val="94000"/>
+                <a:lumMod val="96000"/>
               </a:schemeClr>
             </a:gs>
           </a:gsLst>
-          <a:lin ang="5400000" scaled="0"/>
+          <a:path path="circle">
+            <a:fillToRect l="50000" t="50000" r="100000" b="100000"/>
+          </a:path>
         </a:gradFill>
       </a:bgFillStyleLst>
     </a:fmtScheme>
@@ -4135,7 +7106,7 @@
   <a:extraClrSchemeLst/>
   <a:extLst>
     <a:ext uri="{05A4C25C-085E-4340-85A3-A5531E510DB2}">
-      <thm15:themeFamily xmlns:thm15="http://schemas.microsoft.com/office/thememl/2012/main" name="Office Theme" id="{62F939B6-93AF-4DB8-9C6B-D6C7DFDC589F}" vid="{4A3C46E8-61CC-4603-A589-7422A47A8E4A}"/>
+      <thm15:themeFamily xmlns:thm15="http://schemas.microsoft.com/office/thememl/2012/main" name="Facet" id="{C0C680CD-088A-49FC-A102-D699147F32B2}" vid="{8C59B386-999D-4CB6-B907-9F3997C027CC}"/>
     </a:ext>
   </a:extLst>
 </a:theme>
